--- a/slides/IR.pptx
+++ b/slides/IR.pptx
@@ -5,7 +5,7 @@
     <p:sldMasterId id="2147483897" r:id="rId1"/>
   </p:sldMasterIdLst>
   <p:notesMasterIdLst>
-    <p:notesMasterId r:id="rId72"/>
+    <p:notesMasterId r:id="rId71"/>
   </p:notesMasterIdLst>
   <p:sldIdLst>
     <p:sldId id="417" r:id="rId2"/>
@@ -77,7 +77,6 @@
     <p:sldId id="658" r:id="rId68"/>
     <p:sldId id="659" r:id="rId69"/>
     <p:sldId id="660" r:id="rId70"/>
-    <p:sldId id="608" r:id="rId71"/>
   </p:sldIdLst>
   <p:sldSz cx="12192000" cy="6858000"/>
   <p:notesSz cx="6858000" cy="9144000"/>
@@ -5229,90 +5228,6 @@
     <p:extLst>
       <p:ext uri="{BB962C8B-B14F-4D97-AF65-F5344CB8AC3E}">
         <p14:creationId xmlns:p14="http://schemas.microsoft.com/office/powerpoint/2010/main" val="1099655202"/>
-      </p:ext>
-    </p:extLst>
-  </p:cSld>
-  <p:clrMapOvr>
-    <a:masterClrMapping/>
-  </p:clrMapOvr>
-</p:notes>
-</file>
-
-<file path=ppt/notesSlides/notesSlide60.xml><?xml version="1.0" encoding="utf-8"?>
-<p:notes xmlns:a="http://schemas.openxmlformats.org/drawingml/2006/main" xmlns:r="http://schemas.openxmlformats.org/officeDocument/2006/relationships" xmlns:p="http://schemas.openxmlformats.org/presentationml/2006/main">
-  <p:cSld>
-    <p:spTree>
-      <p:nvGrpSpPr>
-        <p:cNvPr id="1" name=""/>
-        <p:cNvGrpSpPr/>
-        <p:nvPr/>
-      </p:nvGrpSpPr>
-      <p:grpSpPr>
-        <a:xfrm>
-          <a:off x="0" y="0"/>
-          <a:ext cx="0" cy="0"/>
-          <a:chOff x="0" y="0"/>
-          <a:chExt cx="0" cy="0"/>
-        </a:xfrm>
-      </p:grpSpPr>
-      <p:sp>
-        <p:nvSpPr>
-          <p:cNvPr id="2" name="Slide Image Placeholder 1"/>
-          <p:cNvSpPr>
-            <a:spLocks noGrp="1" noRot="1" noChangeAspect="1"/>
-          </p:cNvSpPr>
-          <p:nvPr>
-            <p:ph type="sldImg"/>
-          </p:nvPr>
-        </p:nvSpPr>
-        <p:spPr/>
-      </p:sp>
-      <p:sp>
-        <p:nvSpPr>
-          <p:cNvPr id="3" name="Notes Placeholder 2"/>
-          <p:cNvSpPr>
-            <a:spLocks noGrp="1"/>
-          </p:cNvSpPr>
-          <p:nvPr>
-            <p:ph type="body" idx="1"/>
-          </p:nvPr>
-        </p:nvSpPr>
-        <p:spPr/>
-        <p:txBody>
-          <a:bodyPr/>
-          <a:lstStyle/>
-          <a:p>
-            <a:endParaRPr lang="en-US" dirty="0"/>
-          </a:p>
-        </p:txBody>
-      </p:sp>
-      <p:sp>
-        <p:nvSpPr>
-          <p:cNvPr id="4" name="Slide Number Placeholder 3"/>
-          <p:cNvSpPr>
-            <a:spLocks noGrp="1"/>
-          </p:cNvSpPr>
-          <p:nvPr>
-            <p:ph type="sldNum" sz="quarter" idx="10"/>
-          </p:nvPr>
-        </p:nvSpPr>
-        <p:spPr/>
-        <p:txBody>
-          <a:bodyPr/>
-          <a:lstStyle/>
-          <a:p>
-            <a:fld id="{5EC95FEE-7BD5-4386-98BE-4A9F100A6576}" type="slidenum">
-              <a:rPr lang="en-US" smtClean="0"/>
-              <a:t>70</a:t>
-            </a:fld>
-            <a:endParaRPr lang="en-US"/>
-          </a:p>
-        </p:txBody>
-      </p:sp>
-    </p:spTree>
-    <p:extLst>
-      <p:ext uri="{BB962C8B-B14F-4D97-AF65-F5344CB8AC3E}">
-        <p14:creationId xmlns:p14="http://schemas.microsoft.com/office/powerpoint/2010/main" val="3093238998"/>
       </p:ext>
     </p:extLst>
   </p:cSld>
@@ -56075,187 +55990,6 @@
 </p:sld>
 </file>
 
-<file path=ppt/slides/slide70.xml><?xml version="1.0" encoding="utf-8"?>
-<p:sld xmlns:a="http://schemas.openxmlformats.org/drawingml/2006/main" xmlns:r="http://schemas.openxmlformats.org/officeDocument/2006/relationships" xmlns:p="http://schemas.openxmlformats.org/presentationml/2006/main" showMasterSp="0">
-  <p:cSld>
-    <p:spTree>
-      <p:nvGrpSpPr>
-        <p:cNvPr id="1" name=""/>
-        <p:cNvGrpSpPr/>
-        <p:nvPr/>
-      </p:nvGrpSpPr>
-      <p:grpSpPr>
-        <a:xfrm>
-          <a:off x="0" y="0"/>
-          <a:ext cx="0" cy="0"/>
-          <a:chOff x="0" y="0"/>
-          <a:chExt cx="0" cy="0"/>
-        </a:xfrm>
-      </p:grpSpPr>
-      <p:sp>
-        <p:nvSpPr>
-          <p:cNvPr id="4" name="TextBox 3"/>
-          <p:cNvSpPr txBox="1"/>
-          <p:nvPr/>
-        </p:nvSpPr>
-        <p:spPr>
-          <a:xfrm>
-            <a:off x="1011115" y="668215"/>
-            <a:ext cx="10137964" cy="830997"/>
-          </a:xfrm>
-          <a:prstGeom prst="rect">
-            <a:avLst/>
-          </a:prstGeom>
-          <a:noFill/>
-        </p:spPr>
-        <p:txBody>
-          <a:bodyPr wrap="square" rtlCol="0">
-            <a:spAutoFit/>
-          </a:bodyPr>
-          <a:lstStyle/>
-          <a:p>
-            <a:r>
-              <a:rPr lang="en-US" sz="4800" dirty="0" smtClean="0">
-                <a:latin typeface="+mj-lt"/>
-              </a:rPr>
-              <a:t>Implementation</a:t>
-            </a:r>
-            <a:endParaRPr lang="en-US" sz="4800" dirty="0">
-              <a:latin typeface="+mj-lt"/>
-            </a:endParaRPr>
-          </a:p>
-        </p:txBody>
-      </p:sp>
-      <p:sp>
-        <p:nvSpPr>
-          <p:cNvPr id="5" name="TextBox 4"/>
-          <p:cNvSpPr txBox="1"/>
-          <p:nvPr/>
-        </p:nvSpPr>
-        <p:spPr>
-          <a:xfrm>
-            <a:off x="1011115" y="1529866"/>
-            <a:ext cx="10649662" cy="2677656"/>
-          </a:xfrm>
-          <a:prstGeom prst="rect">
-            <a:avLst/>
-          </a:prstGeom>
-          <a:noFill/>
-        </p:spPr>
-        <p:txBody>
-          <a:bodyPr wrap="square" rtlCol="0">
-            <a:spAutoFit/>
-          </a:bodyPr>
-          <a:lstStyle/>
-          <a:p>
-            <a:pPr marL="285750" indent="-285750">
-              <a:buFont typeface="Arial" panose="020B0604020202020204" pitchFamily="34" charset="0"/>
-              <a:buChar char="•"/>
-            </a:pPr>
-            <a:r>
-              <a:rPr lang="en-US" sz="2800" dirty="0" smtClean="0">
-                <a:latin typeface="+mj-lt"/>
-              </a:rPr>
-              <a:t>Classes for IR Instructions</a:t>
-            </a:r>
-            <a:endParaRPr lang="en-US" sz="2800" dirty="0">
-              <a:latin typeface="+mj-lt"/>
-            </a:endParaRPr>
-          </a:p>
-          <a:p>
-            <a:pPr marL="285750" indent="-285750">
-              <a:buFont typeface="Arial" panose="020B0604020202020204" pitchFamily="34" charset="0"/>
-              <a:buChar char="•"/>
-            </a:pPr>
-            <a:r>
-              <a:rPr lang="en-US" sz="2800" dirty="0" smtClean="0">
-                <a:latin typeface="+mj-lt"/>
-              </a:rPr>
-              <a:t>AST Visitor</a:t>
-            </a:r>
-          </a:p>
-          <a:p>
-            <a:pPr marL="742950" lvl="1" indent="-285750">
-              <a:buFont typeface="Arial" panose="020B0604020202020204" pitchFamily="34" charset="0"/>
-              <a:buChar char="•"/>
-            </a:pPr>
-            <a:r>
-              <a:rPr lang="en-US" sz="2800" dirty="0" smtClean="0">
-                <a:latin typeface="+mj-lt"/>
-              </a:rPr>
-              <a:t>Define visitor for each node type</a:t>
-            </a:r>
-          </a:p>
-          <a:p>
-            <a:pPr marL="742950" lvl="1" indent="-285750">
-              <a:buFont typeface="Arial" panose="020B0604020202020204" pitchFamily="34" charset="0"/>
-              <a:buChar char="•"/>
-            </a:pPr>
-            <a:r>
-              <a:rPr lang="en-US" sz="2800" dirty="0" smtClean="0">
-                <a:latin typeface="+mj-lt"/>
-              </a:rPr>
-              <a:t>Returns</a:t>
-            </a:r>
-            <a:endParaRPr lang="en-US" sz="2800" dirty="0" smtClean="0">
-              <a:latin typeface="+mj-lt"/>
-            </a:endParaRPr>
-          </a:p>
-          <a:p>
-            <a:pPr marL="1200150" lvl="2" indent="-285750">
-              <a:buFont typeface="Arial" panose="020B0604020202020204" pitchFamily="34" charset="0"/>
-              <a:buChar char="•"/>
-            </a:pPr>
-            <a:r>
-              <a:rPr lang="en-US" sz="2800" dirty="0" smtClean="0">
-                <a:latin typeface="+mj-lt"/>
-              </a:rPr>
-              <a:t>List of generated instructions</a:t>
-            </a:r>
-          </a:p>
-          <a:p>
-            <a:pPr marL="1200150" lvl="2" indent="-285750">
-              <a:buFont typeface="Arial" panose="020B0604020202020204" pitchFamily="34" charset="0"/>
-              <a:buChar char="•"/>
-            </a:pPr>
-            <a:r>
-              <a:rPr lang="en-US" sz="2800" dirty="0" smtClean="0">
-                <a:latin typeface="+mj-lt"/>
-              </a:rPr>
-              <a:t>Result register (for </a:t>
-            </a:r>
-            <a:r>
-              <a:rPr lang="en-US" sz="2800" dirty="0" smtClean="0">
-                <a:latin typeface="+mj-lt"/>
-              </a:rPr>
-              <a:t>expression nodes)</a:t>
-            </a:r>
-            <a:endParaRPr lang="en-US" sz="2800" dirty="0">
-              <a:latin typeface="+mj-lt"/>
-            </a:endParaRPr>
-          </a:p>
-        </p:txBody>
-      </p:sp>
-    </p:spTree>
-    <p:extLst>
-      <p:ext uri="{BB962C8B-B14F-4D97-AF65-F5344CB8AC3E}">
-        <p14:creationId xmlns:p14="http://schemas.microsoft.com/office/powerpoint/2010/main" val="2448748297"/>
-      </p:ext>
-    </p:extLst>
-  </p:cSld>
-  <p:clrMapOvr>
-    <a:masterClrMapping/>
-  </p:clrMapOvr>
-  <p:timing>
-    <p:tnLst>
-      <p:par>
-        <p:cTn id="1" dur="indefinite" restart="never" nodeType="tmRoot"/>
-      </p:par>
-    </p:tnLst>
-  </p:timing>
-</p:sld>
-</file>
-
 <file path=ppt/slides/slide8.xml><?xml version="1.0" encoding="utf-8"?>
 <p:sld xmlns:a="http://schemas.openxmlformats.org/drawingml/2006/main" xmlns:r="http://schemas.openxmlformats.org/officeDocument/2006/relationships" xmlns:p="http://schemas.openxmlformats.org/presentationml/2006/main" showMasterSp="0">
   <p:cSld>

--- a/slides/IR.pptx
+++ b/slides/IR.pptx
@@ -36813,21 +36813,21 @@
                 <a:latin typeface="Courier New" panose="02070309020205020404" pitchFamily="49" charset="0"/>
                 <a:cs typeface="Courier New" panose="02070309020205020404" pitchFamily="49" charset="0"/>
               </a:rPr>
-              <a:t> t1, </a:t>
-            </a:r>
-            <a:r>
-              <a:rPr lang="en-US" sz="2800" b="1" dirty="0" err="1" smtClean="0">
-                <a:latin typeface="Courier New" panose="02070309020205020404" pitchFamily="49" charset="0"/>
-                <a:cs typeface="Courier New" panose="02070309020205020404" pitchFamily="49" charset="0"/>
-              </a:rPr>
-              <a:t>func</a:t>
+              <a:t> t1</a:t>
+            </a:r>
+            <a:r>
+              <a:rPr lang="en-US" sz="2800" b="1" smtClean="0">
+                <a:latin typeface="Courier New" panose="02070309020205020404" pitchFamily="49" charset="0"/>
+                <a:cs typeface="Courier New" panose="02070309020205020404" pitchFamily="49" charset="0"/>
+              </a:rPr>
+              <a:t>, bar, </a:t>
             </a:r>
             <a:r>
               <a:rPr lang="en-US" sz="2800" b="1" dirty="0" smtClean="0">
                 <a:latin typeface="Courier New" panose="02070309020205020404" pitchFamily="49" charset="0"/>
                 <a:cs typeface="Courier New" panose="02070309020205020404" pitchFamily="49" charset="0"/>
               </a:rPr>
-              <a:t>, t2</a:t>
+              <a:t>t2</a:t>
             </a:r>
             <a:r>
               <a:rPr lang="en-US" sz="2800" b="1" dirty="0" smtClean="0">

--- a/slides/IR.pptx
+++ b/slides/IR.pptx
@@ -9454,7 +9454,7 @@
               <a:rPr lang="en-US" sz="2800" dirty="0" err="1" smtClean="0">
                 <a:latin typeface="+mj-lt"/>
               </a:rPr>
-              <a:t>new_array</a:t>
+              <a:t>new_class</a:t>
             </a:r>
             <a:r>
               <a:rPr lang="en-US" sz="2800" dirty="0" smtClean="0">
@@ -34427,7 +34427,7 @@
                 <a:latin typeface="Courier New" panose="02070309020205020404" pitchFamily="49" charset="0"/>
                 <a:cs typeface="Courier New" panose="02070309020205020404" pitchFamily="49" charset="0"/>
               </a:rPr>
-              <a:t>field_set</a:t>
+              <a:t>array_set</a:t>
             </a:r>
             <a:r>
               <a:rPr lang="en-US" sz="2800" b="1" dirty="0" smtClean="0">
@@ -34945,7 +34945,7 @@
                 <a:latin typeface="Courier New" panose="02070309020205020404" pitchFamily="49" charset="0"/>
                 <a:cs typeface="Courier New" panose="02070309020205020404" pitchFamily="49" charset="0"/>
               </a:rPr>
-              <a:t>t1, f, t3</a:t>
+              <a:t>t1, f, t2</a:t>
             </a:r>
             <a:endParaRPr lang="en-US" sz="2400" b="1" dirty="0" smtClean="0">
               <a:latin typeface="Courier New" panose="02070309020205020404" pitchFamily="49" charset="0"/>
@@ -36813,21 +36813,7 @@
                 <a:latin typeface="Courier New" panose="02070309020205020404" pitchFamily="49" charset="0"/>
                 <a:cs typeface="Courier New" panose="02070309020205020404" pitchFamily="49" charset="0"/>
               </a:rPr>
-              <a:t> t1</a:t>
-            </a:r>
-            <a:r>
-              <a:rPr lang="en-US" sz="2800" b="1" smtClean="0">
-                <a:latin typeface="Courier New" panose="02070309020205020404" pitchFamily="49" charset="0"/>
-                <a:cs typeface="Courier New" panose="02070309020205020404" pitchFamily="49" charset="0"/>
-              </a:rPr>
-              <a:t>, bar, </a:t>
-            </a:r>
-            <a:r>
-              <a:rPr lang="en-US" sz="2800" b="1" dirty="0" smtClean="0">
-                <a:latin typeface="Courier New" panose="02070309020205020404" pitchFamily="49" charset="0"/>
-                <a:cs typeface="Courier New" panose="02070309020205020404" pitchFamily="49" charset="0"/>
-              </a:rPr>
-              <a:t>t2</a:t>
+              <a:t> t1, bar, t2</a:t>
             </a:r>
             <a:r>
               <a:rPr lang="en-US" sz="2800" b="1" dirty="0" smtClean="0">
@@ -43872,12 +43858,16 @@
               <a:t>= </a:t>
             </a:r>
             <a:r>
-              <a:rPr lang="en-US" sz="2000" b="1" dirty="0" smtClean="0">
-                <a:latin typeface="Courier New" panose="02070309020205020404" pitchFamily="49" charset="0"/>
-                <a:cs typeface="Courier New" panose="02070309020205020404" pitchFamily="49" charset="0"/>
-              </a:rPr>
-              <a:t>x</a:t>
-            </a:r>
+              <a:rPr lang="en-US" sz="2000" b="1" dirty="0">
+                <a:latin typeface="Courier New" panose="02070309020205020404" pitchFamily="49" charset="0"/>
+                <a:cs typeface="Courier New" panose="02070309020205020404" pitchFamily="49" charset="0"/>
+              </a:rPr>
+              <a:t>z</a:t>
+            </a:r>
+            <a:endParaRPr lang="en-US" sz="2000" b="1" dirty="0" smtClean="0">
+              <a:latin typeface="Courier New" panose="02070309020205020404" pitchFamily="49" charset="0"/>
+              <a:cs typeface="Courier New" panose="02070309020205020404" pitchFamily="49" charset="0"/>
+            </a:endParaRPr>
           </a:p>
         </p:txBody>
       </p:sp>
@@ -45031,12 +45021,16 @@
               <a:t>= </a:t>
             </a:r>
             <a:r>
-              <a:rPr lang="en-US" sz="2000" b="1" dirty="0" smtClean="0">
-                <a:latin typeface="Courier New" panose="02070309020205020404" pitchFamily="49" charset="0"/>
-                <a:cs typeface="Courier New" panose="02070309020205020404" pitchFamily="49" charset="0"/>
-              </a:rPr>
-              <a:t>x</a:t>
-            </a:r>
+              <a:rPr lang="en-US" sz="2000" b="1" dirty="0">
+                <a:latin typeface="Courier New" panose="02070309020205020404" pitchFamily="49" charset="0"/>
+                <a:cs typeface="Courier New" panose="02070309020205020404" pitchFamily="49" charset="0"/>
+              </a:rPr>
+              <a:t>z</a:t>
+            </a:r>
+            <a:endParaRPr lang="en-US" sz="2000" b="1" dirty="0" smtClean="0">
+              <a:latin typeface="Courier New" panose="02070309020205020404" pitchFamily="49" charset="0"/>
+              <a:cs typeface="Courier New" panose="02070309020205020404" pitchFamily="49" charset="0"/>
+            </a:endParaRPr>
           </a:p>
           <a:p>
             <a:r>
@@ -46166,8 +46160,19 @@
                 <a:latin typeface="Courier New" panose="02070309020205020404" pitchFamily="49" charset="0"/>
                 <a:cs typeface="Courier New" panose="02070309020205020404" pitchFamily="49" charset="0"/>
               </a:rPr>
-              <a:t>t4 = x</a:t>
-            </a:r>
+              <a:t>t4 = </a:t>
+            </a:r>
+            <a:r>
+              <a:rPr lang="en-US" sz="2000" b="1" dirty="0" smtClean="0">
+                <a:latin typeface="Courier New" panose="02070309020205020404" pitchFamily="49" charset="0"/>
+                <a:cs typeface="Courier New" panose="02070309020205020404" pitchFamily="49" charset="0"/>
+              </a:rPr>
+              <a:t>z</a:t>
+            </a:r>
+            <a:endParaRPr lang="en-US" sz="2000" b="1" dirty="0">
+              <a:latin typeface="Courier New" panose="02070309020205020404" pitchFamily="49" charset="0"/>
+              <a:cs typeface="Courier New" panose="02070309020205020404" pitchFamily="49" charset="0"/>
+            </a:endParaRPr>
           </a:p>
           <a:p>
             <a:r>
@@ -51624,8 +51629,19 @@
                 <a:latin typeface="Courier New" panose="02070309020205020404" pitchFamily="49" charset="0"/>
                 <a:cs typeface="Courier New" panose="02070309020205020404" pitchFamily="49" charset="0"/>
               </a:rPr>
-              <a:t>t4 = 0</a:t>
-            </a:r>
+              <a:t>t4 = </a:t>
+            </a:r>
+            <a:r>
+              <a:rPr lang="en-US" sz="2000" b="1" dirty="0" smtClean="0">
+                <a:latin typeface="Courier New" panose="02070309020205020404" pitchFamily="49" charset="0"/>
+                <a:cs typeface="Courier New" panose="02070309020205020404" pitchFamily="49" charset="0"/>
+              </a:rPr>
+              <a:t>1</a:t>
+            </a:r>
+            <a:endParaRPr lang="en-US" sz="2000" b="1" dirty="0">
+              <a:latin typeface="Courier New" panose="02070309020205020404" pitchFamily="49" charset="0"/>
+              <a:cs typeface="Courier New" panose="02070309020205020404" pitchFamily="49" charset="0"/>
+            </a:endParaRPr>
           </a:p>
           <a:p>
             <a:r>
@@ -51663,8 +51679,19 @@
                 <a:latin typeface="Courier New" panose="02070309020205020404" pitchFamily="49" charset="0"/>
                 <a:cs typeface="Courier New" panose="02070309020205020404" pitchFamily="49" charset="0"/>
               </a:rPr>
-              <a:t>t4 = 1</a:t>
-            </a:r>
+              <a:t>t4 = </a:t>
+            </a:r>
+            <a:r>
+              <a:rPr lang="en-US" sz="2000" b="1" dirty="0" smtClean="0">
+                <a:latin typeface="Courier New" panose="02070309020205020404" pitchFamily="49" charset="0"/>
+                <a:cs typeface="Courier New" panose="02070309020205020404" pitchFamily="49" charset="0"/>
+              </a:rPr>
+              <a:t>0</a:t>
+            </a:r>
+            <a:endParaRPr lang="en-US" sz="2000" b="1" dirty="0">
+              <a:latin typeface="Courier New" panose="02070309020205020404" pitchFamily="49" charset="0"/>
+              <a:cs typeface="Courier New" panose="02070309020205020404" pitchFamily="49" charset="0"/>
+            </a:endParaRPr>
           </a:p>
           <a:p>
             <a:r>
@@ -52843,46 +52870,46 @@
                 <a:latin typeface="Courier New" panose="02070309020205020404" pitchFamily="49" charset="0"/>
                 <a:cs typeface="Courier New" panose="02070309020205020404" pitchFamily="49" charset="0"/>
               </a:rPr>
+              <a:t>t4 = 1</a:t>
+            </a:r>
+          </a:p>
+          <a:p>
+            <a:r>
+              <a:rPr lang="en-US" sz="2000" b="1" dirty="0" err="1" smtClean="0">
+                <a:latin typeface="Courier New" panose="02070309020205020404" pitchFamily="49" charset="0"/>
+                <a:cs typeface="Courier New" panose="02070309020205020404" pitchFamily="49" charset="0"/>
+              </a:rPr>
+              <a:t>bgt</a:t>
+            </a:r>
+            <a:r>
+              <a:rPr lang="en-US" sz="2000" b="1" dirty="0" smtClean="0">
+                <a:latin typeface="Courier New" panose="02070309020205020404" pitchFamily="49" charset="0"/>
+                <a:cs typeface="Courier New" panose="02070309020205020404" pitchFamily="49" charset="0"/>
+              </a:rPr>
+              <a:t> t2, t3, </a:t>
+            </a:r>
+            <a:r>
+              <a:rPr lang="en-US" sz="2000" b="1" dirty="0" err="1" smtClean="0">
+                <a:latin typeface="Courier New" panose="02070309020205020404" pitchFamily="49" charset="0"/>
+                <a:cs typeface="Courier New" panose="02070309020205020404" pitchFamily="49" charset="0"/>
+              </a:rPr>
+              <a:t>cmp_label</a:t>
+            </a:r>
+            <a:r>
+              <a:rPr lang="en-US" sz="2000" b="1" dirty="0" smtClean="0">
+                <a:latin typeface="Courier New" panose="02070309020205020404" pitchFamily="49" charset="0"/>
+                <a:cs typeface="Courier New" panose="02070309020205020404" pitchFamily="49" charset="0"/>
+              </a:rPr>
+              <a:t>:</a:t>
+            </a:r>
+          </a:p>
+          <a:p>
+            <a:r>
+              <a:rPr lang="en-US" sz="2000" b="1" dirty="0" smtClean="0">
+                <a:latin typeface="Courier New" panose="02070309020205020404" pitchFamily="49" charset="0"/>
+                <a:cs typeface="Courier New" panose="02070309020205020404" pitchFamily="49" charset="0"/>
+              </a:rPr>
               <a:t>t4 = 0</a:t>
-            </a:r>
-          </a:p>
-          <a:p>
-            <a:r>
-              <a:rPr lang="en-US" sz="2000" b="1" dirty="0" err="1" smtClean="0">
-                <a:latin typeface="Courier New" panose="02070309020205020404" pitchFamily="49" charset="0"/>
-                <a:cs typeface="Courier New" panose="02070309020205020404" pitchFamily="49" charset="0"/>
-              </a:rPr>
-              <a:t>bgt</a:t>
-            </a:r>
-            <a:r>
-              <a:rPr lang="en-US" sz="2000" b="1" dirty="0" smtClean="0">
-                <a:latin typeface="Courier New" panose="02070309020205020404" pitchFamily="49" charset="0"/>
-                <a:cs typeface="Courier New" panose="02070309020205020404" pitchFamily="49" charset="0"/>
-              </a:rPr>
-              <a:t> t2, t3, </a:t>
-            </a:r>
-            <a:r>
-              <a:rPr lang="en-US" sz="2000" b="1" dirty="0" err="1" smtClean="0">
-                <a:latin typeface="Courier New" panose="02070309020205020404" pitchFamily="49" charset="0"/>
-                <a:cs typeface="Courier New" panose="02070309020205020404" pitchFamily="49" charset="0"/>
-              </a:rPr>
-              <a:t>cmp_label</a:t>
-            </a:r>
-            <a:r>
-              <a:rPr lang="en-US" sz="2000" b="1" dirty="0" smtClean="0">
-                <a:latin typeface="Courier New" panose="02070309020205020404" pitchFamily="49" charset="0"/>
-                <a:cs typeface="Courier New" panose="02070309020205020404" pitchFamily="49" charset="0"/>
-              </a:rPr>
-              <a:t>:</a:t>
-            </a:r>
-          </a:p>
-          <a:p>
-            <a:r>
-              <a:rPr lang="en-US" sz="2000" b="1" dirty="0" smtClean="0">
-                <a:latin typeface="Courier New" panose="02070309020205020404" pitchFamily="49" charset="0"/>
-                <a:cs typeface="Courier New" panose="02070309020205020404" pitchFamily="49" charset="0"/>
-              </a:rPr>
-              <a:t>t4 = 1</a:t>
             </a:r>
           </a:p>
           <a:p>
@@ -54120,8 +54147,19 @@
                 <a:latin typeface="Courier New" panose="02070309020205020404" pitchFamily="49" charset="0"/>
                 <a:cs typeface="Courier New" panose="02070309020205020404" pitchFamily="49" charset="0"/>
               </a:rPr>
-              <a:t>t4 = 0</a:t>
-            </a:r>
+              <a:t>t4 = </a:t>
+            </a:r>
+            <a:r>
+              <a:rPr lang="en-US" sz="2000" b="1" dirty="0" smtClean="0">
+                <a:latin typeface="Courier New" panose="02070309020205020404" pitchFamily="49" charset="0"/>
+                <a:cs typeface="Courier New" panose="02070309020205020404" pitchFamily="49" charset="0"/>
+              </a:rPr>
+              <a:t>1</a:t>
+            </a:r>
+            <a:endParaRPr lang="en-US" sz="2000" b="1" dirty="0">
+              <a:latin typeface="Courier New" panose="02070309020205020404" pitchFamily="49" charset="0"/>
+              <a:cs typeface="Courier New" panose="02070309020205020404" pitchFamily="49" charset="0"/>
+            </a:endParaRPr>
           </a:p>
           <a:p>
             <a:r>
@@ -54159,8 +54197,19 @@
                 <a:latin typeface="Courier New" panose="02070309020205020404" pitchFamily="49" charset="0"/>
                 <a:cs typeface="Courier New" panose="02070309020205020404" pitchFamily="49" charset="0"/>
               </a:rPr>
-              <a:t>t4 = 1</a:t>
-            </a:r>
+              <a:t>t4 = </a:t>
+            </a:r>
+            <a:r>
+              <a:rPr lang="en-US" sz="2000" b="1" dirty="0" smtClean="0">
+                <a:latin typeface="Courier New" panose="02070309020205020404" pitchFamily="49" charset="0"/>
+                <a:cs typeface="Courier New" panose="02070309020205020404" pitchFamily="49" charset="0"/>
+              </a:rPr>
+              <a:t>0</a:t>
+            </a:r>
+            <a:endParaRPr lang="en-US" sz="2000" b="1" dirty="0">
+              <a:latin typeface="Courier New" panose="02070309020205020404" pitchFamily="49" charset="0"/>
+              <a:cs typeface="Courier New" panose="02070309020205020404" pitchFamily="49" charset="0"/>
+            </a:endParaRPr>
           </a:p>
           <a:p>
             <a:r>
@@ -55542,8 +55591,19 @@
                 <a:latin typeface="Courier New" panose="02070309020205020404" pitchFamily="49" charset="0"/>
                 <a:cs typeface="Courier New" panose="02070309020205020404" pitchFamily="49" charset="0"/>
               </a:rPr>
-              <a:t>t4 = 0</a:t>
-            </a:r>
+              <a:t>t4 = </a:t>
+            </a:r>
+            <a:r>
+              <a:rPr lang="en-US" sz="2000" b="1" dirty="0" smtClean="0">
+                <a:latin typeface="Courier New" panose="02070309020205020404" pitchFamily="49" charset="0"/>
+                <a:cs typeface="Courier New" panose="02070309020205020404" pitchFamily="49" charset="0"/>
+              </a:rPr>
+              <a:t>1</a:t>
+            </a:r>
+            <a:endParaRPr lang="en-US" sz="2000" b="1" dirty="0">
+              <a:latin typeface="Courier New" panose="02070309020205020404" pitchFamily="49" charset="0"/>
+              <a:cs typeface="Courier New" panose="02070309020205020404" pitchFamily="49" charset="0"/>
+            </a:endParaRPr>
           </a:p>
           <a:p>
             <a:r>
@@ -55581,8 +55641,19 @@
                 <a:latin typeface="Courier New" panose="02070309020205020404" pitchFamily="49" charset="0"/>
                 <a:cs typeface="Courier New" panose="02070309020205020404" pitchFamily="49" charset="0"/>
               </a:rPr>
-              <a:t>t4 = 1</a:t>
-            </a:r>
+              <a:t>t4 = </a:t>
+            </a:r>
+            <a:r>
+              <a:rPr lang="en-US" sz="2000" b="1" dirty="0" smtClean="0">
+                <a:latin typeface="Courier New" panose="02070309020205020404" pitchFamily="49" charset="0"/>
+                <a:cs typeface="Courier New" panose="02070309020205020404" pitchFamily="49" charset="0"/>
+              </a:rPr>
+              <a:t>0</a:t>
+            </a:r>
+            <a:endParaRPr lang="en-US" sz="2000" b="1" dirty="0">
+              <a:latin typeface="Courier New" panose="02070309020205020404" pitchFamily="49" charset="0"/>
+              <a:cs typeface="Courier New" panose="02070309020205020404" pitchFamily="49" charset="0"/>
+            </a:endParaRPr>
           </a:p>
           <a:p>
             <a:r>

--- a/slides/IR.pptx
+++ b/slides/IR.pptx
@@ -265,7 +265,7 @@
           <a:p>
             <a:fld id="{912166FD-9A85-48B8-B5C8-1A087ED81368}" type="datetimeFigureOut">
               <a:rPr lang="en-US" smtClean="0"/>
-              <a:t>12/7/2021</a:t>
+              <a:t>12/28/2022</a:t>
             </a:fld>
             <a:endParaRPr lang="en-US"/>
           </a:p>
@@ -5715,7 +5715,7 @@
           <a:p>
             <a:fld id="{0E5CD31E-43F3-40B0-B003-1CA31CA895B5}" type="datetimeFigureOut">
               <a:rPr lang="en-US" smtClean="0"/>
-              <a:t>12/7/2021</a:t>
+              <a:t>12/28/2022</a:t>
             </a:fld>
             <a:endParaRPr lang="en-US"/>
           </a:p>
@@ -5928,7 +5928,7 @@
           <a:p>
             <a:fld id="{0E5CD31E-43F3-40B0-B003-1CA31CA895B5}" type="datetimeFigureOut">
               <a:rPr lang="en-US" smtClean="0"/>
-              <a:t>12/7/2021</a:t>
+              <a:t>12/28/2022</a:t>
             </a:fld>
             <a:endParaRPr lang="en-US"/>
           </a:p>
@@ -6184,7 +6184,7 @@
           <a:p>
             <a:fld id="{0E5CD31E-43F3-40B0-B003-1CA31CA895B5}" type="datetimeFigureOut">
               <a:rPr lang="en-US" smtClean="0"/>
-              <a:t>12/7/2021</a:t>
+              <a:t>12/28/2022</a:t>
             </a:fld>
             <a:endParaRPr lang="en-US"/>
           </a:p>
@@ -6363,7 +6363,7 @@
           <a:p>
             <a:fld id="{0E5CD31E-43F3-40B0-B003-1CA31CA895B5}" type="datetimeFigureOut">
               <a:rPr lang="en-US" smtClean="0"/>
-              <a:t>12/7/2021</a:t>
+              <a:t>12/28/2022</a:t>
             </a:fld>
             <a:endParaRPr lang="en-US"/>
           </a:p>
@@ -6706,7 +6706,7 @@
           <a:p>
             <a:fld id="{0E5CD31E-43F3-40B0-B003-1CA31CA895B5}" type="datetimeFigureOut">
               <a:rPr lang="en-US" smtClean="0"/>
-              <a:t>12/7/2021</a:t>
+              <a:t>12/28/2022</a:t>
             </a:fld>
             <a:endParaRPr lang="en-US"/>
           </a:p>
@@ -6986,7 +6986,7 @@
           <a:p>
             <a:fld id="{0E5CD31E-43F3-40B0-B003-1CA31CA895B5}" type="datetimeFigureOut">
               <a:rPr lang="en-US" smtClean="0"/>
-              <a:t>12/7/2021</a:t>
+              <a:t>12/28/2022</a:t>
             </a:fld>
             <a:endParaRPr lang="en-US"/>
           </a:p>
@@ -7370,7 +7370,7 @@
           <a:p>
             <a:fld id="{0E5CD31E-43F3-40B0-B003-1CA31CA895B5}" type="datetimeFigureOut">
               <a:rPr lang="en-US" smtClean="0"/>
-              <a:t>12/7/2021</a:t>
+              <a:t>12/28/2022</a:t>
             </a:fld>
             <a:endParaRPr lang="en-US"/>
           </a:p>
@@ -7493,7 +7493,7 @@
           <a:p>
             <a:fld id="{0E5CD31E-43F3-40B0-B003-1CA31CA895B5}" type="datetimeFigureOut">
               <a:rPr lang="en-US" smtClean="0"/>
-              <a:t>12/7/2021</a:t>
+              <a:t>12/28/2022</a:t>
             </a:fld>
             <a:endParaRPr lang="en-US"/>
           </a:p>
@@ -7664,7 +7664,7 @@
           <a:p>
             <a:fld id="{0E5CD31E-43F3-40B0-B003-1CA31CA895B5}" type="datetimeFigureOut">
               <a:rPr lang="en-US" smtClean="0"/>
-              <a:t>12/7/2021</a:t>
+              <a:t>12/28/2022</a:t>
             </a:fld>
             <a:endParaRPr lang="en-US"/>
           </a:p>
@@ -8023,7 +8023,7 @@
           <a:p>
             <a:fld id="{0E5CD31E-43F3-40B0-B003-1CA31CA895B5}" type="datetimeFigureOut">
               <a:rPr lang="en-US" smtClean="0"/>
-              <a:t>12/7/2021</a:t>
+              <a:t>12/28/2022</a:t>
             </a:fld>
             <a:endParaRPr lang="en-US"/>
           </a:p>
@@ -8410,7 +8410,7 @@
           <a:p>
             <a:fld id="{0E5CD31E-43F3-40B0-B003-1CA31CA895B5}" type="datetimeFigureOut">
               <a:rPr lang="en-US" smtClean="0"/>
-              <a:t>12/7/2021</a:t>
+              <a:t>12/28/2022</a:t>
             </a:fld>
             <a:endParaRPr lang="en-US"/>
           </a:p>
@@ -8697,7 +8697,7 @@
           <a:p>
             <a:fld id="{0E5CD31E-43F3-40B0-B003-1CA31CA895B5}" type="datetimeFigureOut">
               <a:rPr lang="en-US" smtClean="0"/>
-              <a:t>12/7/2021</a:t>
+              <a:t>12/28/2022</a:t>
             </a:fld>
             <a:endParaRPr lang="en-US"/>
           </a:p>
@@ -9357,13 +9357,7 @@
               <a:rPr lang="en-US" sz="4800" dirty="0" smtClean="0">
                 <a:latin typeface="+mj-lt"/>
               </a:rPr>
-              <a:t>IR </a:t>
-            </a:r>
-            <a:r>
-              <a:rPr lang="en-US" sz="4800" dirty="0" smtClean="0">
-                <a:latin typeface="+mj-lt"/>
-              </a:rPr>
-              <a:t>Instructions</a:t>
+              <a:t>IR Instructions</a:t>
             </a:r>
             <a:endParaRPr lang="en-US" sz="4800" dirty="0">
               <a:latin typeface="+mj-lt"/>
@@ -9498,9 +9492,6 @@
               </a:rPr>
               <a:t>&gt;</a:t>
             </a:r>
-            <a:endParaRPr lang="en-US" sz="2800" b="1" dirty="0" smtClean="0">
-              <a:latin typeface="+mj-lt"/>
-            </a:endParaRPr>
           </a:p>
           <a:p>
             <a:pPr marL="742950" lvl="1" indent="-285750">
@@ -10310,7 +10301,7 @@
               <a:gd name="adj2" fmla="val 50000"/>
             </a:avLst>
           </a:prstGeom>
-          <a:ln>
+          <a:ln w="19050">
             <a:solidFill>
               <a:schemeClr val="tx1"/>
             </a:solidFill>
@@ -10356,7 +10347,7 @@
               <a:gd name="adj2" fmla="val 50000"/>
             </a:avLst>
           </a:prstGeom>
-          <a:ln>
+          <a:ln w="19050">
             <a:solidFill>
               <a:schemeClr val="tx1"/>
             </a:solidFill>
@@ -10402,7 +10393,7 @@
               <a:gd name="adj2" fmla="val 50000"/>
             </a:avLst>
           </a:prstGeom>
-          <a:ln>
+          <a:ln w="19050">
             <a:solidFill>
               <a:schemeClr val="tx1"/>
             </a:solidFill>
@@ -10776,12 +10767,6 @@
                       </a:rPr>
                       <m:t>, </m:t>
                     </m:r>
-                    <m:r>
-                      <a:rPr lang="en-US" sz="2800" b="0" i="1" smtClean="0">
-                        <a:latin typeface="Cambria Math" panose="02040503050406030204" pitchFamily="18" charset="0"/>
-                      </a:rPr>
-                      <m:t>𝑟𝑒</m:t>
-                    </m:r>
                     <m:sSub>
                       <m:sSubPr>
                         <m:ctrlPr>
@@ -10795,7 +10780,7 @@
                           <a:rPr lang="en-US" sz="2800" b="0" i="1" smtClean="0">
                             <a:latin typeface="Cambria Math" panose="02040503050406030204" pitchFamily="18" charset="0"/>
                           </a:rPr>
-                          <m:t>𝑔</m:t>
+                          <m:t>𝑡</m:t>
                         </m:r>
                       </m:e>
                       <m:sub>
@@ -10885,17 +10870,8 @@
               <a:p>
                 <a:r>
                   <a:rPr lang="en-US" sz="2800" dirty="0" smtClean="0"/>
-                  <a:t>	</a:t>
+                  <a:t>	…	</a:t>
                 </a:r>
-                <a:r>
-                  <a:rPr lang="en-US" sz="2800" dirty="0" smtClean="0"/>
-                  <a:t>…</a:t>
-                </a:r>
-                <a:r>
-                  <a:rPr lang="en-US" sz="2800" dirty="0" smtClean="0"/>
-                  <a:t>	</a:t>
-                </a:r>
-                <a:endParaRPr lang="en-US" sz="2800" dirty="0" smtClean="0"/>
               </a:p>
               <a:p>
                 <a:r>
@@ -10943,26 +10919,20 @@
                       </a:rPr>
                       <m:t>, </m:t>
                     </m:r>
-                    <m:r>
-                      <a:rPr lang="en-US" sz="2800" i="1">
-                        <a:latin typeface="Cambria Math" panose="02040503050406030204" pitchFamily="18" charset="0"/>
-                      </a:rPr>
-                      <m:t>𝑟𝑒</m:t>
-                    </m:r>
                     <m:sSub>
                       <m:sSubPr>
                         <m:ctrlPr>
-                          <a:rPr lang="en-US" sz="2800" i="1">
+                          <a:rPr lang="en-US" sz="2800" b="0" i="1" smtClean="0">
                             <a:latin typeface="Cambria Math" panose="02040503050406030204" pitchFamily="18" charset="0"/>
                           </a:rPr>
                         </m:ctrlPr>
                       </m:sSubPr>
                       <m:e>
                         <m:r>
-                          <a:rPr lang="en-US" sz="2800" i="1">
+                          <a:rPr lang="en-US" sz="2800" b="0" i="1" smtClean="0">
                             <a:latin typeface="Cambria Math" panose="02040503050406030204" pitchFamily="18" charset="0"/>
                           </a:rPr>
-                          <m:t>𝑔</m:t>
+                          <m:t>𝑡</m:t>
                         </m:r>
                       </m:e>
                       <m:sub>
@@ -12208,8 +12178,8 @@
           </a:p>
         </p:txBody>
       </p:sp>
-      <mc:AlternateContent xmlns:mc="http://schemas.openxmlformats.org/markup-compatibility/2006">
-        <mc:Choice xmlns:a14="http://schemas.microsoft.com/office/drawing/2010/main" Requires="a14">
+      <mc:AlternateContent xmlns:mc="http://schemas.openxmlformats.org/markup-compatibility/2006" xmlns:a14="http://schemas.microsoft.com/office/drawing/2010/main">
+        <mc:Choice Requires="a14">
           <p:sp>
             <p:nvSpPr>
               <p:cNvPr id="2" name="Rectangle 1"/>
@@ -12231,6 +12201,7 @@
               </a:bodyPr>
               <a:lstStyle/>
               <a:p>
+                <a:pPr/>
                 <a14:m>
                   <m:oMathPara xmlns:m="http://schemas.openxmlformats.org/officeDocument/2006/math">
                     <m:oMathParaPr>
@@ -12287,7 +12258,7 @@
             </p:txBody>
           </p:sp>
         </mc:Choice>
-        <mc:Fallback>
+        <mc:Fallback xmlns="">
           <p:sp>
             <p:nvSpPr>
               <p:cNvPr id="2" name="Rectangle 1"/>
@@ -12343,7 +12314,7 @@
               <a:gd name="adj2" fmla="val 50000"/>
             </a:avLst>
           </a:prstGeom>
-          <a:ln>
+          <a:ln w="19050">
             <a:solidFill>
               <a:schemeClr val="tx1"/>
             </a:solidFill>
@@ -12372,8 +12343,8 @@
           </a:p>
         </p:txBody>
       </p:sp>
-      <mc:AlternateContent xmlns:mc="http://schemas.openxmlformats.org/markup-compatibility/2006">
-        <mc:Choice xmlns:a14="http://schemas.microsoft.com/office/drawing/2010/main" Requires="a14">
+      <mc:AlternateContent xmlns:mc="http://schemas.openxmlformats.org/markup-compatibility/2006" xmlns:a14="http://schemas.microsoft.com/office/drawing/2010/main">
+        <mc:Choice Requires="a14">
           <p:sp>
             <p:nvSpPr>
               <p:cNvPr id="18" name="Rectangle 17"/>
@@ -12395,6 +12366,7 @@
               </a:bodyPr>
               <a:lstStyle/>
               <a:p>
+                <a:pPr/>
                 <a14:m>
                   <m:oMathPara xmlns:m="http://schemas.openxmlformats.org/officeDocument/2006/math">
                     <m:oMathParaPr>
@@ -12451,7 +12423,7 @@
             </p:txBody>
           </p:sp>
         </mc:Choice>
-        <mc:Fallback>
+        <mc:Fallback xmlns="">
           <p:sp>
             <p:nvSpPr>
               <p:cNvPr id="18" name="Rectangle 17"/>
@@ -12507,7 +12479,7 @@
               <a:gd name="adj2" fmla="val 50000"/>
             </a:avLst>
           </a:prstGeom>
-          <a:ln>
+          <a:ln w="19050">
             <a:solidFill>
               <a:schemeClr val="tx1"/>
             </a:solidFill>
@@ -15350,9 +15322,6 @@
               </a:rPr>
               <a:t>Not executable</a:t>
             </a:r>
-            <a:endParaRPr lang="en-US" sz="2800" dirty="0" smtClean="0">
-              <a:latin typeface="+mj-lt"/>
-            </a:endParaRPr>
           </a:p>
         </p:txBody>
       </p:sp>
@@ -18366,8 +18335,8 @@
           </a:p>
         </p:txBody>
       </p:sp>
-      <mc:AlternateContent xmlns:mc="http://schemas.openxmlformats.org/markup-compatibility/2006">
-        <mc:Choice xmlns:a14="http://schemas.microsoft.com/office/drawing/2010/main" Requires="a14">
+      <mc:AlternateContent xmlns:mc="http://schemas.openxmlformats.org/markup-compatibility/2006" xmlns:a14="http://schemas.microsoft.com/office/drawing/2010/main">
+        <mc:Choice Requires="a14">
           <p:sp>
             <p:nvSpPr>
               <p:cNvPr id="5" name="TextBox 4"/>
@@ -18427,13 +18396,7 @@
                       <a:rPr lang="en-US" sz="2800" b="0" i="1" smtClean="0">
                         <a:latin typeface="Cambria Math" panose="02040503050406030204" pitchFamily="18" charset="0"/>
                       </a:rPr>
-                      <m:t>==</m:t>
-                    </m:r>
-                    <m:r>
-                      <a:rPr lang="en-US" sz="2800" b="0" i="1" smtClean="0">
-                        <a:latin typeface="Cambria Math" panose="02040503050406030204" pitchFamily="18" charset="0"/>
-                      </a:rPr>
-                      <m:t> </m:t>
+                      <m:t>== </m:t>
                     </m:r>
                     <m:sSub>
                       <m:sSubPr>
@@ -18481,7 +18444,7 @@
             </p:txBody>
           </p:sp>
         </mc:Choice>
-        <mc:Fallback>
+        <mc:Fallback xmlns="">
           <p:sp>
             <p:nvSpPr>
               <p:cNvPr id="5" name="TextBox 4"/>
@@ -21039,19 +21002,7 @@
                 <a:latin typeface="Courier New" panose="02070309020205020404" pitchFamily="49" charset="0"/>
                 <a:cs typeface="Courier New" panose="02070309020205020404" pitchFamily="49" charset="0"/>
               </a:rPr>
-              <a:t>t1 </a:t>
-            </a:r>
-            <a:r>
-              <a:rPr lang="en-US" sz="2800" b="1" dirty="0" smtClean="0">
-                <a:solidFill>
-                  <a:schemeClr val="bg1">
-                    <a:lumMod val="50000"/>
-                  </a:schemeClr>
-                </a:solidFill>
-                <a:latin typeface="Courier New" panose="02070309020205020404" pitchFamily="49" charset="0"/>
-                <a:cs typeface="Courier New" panose="02070309020205020404" pitchFamily="49" charset="0"/>
-              </a:rPr>
-              <a:t>= ...</a:t>
+              <a:t>t1 = ...</a:t>
             </a:r>
           </a:p>
           <a:p>
@@ -22052,8 +22003,8 @@
           </a:p>
         </p:txBody>
       </p:sp>
-      <mc:AlternateContent xmlns:mc="http://schemas.openxmlformats.org/markup-compatibility/2006">
-        <mc:Choice xmlns:a14="http://schemas.microsoft.com/office/drawing/2010/main" Requires="a14">
+      <mc:AlternateContent xmlns:mc="http://schemas.openxmlformats.org/markup-compatibility/2006" xmlns:a14="http://schemas.microsoft.com/office/drawing/2010/main">
+        <mc:Choice Requires="a14">
           <p:sp>
             <p:nvSpPr>
               <p:cNvPr id="5" name="TextBox 4"/>
@@ -22189,9 +22140,6 @@
                   </a:rPr>
                   <a:t>)</a:t>
                 </a:r>
-                <a:endParaRPr lang="en-US" sz="2800" i="1" dirty="0" smtClean="0">
-                  <a:latin typeface="+mj-lt"/>
-                </a:endParaRPr>
               </a:p>
               <a:p>
                 <a:pPr marL="285750" indent="-285750">
@@ -22205,7 +22153,7 @@
             </p:txBody>
           </p:sp>
         </mc:Choice>
-        <mc:Fallback>
+        <mc:Fallback xmlns="">
           <p:sp>
             <p:nvSpPr>
               <p:cNvPr id="5" name="TextBox 4"/>
@@ -22378,26 +22326,8 @@
                 <a:latin typeface="Courier New" panose="02070309020205020404" pitchFamily="49" charset="0"/>
                 <a:cs typeface="Courier New" panose="02070309020205020404" pitchFamily="49" charset="0"/>
               </a:rPr>
-              <a:t> f, t1</a:t>
-            </a:r>
-            <a:r>
-              <a:rPr lang="en-US" sz="2400" b="1" dirty="0" smtClean="0">
-                <a:latin typeface="Courier New" panose="02070309020205020404" pitchFamily="49" charset="0"/>
-                <a:cs typeface="Courier New" panose="02070309020205020404" pitchFamily="49" charset="0"/>
-              </a:rPr>
-              <a:t>, t2, </a:t>
-            </a:r>
-            <a:r>
-              <a:rPr lang="en-US" sz="2400" b="1" dirty="0" smtClean="0">
-                <a:latin typeface="Courier New" panose="02070309020205020404" pitchFamily="49" charset="0"/>
-                <a:cs typeface="Courier New" panose="02070309020205020404" pitchFamily="49" charset="0"/>
-              </a:rPr>
-              <a:t>...</a:t>
-            </a:r>
-            <a:endParaRPr lang="en-US" sz="2400" b="1" dirty="0" smtClean="0">
-              <a:latin typeface="Courier New" panose="02070309020205020404" pitchFamily="49" charset="0"/>
-              <a:cs typeface="Courier New" panose="02070309020205020404" pitchFamily="49" charset="0"/>
-            </a:endParaRPr>
+              <a:t> f, t1, t2, ...</a:t>
+            </a:r>
           </a:p>
         </p:txBody>
       </p:sp>
@@ -23006,14 +22936,7 @@
                 <a:latin typeface="Courier New" panose="02070309020205020404" pitchFamily="49" charset="0"/>
                 <a:cs typeface="Courier New" panose="02070309020205020404" pitchFamily="49" charset="0"/>
               </a:rPr>
-              <a:t> = add t2, </a:t>
-            </a:r>
-            <a:r>
-              <a:rPr lang="en-US" sz="2800" b="1" dirty="0" smtClean="0">
-                <a:latin typeface="Courier New" panose="02070309020205020404" pitchFamily="49" charset="0"/>
-                <a:cs typeface="Courier New" panose="02070309020205020404" pitchFamily="49" charset="0"/>
-              </a:rPr>
-              <a:t>t3</a:t>
+              <a:t> = add t2, t3</a:t>
             </a:r>
           </a:p>
           <a:p>
@@ -23123,8 +23046,8 @@
           </a:p>
         </p:txBody>
       </p:sp>
-      <mc:AlternateContent xmlns:mc="http://schemas.openxmlformats.org/markup-compatibility/2006">
-        <mc:Choice xmlns:a14="http://schemas.microsoft.com/office/drawing/2010/main" Requires="a14">
+      <mc:AlternateContent xmlns:mc="http://schemas.openxmlformats.org/markup-compatibility/2006" xmlns:a14="http://schemas.microsoft.com/office/drawing/2010/main">
+        <mc:Choice Requires="a14">
           <p:sp>
             <p:nvSpPr>
               <p:cNvPr id="5" name="TextBox 4"/>
@@ -23212,7 +23135,7 @@
             </p:txBody>
           </p:sp>
         </mc:Choice>
-        <mc:Fallback>
+        <mc:Fallback xmlns="">
           <p:sp>
             <p:nvSpPr>
               <p:cNvPr id="5" name="TextBox 4"/>
@@ -23317,14 +23240,7 @@
                 <a:latin typeface="Courier New" panose="02070309020205020404" pitchFamily="49" charset="0"/>
                 <a:cs typeface="Courier New" panose="02070309020205020404" pitchFamily="49" charset="0"/>
               </a:rPr>
-              <a:t>t2 </a:t>
-            </a:r>
-            <a:r>
-              <a:rPr lang="en-US" sz="2800" b="1" dirty="0" smtClean="0">
-                <a:latin typeface="Courier New" panose="02070309020205020404" pitchFamily="49" charset="0"/>
-                <a:cs typeface="Courier New" panose="02070309020205020404" pitchFamily="49" charset="0"/>
-              </a:rPr>
-              <a:t>= </a:t>
+              <a:t>t2 = </a:t>
             </a:r>
             <a:r>
               <a:rPr lang="en-US" sz="2800" b="1" dirty="0" err="1" smtClean="0">
@@ -23334,17 +23250,7 @@
                 <a:latin typeface="Courier New" panose="02070309020205020404" pitchFamily="49" charset="0"/>
                 <a:cs typeface="Courier New" panose="02070309020205020404" pitchFamily="49" charset="0"/>
               </a:rPr>
-              <a:t>new_a</a:t>
-            </a:r>
-            <a:r>
-              <a:rPr lang="en-US" sz="2800" b="1" dirty="0" err="1" smtClean="0">
-                <a:solidFill>
-                  <a:srgbClr val="C00000"/>
-                </a:solidFill>
-                <a:latin typeface="Courier New" panose="02070309020205020404" pitchFamily="49" charset="0"/>
-                <a:cs typeface="Courier New" panose="02070309020205020404" pitchFamily="49" charset="0"/>
-              </a:rPr>
-              <a:t>rray</a:t>
+              <a:t>new_array</a:t>
             </a:r>
             <a:r>
               <a:rPr lang="en-US" sz="2800" b="1" dirty="0" smtClean="0">
@@ -23363,10 +23269,6 @@
               </a:rPr>
               <a:t>t1</a:t>
             </a:r>
-            <a:endParaRPr lang="en-US" sz="2800" b="1" dirty="0" smtClean="0">
-              <a:latin typeface="Courier New" panose="02070309020205020404" pitchFamily="49" charset="0"/>
-              <a:cs typeface="Courier New" panose="02070309020205020404" pitchFamily="49" charset="0"/>
-            </a:endParaRPr>
           </a:p>
         </p:txBody>
       </p:sp>
@@ -23413,8 +23315,8 @@
           </a:p>
         </p:txBody>
       </p:sp>
-      <mc:AlternateContent xmlns:mc="http://schemas.openxmlformats.org/markup-compatibility/2006">
-        <mc:Choice xmlns:a14="http://schemas.microsoft.com/office/drawing/2010/main" Requires="a14">
+      <mc:AlternateContent xmlns:mc="http://schemas.openxmlformats.org/markup-compatibility/2006" xmlns:a14="http://schemas.microsoft.com/office/drawing/2010/main">
+        <mc:Choice Requires="a14">
           <p:sp>
             <p:nvSpPr>
               <p:cNvPr id="19" name="TextBox 18"/>
@@ -23504,7 +23406,7 @@
             </p:txBody>
           </p:sp>
         </mc:Choice>
-        <mc:Fallback>
+        <mc:Fallback xmlns="">
           <p:sp>
             <p:nvSpPr>
               <p:cNvPr id="19" name="TextBox 18"/>
@@ -23873,13 +23775,7 @@
               <a:rPr lang="en-US" sz="2800" dirty="0" smtClean="0">
                 <a:latin typeface="+mj-lt"/>
               </a:rPr>
-              <a:t>assignments, add</a:t>
-            </a:r>
-            <a:r>
-              <a:rPr lang="en-US" sz="2800" dirty="0" smtClean="0">
-                <a:latin typeface="+mj-lt"/>
-              </a:rPr>
-              <a:t>, sub, call, return, … </a:t>
+              <a:t>assignments, add, sub, call, return, … </a:t>
             </a:r>
           </a:p>
           <a:p>
@@ -24046,9 +23942,6 @@
               </a:rPr>
               <a:t>:</a:t>
             </a:r>
-            <a:endParaRPr lang="en-US" sz="2800" dirty="0" smtClean="0">
-              <a:latin typeface="+mj-lt"/>
-            </a:endParaRPr>
           </a:p>
           <a:p>
             <a:pPr marL="285750" indent="-285750">
@@ -24088,88 +23981,41 @@
                 <a:latin typeface="Courier New" panose="02070309020205020404" pitchFamily="49" charset="0"/>
                 <a:cs typeface="Courier New" panose="02070309020205020404" pitchFamily="49" charset="0"/>
               </a:rPr>
-              <a:t>t1 = </a:t>
+              <a:t>t1 = k</a:t>
+            </a:r>
+          </a:p>
+          <a:p>
+            <a:r>
+              <a:rPr lang="en-US" sz="2800" b="1" dirty="0">
+                <a:latin typeface="Courier New" panose="02070309020205020404" pitchFamily="49" charset="0"/>
+                <a:cs typeface="Courier New" panose="02070309020205020404" pitchFamily="49" charset="0"/>
+              </a:rPr>
+              <a:t>t</a:t>
             </a:r>
             <a:r>
               <a:rPr lang="en-US" sz="2800" b="1" dirty="0" smtClean="0">
                 <a:latin typeface="Courier New" panose="02070309020205020404" pitchFamily="49" charset="0"/>
                 <a:cs typeface="Courier New" panose="02070309020205020404" pitchFamily="49" charset="0"/>
               </a:rPr>
-              <a:t>k</a:t>
-            </a:r>
-            <a:endParaRPr lang="en-US" sz="2800" b="1" dirty="0" smtClean="0">
-              <a:latin typeface="Courier New" panose="02070309020205020404" pitchFamily="49" charset="0"/>
-              <a:cs typeface="Courier New" panose="02070309020205020404" pitchFamily="49" charset="0"/>
-            </a:endParaRPr>
-          </a:p>
-          <a:p>
-            <a:r>
-              <a:rPr lang="en-US" sz="2800" b="1" dirty="0">
-                <a:latin typeface="Courier New" panose="02070309020205020404" pitchFamily="49" charset="0"/>
-                <a:cs typeface="Courier New" panose="02070309020205020404" pitchFamily="49" charset="0"/>
-              </a:rPr>
-              <a:t>t</a:t>
-            </a:r>
+              <a:t>2 = 1</a:t>
+            </a:r>
+          </a:p>
+          <a:p>
             <a:r>
               <a:rPr lang="en-US" sz="2800" b="1" dirty="0" smtClean="0">
                 <a:latin typeface="Courier New" panose="02070309020205020404" pitchFamily="49" charset="0"/>
                 <a:cs typeface="Courier New" panose="02070309020205020404" pitchFamily="49" charset="0"/>
               </a:rPr>
-              <a:t>2 = </a:t>
-            </a:r>
+              <a:t>t3 = add t1, t2</a:t>
+            </a:r>
+          </a:p>
+          <a:p>
             <a:r>
               <a:rPr lang="en-US" sz="2800" b="1" dirty="0" smtClean="0">
                 <a:latin typeface="Courier New" panose="02070309020205020404" pitchFamily="49" charset="0"/>
                 <a:cs typeface="Courier New" panose="02070309020205020404" pitchFamily="49" charset="0"/>
               </a:rPr>
-              <a:t>1</a:t>
-            </a:r>
-            <a:endParaRPr lang="en-US" sz="2800" b="1" dirty="0" smtClean="0">
-              <a:latin typeface="Courier New" panose="02070309020205020404" pitchFamily="49" charset="0"/>
-              <a:cs typeface="Courier New" panose="02070309020205020404" pitchFamily="49" charset="0"/>
-            </a:endParaRPr>
-          </a:p>
-          <a:p>
-            <a:r>
-              <a:rPr lang="en-US" sz="2800" b="1" dirty="0" smtClean="0">
-                <a:latin typeface="Courier New" panose="02070309020205020404" pitchFamily="49" charset="0"/>
-                <a:cs typeface="Courier New" panose="02070309020205020404" pitchFamily="49" charset="0"/>
-              </a:rPr>
-              <a:t>t3 </a:t>
-            </a:r>
-            <a:r>
-              <a:rPr lang="en-US" sz="2800" b="1" dirty="0" smtClean="0">
-                <a:latin typeface="Courier New" panose="02070309020205020404" pitchFamily="49" charset="0"/>
-                <a:cs typeface="Courier New" panose="02070309020205020404" pitchFamily="49" charset="0"/>
-              </a:rPr>
-              <a:t>= add </a:t>
-            </a:r>
-            <a:r>
-              <a:rPr lang="en-US" sz="2800" b="1" dirty="0" smtClean="0">
-                <a:latin typeface="Courier New" panose="02070309020205020404" pitchFamily="49" charset="0"/>
-                <a:cs typeface="Courier New" panose="02070309020205020404" pitchFamily="49" charset="0"/>
-              </a:rPr>
-              <a:t>t1, t2</a:t>
-            </a:r>
-            <a:endParaRPr lang="en-US" sz="2800" b="1" dirty="0" smtClean="0">
-              <a:latin typeface="Courier New" panose="02070309020205020404" pitchFamily="49" charset="0"/>
-              <a:cs typeface="Courier New" panose="02070309020205020404" pitchFamily="49" charset="0"/>
-            </a:endParaRPr>
-          </a:p>
-          <a:p>
-            <a:r>
-              <a:rPr lang="en-US" sz="2800" b="1" dirty="0" smtClean="0">
-                <a:latin typeface="Courier New" panose="02070309020205020404" pitchFamily="49" charset="0"/>
-                <a:cs typeface="Courier New" panose="02070309020205020404" pitchFamily="49" charset="0"/>
-              </a:rPr>
-              <a:t>t4 </a:t>
-            </a:r>
-            <a:r>
-              <a:rPr lang="en-US" sz="2800" b="1" dirty="0" smtClean="0">
-                <a:latin typeface="Courier New" panose="02070309020205020404" pitchFamily="49" charset="0"/>
-                <a:cs typeface="Courier New" panose="02070309020205020404" pitchFamily="49" charset="0"/>
-              </a:rPr>
-              <a:t>= </a:t>
+              <a:t>t4 = </a:t>
             </a:r>
             <a:r>
               <a:rPr lang="en-US" sz="2800" b="1" dirty="0" err="1" smtClean="0">
@@ -25646,8 +25492,8 @@
           </a:p>
         </p:txBody>
       </p:sp>
-      <mc:AlternateContent xmlns:mc="http://schemas.openxmlformats.org/markup-compatibility/2006">
-        <mc:Choice xmlns:a14="http://schemas.microsoft.com/office/drawing/2010/main" Requires="a14">
+      <mc:AlternateContent xmlns:mc="http://schemas.openxmlformats.org/markup-compatibility/2006" xmlns:a14="http://schemas.microsoft.com/office/drawing/2010/main">
+        <mc:Choice Requires="a14">
           <p:sp>
             <p:nvSpPr>
               <p:cNvPr id="5" name="TextBox 4"/>
@@ -25717,7 +25563,7 @@
             </p:txBody>
           </p:sp>
         </mc:Choice>
-        <mc:Fallback>
+        <mc:Fallback xmlns="">
           <p:sp>
             <p:nvSpPr>
               <p:cNvPr id="5" name="TextBox 4"/>
@@ -25940,9 +25786,6 @@
               </a:rPr>
               <a:t>:</a:t>
             </a:r>
-            <a:endParaRPr lang="en-US" sz="2800" dirty="0" smtClean="0">
-              <a:latin typeface="+mj-lt"/>
-            </a:endParaRPr>
           </a:p>
           <a:p>
             <a:pPr marL="285750" indent="-285750">
@@ -25998,10 +25841,6 @@
               </a:rPr>
               <a:t> Point</a:t>
             </a:r>
-            <a:endParaRPr lang="en-US" sz="2800" b="1" dirty="0" smtClean="0">
-              <a:latin typeface="Courier New" panose="02070309020205020404" pitchFamily="49" charset="0"/>
-              <a:cs typeface="Courier New" panose="02070309020205020404" pitchFamily="49" charset="0"/>
-            </a:endParaRPr>
           </a:p>
         </p:txBody>
       </p:sp>
@@ -27411,8 +27250,8 @@
           </a:p>
         </p:txBody>
       </p:sp>
-      <mc:AlternateContent xmlns:mc="http://schemas.openxmlformats.org/markup-compatibility/2006">
-        <mc:Choice xmlns:a14="http://schemas.microsoft.com/office/drawing/2010/main" Requires="a14">
+      <mc:AlternateContent xmlns:mc="http://schemas.openxmlformats.org/markup-compatibility/2006" xmlns:a14="http://schemas.microsoft.com/office/drawing/2010/main">
+        <mc:Choice Requires="a14">
           <p:sp>
             <p:nvSpPr>
               <p:cNvPr id="5" name="TextBox 4"/>
@@ -27511,7 +27350,7 @@
             </p:txBody>
           </p:sp>
         </mc:Choice>
-        <mc:Fallback>
+        <mc:Fallback xmlns="">
           <p:sp>
             <p:nvSpPr>
               <p:cNvPr id="5" name="TextBox 4"/>
@@ -28321,25 +28160,7 @@
                 </a:solidFill>
                 <a:latin typeface="+mj-lt"/>
               </a:rPr>
-              <a:t>if (x * y) </a:t>
-            </a:r>
-            <a:r>
-              <a:rPr lang="en-US" sz="2800" b="1" dirty="0" smtClean="0">
-                <a:solidFill>
-                  <a:srgbClr val="0070C0"/>
-                </a:solidFill>
-                <a:latin typeface="+mj-lt"/>
-              </a:rPr>
-              <a:t>{ </a:t>
-            </a:r>
-            <a:r>
-              <a:rPr lang="en-US" sz="2800" b="1" dirty="0" smtClean="0">
-                <a:solidFill>
-                  <a:srgbClr val="0070C0"/>
-                </a:solidFill>
-                <a:latin typeface="+mj-lt"/>
-              </a:rPr>
-              <a:t>z = 0; }</a:t>
+              <a:t>if (x * y) { z = 0; }</a:t>
             </a:r>
             <a:r>
               <a:rPr lang="en-US" sz="2800" dirty="0" smtClean="0">
@@ -28583,13 +28404,7 @@
               <a:rPr lang="en-US" sz="4800" dirty="0" smtClean="0">
                 <a:latin typeface="+mj-lt"/>
               </a:rPr>
-              <a:t>IR </a:t>
-            </a:r>
-            <a:r>
-              <a:rPr lang="en-US" sz="4800" dirty="0" smtClean="0">
-                <a:latin typeface="+mj-lt"/>
-              </a:rPr>
-              <a:t>Instructions</a:t>
+              <a:t>IR Instructions</a:t>
             </a:r>
             <a:endParaRPr lang="en-US" sz="4800" dirty="0">
               <a:latin typeface="+mj-lt"/>
@@ -28635,13 +28450,7 @@
               <a:rPr lang="en-US" sz="2800" b="1" dirty="0" smtClean="0">
                 <a:latin typeface="+mj-lt"/>
               </a:rPr>
-              <a:t>&lt;register&gt;</a:t>
-            </a:r>
-            <a:r>
-              <a:rPr lang="en-US" sz="2800" b="1" dirty="0" smtClean="0">
-                <a:latin typeface="+mj-lt"/>
-              </a:rPr>
-              <a:t> = &lt;constant&gt;</a:t>
+              <a:t>&lt;register&gt; = &lt;constant&gt;</a:t>
             </a:r>
           </a:p>
           <a:p>
@@ -28729,8 +28538,8 @@
           </a:p>
         </p:txBody>
       </p:sp>
-      <mc:AlternateContent xmlns:mc="http://schemas.openxmlformats.org/markup-compatibility/2006">
-        <mc:Choice xmlns:a14="http://schemas.microsoft.com/office/drawing/2010/main" Requires="a14">
+      <mc:AlternateContent xmlns:mc="http://schemas.openxmlformats.org/markup-compatibility/2006" xmlns:a14="http://schemas.microsoft.com/office/drawing/2010/main">
+        <mc:Choice Requires="a14">
           <p:sp>
             <p:nvSpPr>
               <p:cNvPr id="5" name="TextBox 4"/>
@@ -28904,7 +28713,7 @@
             </p:txBody>
           </p:sp>
         </mc:Choice>
-        <mc:Fallback>
+        <mc:Fallback xmlns="">
           <p:sp>
             <p:nvSpPr>
               <p:cNvPr id="5" name="TextBox 4"/>
@@ -30023,25 +29832,7 @@
                 </a:solidFill>
                 <a:latin typeface="+mj-lt"/>
               </a:rPr>
-              <a:t>if (w) </a:t>
-            </a:r>
-            <a:r>
-              <a:rPr lang="en-US" sz="2800" b="1" dirty="0" smtClean="0">
-                <a:solidFill>
-                  <a:srgbClr val="0070C0"/>
-                </a:solidFill>
-                <a:latin typeface="+mj-lt"/>
-              </a:rPr>
-              <a:t>{ </a:t>
-            </a:r>
-            <a:r>
-              <a:rPr lang="en-US" sz="2800" b="1" dirty="0" smtClean="0">
-                <a:solidFill>
-                  <a:srgbClr val="0070C0"/>
-                </a:solidFill>
-                <a:latin typeface="+mj-lt"/>
-              </a:rPr>
-              <a:t>z = 0; } else { z = 100; }</a:t>
+              <a:t>if (w) { z = 0; } else { z = 100; }</a:t>
             </a:r>
             <a:r>
               <a:rPr lang="en-US" sz="2800" dirty="0" smtClean="0">
@@ -31850,26 +31641,8 @@
                 <a:latin typeface="Courier New" panose="02070309020205020404" pitchFamily="49" charset="0"/>
                 <a:cs typeface="Courier New" panose="02070309020205020404" pitchFamily="49" charset="0"/>
               </a:rPr>
-              <a:t> f, t1</a:t>
-            </a:r>
-            <a:r>
-              <a:rPr lang="en-US" sz="2400" b="1" dirty="0" smtClean="0">
-                <a:latin typeface="Courier New" panose="02070309020205020404" pitchFamily="49" charset="0"/>
-                <a:cs typeface="Courier New" panose="02070309020205020404" pitchFamily="49" charset="0"/>
-              </a:rPr>
-              <a:t>, t2, </a:t>
-            </a:r>
-            <a:r>
-              <a:rPr lang="en-US" sz="2400" b="1" dirty="0" smtClean="0">
-                <a:latin typeface="Courier New" panose="02070309020205020404" pitchFamily="49" charset="0"/>
-                <a:cs typeface="Courier New" panose="02070309020205020404" pitchFamily="49" charset="0"/>
-              </a:rPr>
-              <a:t>...</a:t>
-            </a:r>
-            <a:endParaRPr lang="en-US" sz="2400" b="1" dirty="0" smtClean="0">
-              <a:latin typeface="Courier New" panose="02070309020205020404" pitchFamily="49" charset="0"/>
-              <a:cs typeface="Courier New" panose="02070309020205020404" pitchFamily="49" charset="0"/>
-            </a:endParaRPr>
+              <a:t> f, t1, t2, ...</a:t>
+            </a:r>
           </a:p>
         </p:txBody>
       </p:sp>
@@ -32501,21 +32274,7 @@
                 <a:latin typeface="Courier New" panose="02070309020205020404" pitchFamily="49" charset="0"/>
                 <a:cs typeface="Courier New" panose="02070309020205020404" pitchFamily="49" charset="0"/>
               </a:rPr>
-              <a:t>, t1</a:t>
-            </a:r>
-            <a:r>
-              <a:rPr lang="en-US" sz="2800" b="1" dirty="0" smtClean="0">
-                <a:latin typeface="Courier New" panose="02070309020205020404" pitchFamily="49" charset="0"/>
-                <a:cs typeface="Courier New" panose="02070309020205020404" pitchFamily="49" charset="0"/>
-              </a:rPr>
-              <a:t>, </a:t>
-            </a:r>
-            <a:r>
-              <a:rPr lang="en-US" sz="2800" b="1" dirty="0" smtClean="0">
-                <a:latin typeface="Courier New" panose="02070309020205020404" pitchFamily="49" charset="0"/>
-                <a:cs typeface="Courier New" panose="02070309020205020404" pitchFamily="49" charset="0"/>
-              </a:rPr>
-              <a:t>t4</a:t>
+              <a:t>, t1, t4</a:t>
             </a:r>
             <a:endParaRPr lang="en-US" sz="2800" b="1" dirty="0">
               <a:latin typeface="Courier New" panose="02070309020205020404" pitchFamily="49" charset="0"/>
@@ -33247,8 +33006,8 @@
           </a:p>
         </p:txBody>
       </p:sp>
-      <mc:AlternateContent xmlns:mc="http://schemas.openxmlformats.org/markup-compatibility/2006">
-        <mc:Choice xmlns:a14="http://schemas.microsoft.com/office/drawing/2010/main" Requires="a14">
+      <mc:AlternateContent xmlns:mc="http://schemas.openxmlformats.org/markup-compatibility/2006" xmlns:a14="http://schemas.microsoft.com/office/drawing/2010/main">
+        <mc:Choice Requires="a14">
           <p:sp>
             <p:nvSpPr>
               <p:cNvPr id="5" name="TextBox 4"/>
@@ -33387,7 +33146,7 @@
             </p:txBody>
           </p:sp>
         </mc:Choice>
-        <mc:Fallback>
+        <mc:Fallback xmlns="">
           <p:sp>
             <p:nvSpPr>
               <p:cNvPr id="5" name="TextBox 4"/>
@@ -33599,10 +33358,6 @@
               </a:rPr>
               <a:t>t1, t2, t3</a:t>
             </a:r>
-            <a:endParaRPr lang="en-US" sz="2400" b="1" dirty="0" smtClean="0">
-              <a:latin typeface="Courier New" panose="02070309020205020404" pitchFamily="49" charset="0"/>
-              <a:cs typeface="Courier New" panose="02070309020205020404" pitchFamily="49" charset="0"/>
-            </a:endParaRPr>
           </a:p>
         </p:txBody>
       </p:sp>
@@ -33649,8 +33404,8 @@
           </a:p>
         </p:txBody>
       </p:sp>
-      <mc:AlternateContent xmlns:mc="http://schemas.openxmlformats.org/markup-compatibility/2006">
-        <mc:Choice xmlns:a14="http://schemas.microsoft.com/office/drawing/2010/main" Requires="a14">
+      <mc:AlternateContent xmlns:mc="http://schemas.openxmlformats.org/markup-compatibility/2006" xmlns:a14="http://schemas.microsoft.com/office/drawing/2010/main">
+        <mc:Choice Requires="a14">
           <p:sp>
             <p:nvSpPr>
               <p:cNvPr id="36" name="TextBox 35"/>
@@ -33761,7 +33516,7 @@
             </p:txBody>
           </p:sp>
         </mc:Choice>
-        <mc:Fallback>
+        <mc:Fallback xmlns="">
           <p:sp>
             <p:nvSpPr>
               <p:cNvPr id="36" name="TextBox 35"/>
@@ -33843,8 +33598,8 @@
           </a:p>
         </p:txBody>
       </p:sp>
-      <mc:AlternateContent xmlns:mc="http://schemas.openxmlformats.org/markup-compatibility/2006">
-        <mc:Choice xmlns:a14="http://schemas.microsoft.com/office/drawing/2010/main" Requires="a14">
+      <mc:AlternateContent xmlns:mc="http://schemas.openxmlformats.org/markup-compatibility/2006" xmlns:a14="http://schemas.microsoft.com/office/drawing/2010/main">
+        <mc:Choice Requires="a14">
           <p:sp>
             <p:nvSpPr>
               <p:cNvPr id="10" name="TextBox 9"/>
@@ -33955,7 +33710,7 @@
             </p:txBody>
           </p:sp>
         </mc:Choice>
-        <mc:Fallback>
+        <mc:Fallback xmlns="">
           <p:sp>
             <p:nvSpPr>
               <p:cNvPr id="10" name="TextBox 9"/>
@@ -34037,8 +33792,8 @@
           </a:p>
         </p:txBody>
       </p:sp>
-      <mc:AlternateContent xmlns:mc="http://schemas.openxmlformats.org/markup-compatibility/2006">
-        <mc:Choice xmlns:a14="http://schemas.microsoft.com/office/drawing/2010/main" Requires="a14">
+      <mc:AlternateContent xmlns:mc="http://schemas.openxmlformats.org/markup-compatibility/2006" xmlns:a14="http://schemas.microsoft.com/office/drawing/2010/main">
+        <mc:Choice Requires="a14">
           <p:sp>
             <p:nvSpPr>
               <p:cNvPr id="12" name="TextBox 11"/>
@@ -34149,7 +33904,7 @@
             </p:txBody>
           </p:sp>
         </mc:Choice>
-        <mc:Fallback>
+        <mc:Fallback xmlns="">
           <p:sp>
             <p:nvSpPr>
               <p:cNvPr id="12" name="TextBox 11"/>
@@ -34311,9 +34066,6 @@
               </a:rPr>
               <a:t>:</a:t>
             </a:r>
-            <a:endParaRPr lang="en-US" sz="2800" dirty="0" smtClean="0">
-              <a:latin typeface="+mj-lt"/>
-            </a:endParaRPr>
           </a:p>
           <a:p>
             <a:pPr marL="285750" indent="-285750">
@@ -34380,14 +34132,16 @@
                 <a:latin typeface="Courier New" panose="02070309020205020404" pitchFamily="49" charset="0"/>
                 <a:cs typeface="Courier New" panose="02070309020205020404" pitchFamily="49" charset="0"/>
               </a:rPr>
-              <a:t>t2 = </a:t>
-            </a:r>
+              <a:t>t2 = 0</a:t>
+            </a:r>
+          </a:p>
+          <a:p>
             <a:r>
               <a:rPr lang="en-US" sz="2800" b="1" dirty="0" smtClean="0">
                 <a:latin typeface="Courier New" panose="02070309020205020404" pitchFamily="49" charset="0"/>
                 <a:cs typeface="Courier New" panose="02070309020205020404" pitchFamily="49" charset="0"/>
               </a:rPr>
-              <a:t>0</a:t>
+              <a:t>t3 = x</a:t>
             </a:r>
           </a:p>
           <a:p>
@@ -34396,7 +34150,7 @@
                 <a:latin typeface="Courier New" panose="02070309020205020404" pitchFamily="49" charset="0"/>
                 <a:cs typeface="Courier New" panose="02070309020205020404" pitchFamily="49" charset="0"/>
               </a:rPr>
-              <a:t>t3 = x</a:t>
+              <a:t>t4 = 1</a:t>
             </a:r>
           </a:p>
           <a:p>
@@ -34405,21 +34159,8 @@
                 <a:latin typeface="Courier New" panose="02070309020205020404" pitchFamily="49" charset="0"/>
                 <a:cs typeface="Courier New" panose="02070309020205020404" pitchFamily="49" charset="0"/>
               </a:rPr>
-              <a:t>t4 = 1</a:t>
-            </a:r>
-          </a:p>
-          <a:p>
-            <a:r>
-              <a:rPr lang="en-US" sz="2800" b="1" dirty="0" smtClean="0">
-                <a:latin typeface="Courier New" panose="02070309020205020404" pitchFamily="49" charset="0"/>
-                <a:cs typeface="Courier New" panose="02070309020205020404" pitchFamily="49" charset="0"/>
-              </a:rPr>
               <a:t>t5 = add t3, t4</a:t>
             </a:r>
-            <a:endParaRPr lang="en-US" sz="2800" b="1" dirty="0" smtClean="0">
-              <a:latin typeface="Courier New" panose="02070309020205020404" pitchFamily="49" charset="0"/>
-              <a:cs typeface="Courier New" panose="02070309020205020404" pitchFamily="49" charset="0"/>
-            </a:endParaRPr>
           </a:p>
           <a:p>
             <a:r>
@@ -34506,13 +34247,7 @@
               <a:rPr lang="en-US" sz="4800" dirty="0" smtClean="0">
                 <a:latin typeface="+mj-lt"/>
               </a:rPr>
-              <a:t>IR </a:t>
-            </a:r>
-            <a:r>
-              <a:rPr lang="en-US" sz="4800" dirty="0" smtClean="0">
-                <a:latin typeface="+mj-lt"/>
-              </a:rPr>
-              <a:t>Instructions</a:t>
+              <a:t>IR Instructions</a:t>
             </a:r>
             <a:endParaRPr lang="en-US" sz="4800" dirty="0">
               <a:latin typeface="+mj-lt"/>
@@ -34558,13 +34293,7 @@
               <a:rPr lang="en-US" sz="2800" b="1" dirty="0" smtClean="0">
                 <a:latin typeface="+mj-lt"/>
               </a:rPr>
-              <a:t>&lt;register&gt;</a:t>
-            </a:r>
-            <a:r>
-              <a:rPr lang="en-US" sz="2800" b="1" dirty="0" smtClean="0">
-                <a:latin typeface="+mj-lt"/>
-              </a:rPr>
-              <a:t> = &lt;</a:t>
+              <a:t>&lt;register&gt; = &lt;</a:t>
             </a:r>
             <a:r>
               <a:rPr lang="en-US" sz="2800" b="1" dirty="0" err="1" smtClean="0">
@@ -34634,9 +34363,6 @@
               </a:rPr>
               <a:t>y = t2</a:t>
             </a:r>
-            <a:endParaRPr lang="en-US" sz="2800" dirty="0" smtClean="0">
-              <a:latin typeface="+mj-lt"/>
-            </a:endParaRPr>
           </a:p>
         </p:txBody>
       </p:sp>
@@ -34711,8 +34437,8 @@
           </a:p>
         </p:txBody>
       </p:sp>
-      <mc:AlternateContent xmlns:mc="http://schemas.openxmlformats.org/markup-compatibility/2006">
-        <mc:Choice xmlns:a14="http://schemas.microsoft.com/office/drawing/2010/main" Requires="a14">
+      <mc:AlternateContent xmlns:mc="http://schemas.openxmlformats.org/markup-compatibility/2006" xmlns:a14="http://schemas.microsoft.com/office/drawing/2010/main">
+        <mc:Choice Requires="a14">
           <p:sp>
             <p:nvSpPr>
               <p:cNvPr id="5" name="TextBox 4"/>
@@ -34794,7 +34520,7 @@
             </p:txBody>
           </p:sp>
         </mc:Choice>
-        <mc:Fallback>
+        <mc:Fallback xmlns="">
           <p:sp>
             <p:nvSpPr>
               <p:cNvPr id="5" name="TextBox 4"/>
@@ -34947,10 +34673,6 @@
               </a:rPr>
               <a:t>t1, f, t2</a:t>
             </a:r>
-            <a:endParaRPr lang="en-US" sz="2400" b="1" dirty="0" smtClean="0">
-              <a:latin typeface="Courier New" panose="02070309020205020404" pitchFamily="49" charset="0"/>
-              <a:cs typeface="Courier New" panose="02070309020205020404" pitchFamily="49" charset="0"/>
-            </a:endParaRPr>
           </a:p>
         </p:txBody>
       </p:sp>
@@ -34997,8 +34719,8 @@
           </a:p>
         </p:txBody>
       </p:sp>
-      <mc:AlternateContent xmlns:mc="http://schemas.openxmlformats.org/markup-compatibility/2006">
-        <mc:Choice xmlns:a14="http://schemas.microsoft.com/office/drawing/2010/main" Requires="a14">
+      <mc:AlternateContent xmlns:mc="http://schemas.openxmlformats.org/markup-compatibility/2006" xmlns:a14="http://schemas.microsoft.com/office/drawing/2010/main">
+        <mc:Choice Requires="a14">
           <p:sp>
             <p:nvSpPr>
               <p:cNvPr id="36" name="TextBox 35"/>
@@ -35088,7 +34810,7 @@
             </p:txBody>
           </p:sp>
         </mc:Choice>
-        <mc:Fallback>
+        <mc:Fallback xmlns="">
           <p:sp>
             <p:nvSpPr>
               <p:cNvPr id="36" name="TextBox 35"/>
@@ -35170,8 +34892,8 @@
           </a:p>
         </p:txBody>
       </p:sp>
-      <mc:AlternateContent xmlns:mc="http://schemas.openxmlformats.org/markup-compatibility/2006">
-        <mc:Choice xmlns:a14="http://schemas.microsoft.com/office/drawing/2010/main" Requires="a14">
+      <mc:AlternateContent xmlns:mc="http://schemas.openxmlformats.org/markup-compatibility/2006" xmlns:a14="http://schemas.microsoft.com/office/drawing/2010/main">
+        <mc:Choice Requires="a14">
           <p:sp>
             <p:nvSpPr>
               <p:cNvPr id="10" name="TextBox 9"/>
@@ -35261,7 +34983,7 @@
             </p:txBody>
           </p:sp>
         </mc:Choice>
-        <mc:Fallback>
+        <mc:Fallback xmlns="">
           <p:sp>
             <p:nvSpPr>
               <p:cNvPr id="10" name="TextBox 9"/>
@@ -35423,9 +35145,6 @@
               </a:rPr>
               <a:t>:</a:t>
             </a:r>
-            <a:endParaRPr lang="en-US" sz="2800" dirty="0" smtClean="0">
-              <a:latin typeface="+mj-lt"/>
-            </a:endParaRPr>
           </a:p>
           <a:p>
             <a:pPr marL="285750" indent="-285750">
@@ -35492,19 +35211,8 @@
                 <a:latin typeface="Courier New" panose="02070309020205020404" pitchFamily="49" charset="0"/>
                 <a:cs typeface="Courier New" panose="02070309020205020404" pitchFamily="49" charset="0"/>
               </a:rPr>
-              <a:t>t2 = </a:t>
-            </a:r>
-            <a:r>
-              <a:rPr lang="en-US" sz="2800" b="1" dirty="0" smtClean="0">
-                <a:latin typeface="Courier New" panose="02070309020205020404" pitchFamily="49" charset="0"/>
-                <a:cs typeface="Courier New" panose="02070309020205020404" pitchFamily="49" charset="0"/>
-              </a:rPr>
-              <a:t>7</a:t>
-            </a:r>
-            <a:endParaRPr lang="en-US" sz="2800" b="1" dirty="0" smtClean="0">
-              <a:latin typeface="Courier New" panose="02070309020205020404" pitchFamily="49" charset="0"/>
-              <a:cs typeface="Courier New" panose="02070309020205020404" pitchFamily="49" charset="0"/>
-            </a:endParaRPr>
+              <a:t>t2 = 7</a:t>
+            </a:r>
           </a:p>
           <a:p>
             <a:r>
@@ -35836,15 +35544,6 @@
               </a:rPr>
               <a:t>t1</a:t>
             </a:r>
-            <a:endParaRPr lang="en-US" sz="2400" b="1" dirty="0" smtClean="0">
-              <a:solidFill>
-                <a:schemeClr val="bg1">
-                  <a:lumMod val="50000"/>
-                </a:schemeClr>
-              </a:solidFill>
-              <a:latin typeface="Courier New" panose="02070309020205020404" pitchFamily="49" charset="0"/>
-              <a:cs typeface="Courier New" panose="02070309020205020404" pitchFamily="49" charset="0"/>
-            </a:endParaRPr>
           </a:p>
           <a:p>
             <a:r>
@@ -35871,19 +35570,7 @@
                 <a:latin typeface="Courier New" panose="02070309020205020404" pitchFamily="49" charset="0"/>
                 <a:cs typeface="Courier New" panose="02070309020205020404" pitchFamily="49" charset="0"/>
               </a:rPr>
-              <a:t>t2 </a:t>
-            </a:r>
-            <a:r>
-              <a:rPr lang="en-US" sz="2400" b="1" dirty="0" smtClean="0">
-                <a:solidFill>
-                  <a:schemeClr val="bg1">
-                    <a:lumMod val="50000"/>
-                  </a:schemeClr>
-                </a:solidFill>
-                <a:latin typeface="Courier New" panose="02070309020205020404" pitchFamily="49" charset="0"/>
-                <a:cs typeface="Courier New" panose="02070309020205020404" pitchFamily="49" charset="0"/>
-              </a:rPr>
-              <a:t>= ...</a:t>
+              <a:t>t2 = ...</a:t>
             </a:r>
             <a:endParaRPr lang="en-US" sz="2400" b="1" dirty="0">
               <a:solidFill>
@@ -35929,19 +35616,7 @@
                 <a:latin typeface="Courier New" panose="02070309020205020404" pitchFamily="49" charset="0"/>
                 <a:cs typeface="Courier New" panose="02070309020205020404" pitchFamily="49" charset="0"/>
               </a:rPr>
-              <a:t>t3 </a:t>
-            </a:r>
-            <a:r>
-              <a:rPr lang="en-US" sz="2400" b="1" dirty="0" smtClean="0">
-                <a:solidFill>
-                  <a:schemeClr val="bg1">
-                    <a:lumMod val="50000"/>
-                  </a:schemeClr>
-                </a:solidFill>
-                <a:latin typeface="Courier New" panose="02070309020205020404" pitchFamily="49" charset="0"/>
-                <a:cs typeface="Courier New" panose="02070309020205020404" pitchFamily="49" charset="0"/>
-              </a:rPr>
-              <a:t>= ...</a:t>
+              <a:t>t3 = ...</a:t>
             </a:r>
           </a:p>
           <a:p>
@@ -35969,26 +35644,8 @@
                 <a:latin typeface="Courier New" panose="02070309020205020404" pitchFamily="49" charset="0"/>
                 <a:cs typeface="Courier New" panose="02070309020205020404" pitchFamily="49" charset="0"/>
               </a:rPr>
-              <a:t> t1 f t2, </a:t>
-            </a:r>
-            <a:r>
-              <a:rPr lang="en-US" sz="2400" b="1" dirty="0" smtClean="0">
-                <a:latin typeface="Courier New" panose="02070309020205020404" pitchFamily="49" charset="0"/>
-                <a:cs typeface="Courier New" panose="02070309020205020404" pitchFamily="49" charset="0"/>
-              </a:rPr>
-              <a:t>t3, </a:t>
-            </a:r>
-            <a:r>
-              <a:rPr lang="en-US" sz="2400" b="1" dirty="0" smtClean="0">
-                <a:latin typeface="Courier New" panose="02070309020205020404" pitchFamily="49" charset="0"/>
-                <a:cs typeface="Courier New" panose="02070309020205020404" pitchFamily="49" charset="0"/>
-              </a:rPr>
-              <a:t>...</a:t>
-            </a:r>
-            <a:endParaRPr lang="en-US" sz="2400" b="1" dirty="0" smtClean="0">
-              <a:latin typeface="Courier New" panose="02070309020205020404" pitchFamily="49" charset="0"/>
-              <a:cs typeface="Courier New" panose="02070309020205020404" pitchFamily="49" charset="0"/>
-            </a:endParaRPr>
+              <a:t> t1 f t2, t3, ...</a:t>
+            </a:r>
           </a:p>
         </p:txBody>
       </p:sp>
@@ -36813,21 +36470,7 @@
                 <a:latin typeface="Courier New" panose="02070309020205020404" pitchFamily="49" charset="0"/>
                 <a:cs typeface="Courier New" panose="02070309020205020404" pitchFamily="49" charset="0"/>
               </a:rPr>
-              <a:t> t1, bar, t2</a:t>
-            </a:r>
-            <a:r>
-              <a:rPr lang="en-US" sz="2800" b="1" dirty="0" smtClean="0">
-                <a:latin typeface="Courier New" panose="02070309020205020404" pitchFamily="49" charset="0"/>
-                <a:cs typeface="Courier New" panose="02070309020205020404" pitchFamily="49" charset="0"/>
-              </a:rPr>
-              <a:t>, </a:t>
-            </a:r>
-            <a:r>
-              <a:rPr lang="en-US" sz="2800" b="1" dirty="0" smtClean="0">
-                <a:latin typeface="Courier New" panose="02070309020205020404" pitchFamily="49" charset="0"/>
-                <a:cs typeface="Courier New" panose="02070309020205020404" pitchFamily="49" charset="0"/>
-              </a:rPr>
-              <a:t>t5</a:t>
+              <a:t> t1, bar, t2, t5</a:t>
             </a:r>
             <a:endParaRPr lang="en-US" sz="2800" b="1" dirty="0">
               <a:latin typeface="Courier New" panose="02070309020205020404" pitchFamily="49" charset="0"/>
@@ -37098,13 +36741,6 @@
               </a:rPr>
               <a:t>}</a:t>
             </a:r>
-            <a:endParaRPr lang="en-US" sz="2400" b="1" dirty="0" smtClean="0">
-              <a:solidFill>
-                <a:schemeClr val="tx1"/>
-              </a:solidFill>
-              <a:latin typeface="Courier New" panose="02070309020205020404" pitchFamily="49" charset="0"/>
-              <a:cs typeface="Courier New" panose="02070309020205020404" pitchFamily="49" charset="0"/>
-            </a:endParaRPr>
           </a:p>
         </p:txBody>
       </p:sp>
@@ -37396,11 +37032,6 @@
               </a:rPr>
               <a:t>Statements</a:t>
             </a:r>
-            <a:endParaRPr lang="en-US" sz="1400" dirty="0" smtClean="0">
-              <a:solidFill>
-                <a:schemeClr val="tx1"/>
-              </a:solidFill>
-            </a:endParaRPr>
           </a:p>
         </p:txBody>
       </p:sp>
@@ -37458,11 +37089,6 @@
               </a:rPr>
               <a:t>Assign</a:t>
             </a:r>
-            <a:endParaRPr lang="en-US" sz="1400" dirty="0" smtClean="0">
-              <a:solidFill>
-                <a:schemeClr val="tx1"/>
-              </a:solidFill>
-            </a:endParaRPr>
           </a:p>
         </p:txBody>
       </p:sp>
@@ -37675,11 +37301,6 @@
               </a:rPr>
               <a:t>Return</a:t>
             </a:r>
-            <a:endParaRPr lang="en-US" sz="1400" dirty="0" smtClean="0">
-              <a:solidFill>
-                <a:schemeClr val="tx1"/>
-              </a:solidFill>
-            </a:endParaRPr>
           </a:p>
         </p:txBody>
       </p:sp>
@@ -38010,11 +37631,6 @@
               </a:rPr>
               <a:t>Type</a:t>
             </a:r>
-            <a:endParaRPr lang="en-US" sz="1400" dirty="0" smtClean="0">
-              <a:solidFill>
-                <a:schemeClr val="tx1"/>
-              </a:solidFill>
-            </a:endParaRPr>
           </a:p>
           <a:p>
             <a:pPr algn="ctr"/>
@@ -38432,11 +38048,6 @@
               </a:rPr>
               <a:t>Statements</a:t>
             </a:r>
-            <a:endParaRPr lang="en-US" sz="1400" dirty="0" smtClean="0">
-              <a:solidFill>
-                <a:schemeClr val="tx1"/>
-              </a:solidFill>
-            </a:endParaRPr>
           </a:p>
         </p:txBody>
       </p:sp>
@@ -38494,11 +38105,6 @@
               </a:rPr>
               <a:t>Assign</a:t>
             </a:r>
-            <a:endParaRPr lang="en-US" sz="1400" dirty="0" smtClean="0">
-              <a:solidFill>
-                <a:schemeClr val="tx1"/>
-              </a:solidFill>
-            </a:endParaRPr>
           </a:p>
         </p:txBody>
       </p:sp>
@@ -38711,11 +38317,6 @@
               </a:rPr>
               <a:t>Return</a:t>
             </a:r>
-            <a:endParaRPr lang="en-US" sz="1400" dirty="0" smtClean="0">
-              <a:solidFill>
-                <a:schemeClr val="tx1"/>
-              </a:solidFill>
-            </a:endParaRPr>
           </a:p>
         </p:txBody>
       </p:sp>
@@ -39046,11 +38647,6 @@
               </a:rPr>
               <a:t>Type</a:t>
             </a:r>
-            <a:endParaRPr lang="en-US" sz="1400" dirty="0" smtClean="0">
-              <a:solidFill>
-                <a:schemeClr val="tx1"/>
-              </a:solidFill>
-            </a:endParaRPr>
           </a:p>
           <a:p>
             <a:pPr algn="ctr"/>
@@ -39207,19 +38803,8 @@
                 <a:latin typeface="Courier New" panose="02070309020205020404" pitchFamily="49" charset="0"/>
                 <a:cs typeface="Courier New" panose="02070309020205020404" pitchFamily="49" charset="0"/>
               </a:rPr>
-              <a:t>t1 = </a:t>
-            </a:r>
-            <a:r>
-              <a:rPr lang="en-US" sz="2000" b="1" dirty="0" smtClean="0">
-                <a:latin typeface="Courier New" panose="02070309020205020404" pitchFamily="49" charset="0"/>
-                <a:cs typeface="Courier New" panose="02070309020205020404" pitchFamily="49" charset="0"/>
-              </a:rPr>
-              <a:t>x</a:t>
-            </a:r>
-            <a:endParaRPr lang="en-US" sz="2000" b="1" dirty="0" smtClean="0">
-              <a:latin typeface="Courier New" panose="02070309020205020404" pitchFamily="49" charset="0"/>
-              <a:cs typeface="Courier New" panose="02070309020205020404" pitchFamily="49" charset="0"/>
-            </a:endParaRPr>
+              <a:t>t1 = x</a:t>
+            </a:r>
           </a:p>
         </p:txBody>
       </p:sp>
@@ -39511,11 +39096,6 @@
               </a:rPr>
               <a:t>Statements</a:t>
             </a:r>
-            <a:endParaRPr lang="en-US" sz="1400" dirty="0" smtClean="0">
-              <a:solidFill>
-                <a:schemeClr val="tx1"/>
-              </a:solidFill>
-            </a:endParaRPr>
           </a:p>
         </p:txBody>
       </p:sp>
@@ -39573,11 +39153,6 @@
               </a:rPr>
               <a:t>Assign</a:t>
             </a:r>
-            <a:endParaRPr lang="en-US" sz="1400" dirty="0" smtClean="0">
-              <a:solidFill>
-                <a:schemeClr val="tx1"/>
-              </a:solidFill>
-            </a:endParaRPr>
           </a:p>
         </p:txBody>
       </p:sp>
@@ -39790,11 +39365,6 @@
               </a:rPr>
               <a:t>Return</a:t>
             </a:r>
-            <a:endParaRPr lang="en-US" sz="1400" dirty="0" smtClean="0">
-              <a:solidFill>
-                <a:schemeClr val="tx1"/>
-              </a:solidFill>
-            </a:endParaRPr>
           </a:p>
         </p:txBody>
       </p:sp>
@@ -40125,11 +39695,6 @@
               </a:rPr>
               <a:t>Type</a:t>
             </a:r>
-            <a:endParaRPr lang="en-US" sz="1400" dirty="0" smtClean="0">
-              <a:solidFill>
-                <a:schemeClr val="tx1"/>
-              </a:solidFill>
-            </a:endParaRPr>
           </a:p>
           <a:p>
             <a:pPr algn="ctr"/>
@@ -40286,19 +39851,8 @@
                 <a:latin typeface="Courier New" panose="02070309020205020404" pitchFamily="49" charset="0"/>
                 <a:cs typeface="Courier New" panose="02070309020205020404" pitchFamily="49" charset="0"/>
               </a:rPr>
-              <a:t>t1 = </a:t>
-            </a:r>
-            <a:r>
-              <a:rPr lang="en-US" sz="2000" b="1" dirty="0" smtClean="0">
-                <a:latin typeface="Courier New" panose="02070309020205020404" pitchFamily="49" charset="0"/>
-                <a:cs typeface="Courier New" panose="02070309020205020404" pitchFamily="49" charset="0"/>
-              </a:rPr>
-              <a:t>x</a:t>
-            </a:r>
-            <a:endParaRPr lang="en-US" sz="2000" b="1" dirty="0" smtClean="0">
-              <a:latin typeface="Courier New" panose="02070309020205020404" pitchFamily="49" charset="0"/>
-              <a:cs typeface="Courier New" panose="02070309020205020404" pitchFamily="49" charset="0"/>
-            </a:endParaRPr>
+              <a:t>t1 = x</a:t>
+            </a:r>
           </a:p>
         </p:txBody>
       </p:sp>
@@ -40626,11 +40180,6 @@
               </a:rPr>
               <a:t>Statements</a:t>
             </a:r>
-            <a:endParaRPr lang="en-US" sz="1400" dirty="0" smtClean="0">
-              <a:solidFill>
-                <a:schemeClr val="tx1"/>
-              </a:solidFill>
-            </a:endParaRPr>
           </a:p>
         </p:txBody>
       </p:sp>
@@ -40688,11 +40237,6 @@
               </a:rPr>
               <a:t>Assign</a:t>
             </a:r>
-            <a:endParaRPr lang="en-US" sz="1400" dirty="0" smtClean="0">
-              <a:solidFill>
-                <a:schemeClr val="tx1"/>
-              </a:solidFill>
-            </a:endParaRPr>
           </a:p>
         </p:txBody>
       </p:sp>
@@ -40905,11 +40449,6 @@
               </a:rPr>
               <a:t>Return</a:t>
             </a:r>
-            <a:endParaRPr lang="en-US" sz="1400" dirty="0" smtClean="0">
-              <a:solidFill>
-                <a:schemeClr val="tx1"/>
-              </a:solidFill>
-            </a:endParaRPr>
           </a:p>
         </p:txBody>
       </p:sp>
@@ -41240,11 +40779,6 @@
               </a:rPr>
               <a:t>Type</a:t>
             </a:r>
-            <a:endParaRPr lang="en-US" sz="1400" dirty="0" smtClean="0">
-              <a:solidFill>
-                <a:schemeClr val="tx1"/>
-              </a:solidFill>
-            </a:endParaRPr>
           </a:p>
           <a:p>
             <a:pPr algn="ctr"/>
@@ -41401,44 +40935,33 @@
                 <a:latin typeface="Courier New" panose="02070309020205020404" pitchFamily="49" charset="0"/>
                 <a:cs typeface="Courier New" panose="02070309020205020404" pitchFamily="49" charset="0"/>
               </a:rPr>
-              <a:t>t1 = </a:t>
-            </a:r>
+              <a:t>t1 = x</a:t>
+            </a:r>
+          </a:p>
+          <a:p>
             <a:r>
               <a:rPr lang="en-US" sz="2000" b="1" dirty="0" smtClean="0">
                 <a:latin typeface="Courier New" panose="02070309020205020404" pitchFamily="49" charset="0"/>
                 <a:cs typeface="Courier New" panose="02070309020205020404" pitchFamily="49" charset="0"/>
               </a:rPr>
-              <a:t>x</a:t>
-            </a:r>
-          </a:p>
-          <a:p>
+              <a:t>t2 = y</a:t>
+            </a:r>
+          </a:p>
+          <a:p>
+            <a:r>
+              <a:rPr lang="en-US" sz="2000" b="1" dirty="0">
+                <a:latin typeface="Courier New" panose="02070309020205020404" pitchFamily="49" charset="0"/>
+                <a:cs typeface="Courier New" panose="02070309020205020404" pitchFamily="49" charset="0"/>
+              </a:rPr>
+              <a:t>t</a:t>
+            </a:r>
             <a:r>
               <a:rPr lang="en-US" sz="2000" b="1" dirty="0" smtClean="0">
                 <a:latin typeface="Courier New" panose="02070309020205020404" pitchFamily="49" charset="0"/>
                 <a:cs typeface="Courier New" panose="02070309020205020404" pitchFamily="49" charset="0"/>
               </a:rPr>
-              <a:t>t2 = y</a:t>
-            </a:r>
-          </a:p>
-          <a:p>
-            <a:r>
-              <a:rPr lang="en-US" sz="2000" b="1" dirty="0">
-                <a:latin typeface="Courier New" panose="02070309020205020404" pitchFamily="49" charset="0"/>
-                <a:cs typeface="Courier New" panose="02070309020205020404" pitchFamily="49" charset="0"/>
-              </a:rPr>
-              <a:t>t</a:t>
-            </a:r>
-            <a:r>
-              <a:rPr lang="en-US" sz="2000" b="1" dirty="0" smtClean="0">
-                <a:latin typeface="Courier New" panose="02070309020205020404" pitchFamily="49" charset="0"/>
-                <a:cs typeface="Courier New" panose="02070309020205020404" pitchFamily="49" charset="0"/>
-              </a:rPr>
               <a:t>3 = add t1, t2</a:t>
             </a:r>
-            <a:endParaRPr lang="en-US" sz="2000" b="1" dirty="0" smtClean="0">
-              <a:latin typeface="Courier New" panose="02070309020205020404" pitchFamily="49" charset="0"/>
-              <a:cs typeface="Courier New" panose="02070309020205020404" pitchFamily="49" charset="0"/>
-            </a:endParaRPr>
           </a:p>
         </p:txBody>
       </p:sp>
@@ -41730,11 +41253,6 @@
               </a:rPr>
               <a:t>Statements</a:t>
             </a:r>
-            <a:endParaRPr lang="en-US" sz="1400" dirty="0" smtClean="0">
-              <a:solidFill>
-                <a:schemeClr val="tx1"/>
-              </a:solidFill>
-            </a:endParaRPr>
           </a:p>
         </p:txBody>
       </p:sp>
@@ -41792,11 +41310,6 @@
               </a:rPr>
               <a:t>Assign</a:t>
             </a:r>
-            <a:endParaRPr lang="en-US" sz="1400" dirty="0" smtClean="0">
-              <a:solidFill>
-                <a:schemeClr val="tx1"/>
-              </a:solidFill>
-            </a:endParaRPr>
           </a:p>
         </p:txBody>
       </p:sp>
@@ -42009,11 +41522,6 @@
               </a:rPr>
               <a:t>Return</a:t>
             </a:r>
-            <a:endParaRPr lang="en-US" sz="1400" dirty="0" smtClean="0">
-              <a:solidFill>
-                <a:schemeClr val="tx1"/>
-              </a:solidFill>
-            </a:endParaRPr>
           </a:p>
         </p:txBody>
       </p:sp>
@@ -42344,11 +41852,6 @@
               </a:rPr>
               <a:t>Type</a:t>
             </a:r>
-            <a:endParaRPr lang="en-US" sz="1400" dirty="0" smtClean="0">
-              <a:solidFill>
-                <a:schemeClr val="tx1"/>
-              </a:solidFill>
-            </a:endParaRPr>
           </a:p>
           <a:p>
             <a:pPr algn="ctr"/>
@@ -42505,53 +42008,42 @@
                 <a:latin typeface="Courier New" panose="02070309020205020404" pitchFamily="49" charset="0"/>
                 <a:cs typeface="Courier New" panose="02070309020205020404" pitchFamily="49" charset="0"/>
               </a:rPr>
-              <a:t>t1 = </a:t>
-            </a:r>
+              <a:t>t1 = x</a:t>
+            </a:r>
+          </a:p>
+          <a:p>
             <a:r>
               <a:rPr lang="en-US" sz="2000" b="1" dirty="0" smtClean="0">
                 <a:latin typeface="Courier New" panose="02070309020205020404" pitchFamily="49" charset="0"/>
                 <a:cs typeface="Courier New" panose="02070309020205020404" pitchFamily="49" charset="0"/>
               </a:rPr>
-              <a:t>x</a:t>
-            </a:r>
-          </a:p>
-          <a:p>
+              <a:t>t2 = y</a:t>
+            </a:r>
+          </a:p>
+          <a:p>
+            <a:r>
+              <a:rPr lang="en-US" sz="2000" b="1" dirty="0">
+                <a:latin typeface="Courier New" panose="02070309020205020404" pitchFamily="49" charset="0"/>
+                <a:cs typeface="Courier New" panose="02070309020205020404" pitchFamily="49" charset="0"/>
+              </a:rPr>
+              <a:t>t</a:t>
+            </a:r>
             <a:r>
               <a:rPr lang="en-US" sz="2000" b="1" dirty="0" smtClean="0">
                 <a:latin typeface="Courier New" panose="02070309020205020404" pitchFamily="49" charset="0"/>
                 <a:cs typeface="Courier New" panose="02070309020205020404" pitchFamily="49" charset="0"/>
               </a:rPr>
-              <a:t>t2 = y</a:t>
-            </a:r>
-          </a:p>
-          <a:p>
-            <a:r>
-              <a:rPr lang="en-US" sz="2000" b="1" dirty="0">
-                <a:latin typeface="Courier New" panose="02070309020205020404" pitchFamily="49" charset="0"/>
-                <a:cs typeface="Courier New" panose="02070309020205020404" pitchFamily="49" charset="0"/>
-              </a:rPr>
-              <a:t>t</a:t>
-            </a:r>
+              <a:t>3 = add t1, t2</a:t>
+            </a:r>
+          </a:p>
+          <a:p>
             <a:r>
               <a:rPr lang="en-US" sz="2000" b="1" dirty="0" smtClean="0">
                 <a:latin typeface="Courier New" panose="02070309020205020404" pitchFamily="49" charset="0"/>
                 <a:cs typeface="Courier New" panose="02070309020205020404" pitchFamily="49" charset="0"/>
               </a:rPr>
-              <a:t>3 = add t1, t2</a:t>
-            </a:r>
-          </a:p>
-          <a:p>
-            <a:r>
-              <a:rPr lang="en-US" sz="2000" b="1" dirty="0" smtClean="0">
-                <a:latin typeface="Courier New" panose="02070309020205020404" pitchFamily="49" charset="0"/>
-                <a:cs typeface="Courier New" panose="02070309020205020404" pitchFamily="49" charset="0"/>
-              </a:rPr>
               <a:t>z = t3</a:t>
             </a:r>
-            <a:endParaRPr lang="en-US" sz="2000" b="1" dirty="0" smtClean="0">
-              <a:latin typeface="Courier New" panose="02070309020205020404" pitchFamily="49" charset="0"/>
-              <a:cs typeface="Courier New" panose="02070309020205020404" pitchFamily="49" charset="0"/>
-            </a:endParaRPr>
           </a:p>
         </p:txBody>
       </p:sp>
@@ -42843,11 +42335,6 @@
               </a:rPr>
               <a:t>Statements</a:t>
             </a:r>
-            <a:endParaRPr lang="en-US" sz="1400" dirty="0" smtClean="0">
-              <a:solidFill>
-                <a:schemeClr val="tx1"/>
-              </a:solidFill>
-            </a:endParaRPr>
           </a:p>
         </p:txBody>
       </p:sp>
@@ -42905,11 +42392,6 @@
               </a:rPr>
               <a:t>Assign</a:t>
             </a:r>
-            <a:endParaRPr lang="en-US" sz="1400" dirty="0" smtClean="0">
-              <a:solidFill>
-                <a:schemeClr val="tx1"/>
-              </a:solidFill>
-            </a:endParaRPr>
           </a:p>
         </p:txBody>
       </p:sp>
@@ -43122,11 +42604,6 @@
               </a:rPr>
               <a:t>Return</a:t>
             </a:r>
-            <a:endParaRPr lang="en-US" sz="1400" dirty="0" smtClean="0">
-              <a:solidFill>
-                <a:schemeClr val="tx1"/>
-              </a:solidFill>
-            </a:endParaRPr>
           </a:p>
         </p:txBody>
       </p:sp>
@@ -43457,11 +42934,6 @@
               </a:rPr>
               <a:t>Type</a:t>
             </a:r>
-            <a:endParaRPr lang="en-US" sz="1400" dirty="0" smtClean="0">
-              <a:solidFill>
-                <a:schemeClr val="tx1"/>
-              </a:solidFill>
-            </a:endParaRPr>
           </a:p>
           <a:p>
             <a:pPr algn="ctr"/>
@@ -43583,13 +43055,7 @@
               <a:rPr lang="en-US" sz="4800" dirty="0" smtClean="0">
                 <a:latin typeface="+mj-lt"/>
               </a:rPr>
-              <a:t>IR </a:t>
-            </a:r>
-            <a:r>
-              <a:rPr lang="en-US" sz="4800" dirty="0" smtClean="0">
-                <a:latin typeface="+mj-lt"/>
-              </a:rPr>
-              <a:t>Instructions</a:t>
+              <a:t>IR Instructions</a:t>
             </a:r>
             <a:endParaRPr lang="en-US" sz="4800" dirty="0">
               <a:latin typeface="+mj-lt"/>
@@ -43635,13 +43101,7 @@
               <a:rPr lang="en-US" sz="2800" b="1" dirty="0" smtClean="0">
                 <a:latin typeface="+mj-lt"/>
               </a:rPr>
-              <a:t>&lt;register&gt;</a:t>
-            </a:r>
-            <a:r>
-              <a:rPr lang="en-US" sz="2800" b="1" dirty="0" smtClean="0">
-                <a:latin typeface="+mj-lt"/>
-              </a:rPr>
-              <a:t> = op &lt;register&gt; &lt;register&gt; …</a:t>
+              <a:t>&lt;register&gt; = op &lt;register&gt; &lt;register&gt; …</a:t>
             </a:r>
           </a:p>
           <a:p>
@@ -43667,9 +43127,6 @@
               </a:rPr>
               <a:t>t0 = sub t0 t1</a:t>
             </a:r>
-            <a:endParaRPr lang="en-US" sz="2800" dirty="0" smtClean="0">
-              <a:latin typeface="+mj-lt"/>
-            </a:endParaRPr>
           </a:p>
         </p:txBody>
       </p:sp>
@@ -43771,91 +43228,73 @@
                 <a:latin typeface="Courier New" panose="02070309020205020404" pitchFamily="49" charset="0"/>
                 <a:cs typeface="Courier New" panose="02070309020205020404" pitchFamily="49" charset="0"/>
               </a:rPr>
-              <a:t>t1 = </a:t>
-            </a:r>
+              <a:t>t1 = x</a:t>
+            </a:r>
+          </a:p>
+          <a:p>
             <a:r>
               <a:rPr lang="en-US" sz="2000" b="1" dirty="0" smtClean="0">
                 <a:latin typeface="Courier New" panose="02070309020205020404" pitchFamily="49" charset="0"/>
                 <a:cs typeface="Courier New" panose="02070309020205020404" pitchFamily="49" charset="0"/>
               </a:rPr>
-              <a:t>x</a:t>
-            </a:r>
-          </a:p>
-          <a:p>
+              <a:t>t2 = y</a:t>
+            </a:r>
+          </a:p>
+          <a:p>
+            <a:r>
+              <a:rPr lang="en-US" sz="2000" b="1" dirty="0">
+                <a:latin typeface="Courier New" panose="02070309020205020404" pitchFamily="49" charset="0"/>
+                <a:cs typeface="Courier New" panose="02070309020205020404" pitchFamily="49" charset="0"/>
+              </a:rPr>
+              <a:t>t</a:t>
+            </a:r>
             <a:r>
               <a:rPr lang="en-US" sz="2000" b="1" dirty="0" smtClean="0">
                 <a:latin typeface="Courier New" panose="02070309020205020404" pitchFamily="49" charset="0"/>
                 <a:cs typeface="Courier New" panose="02070309020205020404" pitchFamily="49" charset="0"/>
               </a:rPr>
-              <a:t>t2 = y</a:t>
-            </a:r>
-          </a:p>
-          <a:p>
-            <a:r>
-              <a:rPr lang="en-US" sz="2000" b="1" dirty="0">
-                <a:latin typeface="Courier New" panose="02070309020205020404" pitchFamily="49" charset="0"/>
-                <a:cs typeface="Courier New" panose="02070309020205020404" pitchFamily="49" charset="0"/>
-              </a:rPr>
-              <a:t>t</a:t>
-            </a:r>
+              <a:t>3 = add t1, t2</a:t>
+            </a:r>
+          </a:p>
+          <a:p>
             <a:r>
               <a:rPr lang="en-US" sz="2000" b="1" dirty="0" smtClean="0">
                 <a:latin typeface="Courier New" panose="02070309020205020404" pitchFamily="49" charset="0"/>
                 <a:cs typeface="Courier New" panose="02070309020205020404" pitchFamily="49" charset="0"/>
               </a:rPr>
-              <a:t>3 = add t1, t2</a:t>
-            </a:r>
-          </a:p>
+              <a:t>z = t3</a:t>
+            </a:r>
+          </a:p>
+        </p:txBody>
+      </p:sp>
+      <p:sp>
+        <p:nvSpPr>
+          <p:cNvPr id="23" name="TextBox 22"/>
+          <p:cNvSpPr txBox="1"/>
+          <p:nvPr/>
+        </p:nvSpPr>
+        <p:spPr>
+          <a:xfrm>
+            <a:off x="9769760" y="1686074"/>
+            <a:ext cx="2542401" cy="400110"/>
+          </a:xfrm>
+          <a:prstGeom prst="rect">
+            <a:avLst/>
+          </a:prstGeom>
+          <a:noFill/>
+        </p:spPr>
+        <p:txBody>
+          <a:bodyPr wrap="square" rtlCol="0">
+            <a:spAutoFit/>
+          </a:bodyPr>
+          <a:lstStyle/>
           <a:p>
             <a:r>
               <a:rPr lang="en-US" sz="2000" b="1" dirty="0" smtClean="0">
                 <a:latin typeface="Courier New" panose="02070309020205020404" pitchFamily="49" charset="0"/>
                 <a:cs typeface="Courier New" panose="02070309020205020404" pitchFamily="49" charset="0"/>
               </a:rPr>
-              <a:t>z = t3</a:t>
-            </a:r>
-            <a:endParaRPr lang="en-US" sz="2000" b="1" dirty="0" smtClean="0">
-              <a:latin typeface="Courier New" panose="02070309020205020404" pitchFamily="49" charset="0"/>
-              <a:cs typeface="Courier New" panose="02070309020205020404" pitchFamily="49" charset="0"/>
-            </a:endParaRPr>
-          </a:p>
-        </p:txBody>
-      </p:sp>
-      <p:sp>
-        <p:nvSpPr>
-          <p:cNvPr id="23" name="TextBox 22"/>
-          <p:cNvSpPr txBox="1"/>
-          <p:nvPr/>
-        </p:nvSpPr>
-        <p:spPr>
-          <a:xfrm>
-            <a:off x="9769760" y="1686074"/>
-            <a:ext cx="2542401" cy="400110"/>
-          </a:xfrm>
-          <a:prstGeom prst="rect">
-            <a:avLst/>
-          </a:prstGeom>
-          <a:noFill/>
-        </p:spPr>
-        <p:txBody>
-          <a:bodyPr wrap="square" rtlCol="0">
-            <a:spAutoFit/>
-          </a:bodyPr>
-          <a:lstStyle/>
-          <a:p>
-            <a:r>
-              <a:rPr lang="en-US" sz="2000" b="1" dirty="0" smtClean="0">
-                <a:latin typeface="Courier New" panose="02070309020205020404" pitchFamily="49" charset="0"/>
-                <a:cs typeface="Courier New" panose="02070309020205020404" pitchFamily="49" charset="0"/>
-              </a:rPr>
-              <a:t>t4 </a:t>
-            </a:r>
-            <a:r>
-              <a:rPr lang="en-US" sz="2000" b="1" dirty="0" smtClean="0">
-                <a:latin typeface="Courier New" panose="02070309020205020404" pitchFamily="49" charset="0"/>
-                <a:cs typeface="Courier New" panose="02070309020205020404" pitchFamily="49" charset="0"/>
-              </a:rPr>
-              <a:t>= </a:t>
+              <a:t>t4 = </a:t>
             </a:r>
             <a:r>
               <a:rPr lang="en-US" sz="2000" b="1" dirty="0">
@@ -44159,11 +43598,6 @@
               </a:rPr>
               <a:t>Statements</a:t>
             </a:r>
-            <a:endParaRPr lang="en-US" sz="1400" dirty="0" smtClean="0">
-              <a:solidFill>
-                <a:schemeClr val="tx1"/>
-              </a:solidFill>
-            </a:endParaRPr>
           </a:p>
         </p:txBody>
       </p:sp>
@@ -44221,11 +43655,6 @@
               </a:rPr>
               <a:t>Assign</a:t>
             </a:r>
-            <a:endParaRPr lang="en-US" sz="1400" dirty="0" smtClean="0">
-              <a:solidFill>
-                <a:schemeClr val="tx1"/>
-              </a:solidFill>
-            </a:endParaRPr>
           </a:p>
         </p:txBody>
       </p:sp>
@@ -44438,11 +43867,6 @@
               </a:rPr>
               <a:t>Return</a:t>
             </a:r>
-            <a:endParaRPr lang="en-US" sz="1400" dirty="0" smtClean="0">
-              <a:solidFill>
-                <a:schemeClr val="tx1"/>
-              </a:solidFill>
-            </a:endParaRPr>
           </a:p>
         </p:txBody>
       </p:sp>
@@ -44773,11 +44197,6 @@
               </a:rPr>
               <a:t>Type</a:t>
             </a:r>
-            <a:endParaRPr lang="en-US" sz="1400" dirty="0" smtClean="0">
-              <a:solidFill>
-                <a:schemeClr val="tx1"/>
-              </a:solidFill>
-            </a:endParaRPr>
           </a:p>
           <a:p>
             <a:pPr algn="ctr"/>
@@ -44934,116 +44353,94 @@
                 <a:latin typeface="Courier New" panose="02070309020205020404" pitchFamily="49" charset="0"/>
                 <a:cs typeface="Courier New" panose="02070309020205020404" pitchFamily="49" charset="0"/>
               </a:rPr>
-              <a:t>t1 = </a:t>
-            </a:r>
+              <a:t>t1 = x</a:t>
+            </a:r>
+          </a:p>
+          <a:p>
             <a:r>
               <a:rPr lang="en-US" sz="2000" b="1" dirty="0" smtClean="0">
                 <a:latin typeface="Courier New" panose="02070309020205020404" pitchFamily="49" charset="0"/>
                 <a:cs typeface="Courier New" panose="02070309020205020404" pitchFamily="49" charset="0"/>
               </a:rPr>
-              <a:t>x</a:t>
-            </a:r>
-          </a:p>
-          <a:p>
+              <a:t>t2 = y</a:t>
+            </a:r>
+          </a:p>
+          <a:p>
+            <a:r>
+              <a:rPr lang="en-US" sz="2000" b="1" dirty="0">
+                <a:latin typeface="Courier New" panose="02070309020205020404" pitchFamily="49" charset="0"/>
+                <a:cs typeface="Courier New" panose="02070309020205020404" pitchFamily="49" charset="0"/>
+              </a:rPr>
+              <a:t>t</a:t>
+            </a:r>
             <a:r>
               <a:rPr lang="en-US" sz="2000" b="1" dirty="0" smtClean="0">
                 <a:latin typeface="Courier New" panose="02070309020205020404" pitchFamily="49" charset="0"/>
                 <a:cs typeface="Courier New" panose="02070309020205020404" pitchFamily="49" charset="0"/>
               </a:rPr>
-              <a:t>t2 = y</a:t>
-            </a:r>
-          </a:p>
-          <a:p>
+              <a:t>3 = add t1, t2</a:t>
+            </a:r>
+          </a:p>
+          <a:p>
+            <a:r>
+              <a:rPr lang="en-US" sz="2000" b="1" dirty="0" smtClean="0">
+                <a:latin typeface="Courier New" panose="02070309020205020404" pitchFamily="49" charset="0"/>
+                <a:cs typeface="Courier New" panose="02070309020205020404" pitchFamily="49" charset="0"/>
+              </a:rPr>
+              <a:t>z = t3</a:t>
+            </a:r>
+          </a:p>
+        </p:txBody>
+      </p:sp>
+      <p:sp>
+        <p:nvSpPr>
+          <p:cNvPr id="23" name="TextBox 22"/>
+          <p:cNvSpPr txBox="1"/>
+          <p:nvPr/>
+        </p:nvSpPr>
+        <p:spPr>
+          <a:xfrm>
+            <a:off x="9769760" y="1686074"/>
+            <a:ext cx="2542401" cy="707886"/>
+          </a:xfrm>
+          <a:prstGeom prst="rect">
+            <a:avLst/>
+          </a:prstGeom>
+          <a:noFill/>
+        </p:spPr>
+        <p:txBody>
+          <a:bodyPr wrap="square" rtlCol="0">
+            <a:spAutoFit/>
+          </a:bodyPr>
+          <a:lstStyle/>
+          <a:p>
+            <a:r>
+              <a:rPr lang="en-US" sz="2000" b="1" dirty="0" smtClean="0">
+                <a:latin typeface="Courier New" panose="02070309020205020404" pitchFamily="49" charset="0"/>
+                <a:cs typeface="Courier New" panose="02070309020205020404" pitchFamily="49" charset="0"/>
+              </a:rPr>
+              <a:t>t4 = </a:t>
+            </a:r>
             <a:r>
               <a:rPr lang="en-US" sz="2000" b="1" dirty="0">
                 <a:latin typeface="Courier New" panose="02070309020205020404" pitchFamily="49" charset="0"/>
                 <a:cs typeface="Courier New" panose="02070309020205020404" pitchFamily="49" charset="0"/>
               </a:rPr>
-              <a:t>t</a:t>
-            </a:r>
-            <a:r>
-              <a:rPr lang="en-US" sz="2000" b="1" dirty="0" smtClean="0">
-                <a:latin typeface="Courier New" panose="02070309020205020404" pitchFamily="49" charset="0"/>
-                <a:cs typeface="Courier New" panose="02070309020205020404" pitchFamily="49" charset="0"/>
-              </a:rPr>
-              <a:t>3 = add t1, t2</a:t>
-            </a:r>
-          </a:p>
-          <a:p>
-            <a:r>
-              <a:rPr lang="en-US" sz="2000" b="1" dirty="0" smtClean="0">
-                <a:latin typeface="Courier New" panose="02070309020205020404" pitchFamily="49" charset="0"/>
-                <a:cs typeface="Courier New" panose="02070309020205020404" pitchFamily="49" charset="0"/>
-              </a:rPr>
-              <a:t>z = t3</a:t>
+              <a:t>z</a:t>
             </a:r>
             <a:endParaRPr lang="en-US" sz="2000" b="1" dirty="0" smtClean="0">
               <a:latin typeface="Courier New" panose="02070309020205020404" pitchFamily="49" charset="0"/>
               <a:cs typeface="Courier New" panose="02070309020205020404" pitchFamily="49" charset="0"/>
             </a:endParaRPr>
           </a:p>
-        </p:txBody>
-      </p:sp>
-      <p:sp>
-        <p:nvSpPr>
-          <p:cNvPr id="23" name="TextBox 22"/>
-          <p:cNvSpPr txBox="1"/>
-          <p:nvPr/>
-        </p:nvSpPr>
-        <p:spPr>
-          <a:xfrm>
-            <a:off x="9769760" y="1686074"/>
-            <a:ext cx="2542401" cy="707886"/>
-          </a:xfrm>
-          <a:prstGeom prst="rect">
-            <a:avLst/>
-          </a:prstGeom>
-          <a:noFill/>
-        </p:spPr>
-        <p:txBody>
-          <a:bodyPr wrap="square" rtlCol="0">
-            <a:spAutoFit/>
-          </a:bodyPr>
-          <a:lstStyle/>
           <a:p>
             <a:r>
               <a:rPr lang="en-US" sz="2000" b="1" dirty="0" smtClean="0">
                 <a:latin typeface="Courier New" panose="02070309020205020404" pitchFamily="49" charset="0"/>
                 <a:cs typeface="Courier New" panose="02070309020205020404" pitchFamily="49" charset="0"/>
               </a:rPr>
-              <a:t>t4 </a:t>
-            </a:r>
-            <a:r>
-              <a:rPr lang="en-US" sz="2000" b="1" dirty="0" smtClean="0">
-                <a:latin typeface="Courier New" panose="02070309020205020404" pitchFamily="49" charset="0"/>
-                <a:cs typeface="Courier New" panose="02070309020205020404" pitchFamily="49" charset="0"/>
-              </a:rPr>
-              <a:t>= </a:t>
-            </a:r>
-            <a:r>
-              <a:rPr lang="en-US" sz="2000" b="1" dirty="0">
-                <a:latin typeface="Courier New" panose="02070309020205020404" pitchFamily="49" charset="0"/>
-                <a:cs typeface="Courier New" panose="02070309020205020404" pitchFamily="49" charset="0"/>
-              </a:rPr>
-              <a:t>z</a:t>
-            </a:r>
-            <a:endParaRPr lang="en-US" sz="2000" b="1" dirty="0" smtClean="0">
-              <a:latin typeface="Courier New" panose="02070309020205020404" pitchFamily="49" charset="0"/>
-              <a:cs typeface="Courier New" panose="02070309020205020404" pitchFamily="49" charset="0"/>
-            </a:endParaRPr>
-          </a:p>
-          <a:p>
-            <a:r>
-              <a:rPr lang="en-US" sz="2000" b="1" dirty="0" smtClean="0">
-                <a:latin typeface="Courier New" panose="02070309020205020404" pitchFamily="49" charset="0"/>
-                <a:cs typeface="Courier New" panose="02070309020205020404" pitchFamily="49" charset="0"/>
-              </a:rPr>
               <a:t>return t4</a:t>
             </a:r>
-            <a:endParaRPr lang="en-US" sz="2000" b="1" dirty="0" smtClean="0">
-              <a:latin typeface="Courier New" panose="02070309020205020404" pitchFamily="49" charset="0"/>
-              <a:cs typeface="Courier New" panose="02070309020205020404" pitchFamily="49" charset="0"/>
-            </a:endParaRPr>
           </a:p>
         </p:txBody>
       </p:sp>
@@ -45335,11 +44732,6 @@
               </a:rPr>
               <a:t>Statements</a:t>
             </a:r>
-            <a:endParaRPr lang="en-US" sz="1400" dirty="0" smtClean="0">
-              <a:solidFill>
-                <a:schemeClr val="tx1"/>
-              </a:solidFill>
-            </a:endParaRPr>
           </a:p>
         </p:txBody>
       </p:sp>
@@ -45397,11 +44789,6 @@
               </a:rPr>
               <a:t>Assign</a:t>
             </a:r>
-            <a:endParaRPr lang="en-US" sz="1400" dirty="0" smtClean="0">
-              <a:solidFill>
-                <a:schemeClr val="tx1"/>
-              </a:solidFill>
-            </a:endParaRPr>
           </a:p>
         </p:txBody>
       </p:sp>
@@ -45614,11 +45001,6 @@
               </a:rPr>
               <a:t>Return</a:t>
             </a:r>
-            <a:endParaRPr lang="en-US" sz="1400" dirty="0" smtClean="0">
-              <a:solidFill>
-                <a:schemeClr val="tx1"/>
-              </a:solidFill>
-            </a:endParaRPr>
           </a:p>
         </p:txBody>
       </p:sp>
@@ -45949,11 +45331,6 @@
               </a:rPr>
               <a:t>Type</a:t>
             </a:r>
-            <a:endParaRPr lang="en-US" sz="1400" dirty="0" smtClean="0">
-              <a:solidFill>
-                <a:schemeClr val="tx1"/>
-              </a:solidFill>
-            </a:endParaRPr>
           </a:p>
           <a:p>
             <a:pPr algn="ctr"/>
@@ -46110,14 +45487,7 @@
                 <a:latin typeface="Courier New" panose="02070309020205020404" pitchFamily="49" charset="0"/>
                 <a:cs typeface="Courier New" panose="02070309020205020404" pitchFamily="49" charset="0"/>
               </a:rPr>
-              <a:t>t1 = </a:t>
-            </a:r>
-            <a:r>
-              <a:rPr lang="en-US" sz="2000" b="1" dirty="0" smtClean="0">
-                <a:latin typeface="Courier New" panose="02070309020205020404" pitchFamily="49" charset="0"/>
-                <a:cs typeface="Courier New" panose="02070309020205020404" pitchFamily="49" charset="0"/>
-              </a:rPr>
-              <a:t>x</a:t>
+              <a:t>t1 = x</a:t>
             </a:r>
           </a:p>
           <a:p>
@@ -46479,11 +45849,6 @@
               </a:rPr>
               <a:t>Statements</a:t>
             </a:r>
-            <a:endParaRPr lang="en-US" sz="1400" dirty="0" smtClean="0">
-              <a:solidFill>
-                <a:schemeClr val="tx1"/>
-              </a:solidFill>
-            </a:endParaRPr>
           </a:p>
         </p:txBody>
       </p:sp>
@@ -46541,11 +45906,6 @@
               </a:rPr>
               <a:t>Assign</a:t>
             </a:r>
-            <a:endParaRPr lang="en-US" sz="1400" dirty="0" smtClean="0">
-              <a:solidFill>
-                <a:schemeClr val="tx1"/>
-              </a:solidFill>
-            </a:endParaRPr>
           </a:p>
         </p:txBody>
       </p:sp>
@@ -46758,11 +46118,6 @@
               </a:rPr>
               <a:t>Return</a:t>
             </a:r>
-            <a:endParaRPr lang="en-US" sz="1400" dirty="0" smtClean="0">
-              <a:solidFill>
-                <a:schemeClr val="tx1"/>
-              </a:solidFill>
-            </a:endParaRPr>
           </a:p>
         </p:txBody>
       </p:sp>
@@ -47093,11 +46448,6 @@
               </a:rPr>
               <a:t>Type</a:t>
             </a:r>
-            <a:endParaRPr lang="en-US" sz="1400" dirty="0" smtClean="0">
-              <a:solidFill>
-                <a:schemeClr val="tx1"/>
-              </a:solidFill>
-            </a:endParaRPr>
           </a:p>
           <a:p>
             <a:pPr algn="ctr"/>
@@ -47712,11 +47062,6 @@
               </a:rPr>
               <a:t>Statements</a:t>
             </a:r>
-            <a:endParaRPr lang="en-US" sz="1400" dirty="0" smtClean="0">
-              <a:solidFill>
-                <a:schemeClr val="tx1"/>
-              </a:solidFill>
-            </a:endParaRPr>
           </a:p>
         </p:txBody>
       </p:sp>
@@ -47774,11 +47119,6 @@
               </a:rPr>
               <a:t>Assign</a:t>
             </a:r>
-            <a:endParaRPr lang="en-US" sz="1400" dirty="0" smtClean="0">
-              <a:solidFill>
-                <a:schemeClr val="tx1"/>
-              </a:solidFill>
-            </a:endParaRPr>
           </a:p>
         </p:txBody>
       </p:sp>
@@ -48065,11 +47405,6 @@
               </a:rPr>
               <a:t>While</a:t>
             </a:r>
-            <a:endParaRPr lang="en-US" sz="1400" dirty="0" smtClean="0">
-              <a:solidFill>
-                <a:schemeClr val="tx1"/>
-              </a:solidFill>
-            </a:endParaRPr>
           </a:p>
         </p:txBody>
       </p:sp>
@@ -48205,11 +47540,6 @@
               </a:rPr>
               <a:t>Assign</a:t>
             </a:r>
-            <a:endParaRPr lang="en-US" sz="1400" dirty="0" smtClean="0">
-              <a:solidFill>
-                <a:schemeClr val="tx1"/>
-              </a:solidFill>
-            </a:endParaRPr>
           </a:p>
         </p:txBody>
       </p:sp>
@@ -48762,11 +48092,6 @@
               </a:rPr>
               <a:t>Statements</a:t>
             </a:r>
-            <a:endParaRPr lang="en-US" sz="1400" dirty="0" smtClean="0">
-              <a:solidFill>
-                <a:schemeClr val="tx1"/>
-              </a:solidFill>
-            </a:endParaRPr>
           </a:p>
         </p:txBody>
       </p:sp>
@@ -48824,11 +48149,6 @@
               </a:rPr>
               <a:t>Assign</a:t>
             </a:r>
-            <a:endParaRPr lang="en-US" sz="1400" dirty="0" smtClean="0">
-              <a:solidFill>
-                <a:schemeClr val="tx1"/>
-              </a:solidFill>
-            </a:endParaRPr>
           </a:p>
         </p:txBody>
       </p:sp>
@@ -49115,11 +48435,6 @@
               </a:rPr>
               <a:t>While</a:t>
             </a:r>
-            <a:endParaRPr lang="en-US" sz="1400" dirty="0" smtClean="0">
-              <a:solidFill>
-                <a:schemeClr val="tx1"/>
-              </a:solidFill>
-            </a:endParaRPr>
           </a:p>
         </p:txBody>
       </p:sp>
@@ -49255,11 +48570,6 @@
               </a:rPr>
               <a:t>Assign</a:t>
             </a:r>
-            <a:endParaRPr lang="en-US" sz="1400" dirty="0" smtClean="0">
-              <a:solidFill>
-                <a:schemeClr val="tx1"/>
-              </a:solidFill>
-            </a:endParaRPr>
           </a:p>
         </p:txBody>
       </p:sp>
@@ -49812,11 +49122,6 @@
               </a:rPr>
               <a:t>Statements</a:t>
             </a:r>
-            <a:endParaRPr lang="en-US" sz="1400" dirty="0" smtClean="0">
-              <a:solidFill>
-                <a:schemeClr val="tx1"/>
-              </a:solidFill>
-            </a:endParaRPr>
           </a:p>
         </p:txBody>
       </p:sp>
@@ -49874,11 +49179,6 @@
               </a:rPr>
               <a:t>Assign</a:t>
             </a:r>
-            <a:endParaRPr lang="en-US" sz="1400" dirty="0" smtClean="0">
-              <a:solidFill>
-                <a:schemeClr val="tx1"/>
-              </a:solidFill>
-            </a:endParaRPr>
           </a:p>
         </p:txBody>
       </p:sp>
@@ -50165,11 +49465,6 @@
               </a:rPr>
               <a:t>While</a:t>
             </a:r>
-            <a:endParaRPr lang="en-US" sz="1400" dirty="0" smtClean="0">
-              <a:solidFill>
-                <a:schemeClr val="tx1"/>
-              </a:solidFill>
-            </a:endParaRPr>
           </a:p>
         </p:txBody>
       </p:sp>
@@ -50305,11 +49600,6 @@
               </a:rPr>
               <a:t>Assign</a:t>
             </a:r>
-            <a:endParaRPr lang="en-US" sz="1400" dirty="0" smtClean="0">
-              <a:solidFill>
-                <a:schemeClr val="tx1"/>
-              </a:solidFill>
-            </a:endParaRPr>
           </a:p>
         </p:txBody>
       </p:sp>
@@ -50914,11 +50204,6 @@
               </a:rPr>
               <a:t>Statements</a:t>
             </a:r>
-            <a:endParaRPr lang="en-US" sz="1400" dirty="0" smtClean="0">
-              <a:solidFill>
-                <a:schemeClr val="tx1"/>
-              </a:solidFill>
-            </a:endParaRPr>
           </a:p>
         </p:txBody>
       </p:sp>
@@ -50976,11 +50261,6 @@
               </a:rPr>
               <a:t>Assign</a:t>
             </a:r>
-            <a:endParaRPr lang="en-US" sz="1400" dirty="0" smtClean="0">
-              <a:solidFill>
-                <a:schemeClr val="tx1"/>
-              </a:solidFill>
-            </a:endParaRPr>
           </a:p>
         </p:txBody>
       </p:sp>
@@ -51267,11 +50547,6 @@
               </a:rPr>
               <a:t>While</a:t>
             </a:r>
-            <a:endParaRPr lang="en-US" sz="1400" dirty="0" smtClean="0">
-              <a:solidFill>
-                <a:schemeClr val="tx1"/>
-              </a:solidFill>
-            </a:endParaRPr>
           </a:p>
         </p:txBody>
       </p:sp>
@@ -51407,11 +50682,6 @@
               </a:rPr>
               <a:t>Assign</a:t>
             </a:r>
-            <a:endParaRPr lang="en-US" sz="1400" dirty="0" smtClean="0">
-              <a:solidFill>
-                <a:schemeClr val="tx1"/>
-              </a:solidFill>
-            </a:endParaRPr>
           </a:p>
         </p:txBody>
       </p:sp>
@@ -51645,18 +50915,25 @@
           </a:p>
           <a:p>
             <a:r>
-              <a:rPr lang="en-US" sz="2000" b="1" dirty="0" err="1">
+              <a:rPr lang="en-US" sz="2000" b="1" dirty="0" err="1" smtClean="0">
                 <a:latin typeface="Courier New" panose="02070309020205020404" pitchFamily="49" charset="0"/>
                 <a:cs typeface="Courier New" panose="02070309020205020404" pitchFamily="49" charset="0"/>
               </a:rPr>
               <a:t>bgt</a:t>
+            </a:r>
+            <a:r>
+              <a:rPr lang="en-US" sz="2000" b="1" dirty="0" smtClean="0">
+                <a:latin typeface="Courier New" panose="02070309020205020404" pitchFamily="49" charset="0"/>
+                <a:cs typeface="Courier New" panose="02070309020205020404" pitchFamily="49" charset="0"/>
+              </a:rPr>
+              <a:t> </a:t>
             </a:r>
             <a:r>
               <a:rPr lang="en-US" sz="2000" b="1" dirty="0">
                 <a:latin typeface="Courier New" panose="02070309020205020404" pitchFamily="49" charset="0"/>
                 <a:cs typeface="Courier New" panose="02070309020205020404" pitchFamily="49" charset="0"/>
               </a:rPr>
-              <a:t> t2, t3, </a:t>
+              <a:t>t2, t3, </a:t>
             </a:r>
             <a:r>
               <a:rPr lang="en-US" sz="2000" b="1" dirty="0" err="1">
@@ -52155,11 +51432,6 @@
               </a:rPr>
               <a:t>Statements</a:t>
             </a:r>
-            <a:endParaRPr lang="en-US" sz="1400" dirty="0" smtClean="0">
-              <a:solidFill>
-                <a:schemeClr val="tx1"/>
-              </a:solidFill>
-            </a:endParaRPr>
           </a:p>
         </p:txBody>
       </p:sp>
@@ -52217,11 +51489,6 @@
               </a:rPr>
               <a:t>Assign</a:t>
             </a:r>
-            <a:endParaRPr lang="en-US" sz="1400" dirty="0" smtClean="0">
-              <a:solidFill>
-                <a:schemeClr val="tx1"/>
-              </a:solidFill>
-            </a:endParaRPr>
           </a:p>
         </p:txBody>
       </p:sp>
@@ -52508,11 +51775,6 @@
               </a:rPr>
               <a:t>While</a:t>
             </a:r>
-            <a:endParaRPr lang="en-US" sz="1400" dirty="0" smtClean="0">
-              <a:solidFill>
-                <a:schemeClr val="tx1"/>
-              </a:solidFill>
-            </a:endParaRPr>
           </a:p>
         </p:txBody>
       </p:sp>
@@ -52648,11 +51910,6 @@
               </a:rPr>
               <a:t>Assign</a:t>
             </a:r>
-            <a:endParaRPr lang="en-US" sz="1400" dirty="0" smtClean="0">
-              <a:solidFill>
-                <a:schemeClr val="tx1"/>
-              </a:solidFill>
-            </a:endParaRPr>
           </a:p>
         </p:txBody>
       </p:sp>
@@ -53416,11 +52673,6 @@
               </a:rPr>
               <a:t>Statements</a:t>
             </a:r>
-            <a:endParaRPr lang="en-US" sz="1400" dirty="0" smtClean="0">
-              <a:solidFill>
-                <a:schemeClr val="tx1"/>
-              </a:solidFill>
-            </a:endParaRPr>
           </a:p>
         </p:txBody>
       </p:sp>
@@ -53478,11 +52730,6 @@
               </a:rPr>
               <a:t>Assign</a:t>
             </a:r>
-            <a:endParaRPr lang="en-US" sz="1400" dirty="0" smtClean="0">
-              <a:solidFill>
-                <a:schemeClr val="tx1"/>
-              </a:solidFill>
-            </a:endParaRPr>
           </a:p>
         </p:txBody>
       </p:sp>
@@ -53769,11 +53016,6 @@
               </a:rPr>
               <a:t>While</a:t>
             </a:r>
-            <a:endParaRPr lang="en-US" sz="1400" dirty="0" smtClean="0">
-              <a:solidFill>
-                <a:schemeClr val="tx1"/>
-              </a:solidFill>
-            </a:endParaRPr>
           </a:p>
         </p:txBody>
       </p:sp>
@@ -53909,11 +53151,6 @@
               </a:rPr>
               <a:t>Assign</a:t>
             </a:r>
-            <a:endParaRPr lang="en-US" sz="1400" dirty="0" smtClean="0">
-              <a:solidFill>
-                <a:schemeClr val="tx1"/>
-              </a:solidFill>
-            </a:endParaRPr>
           </a:p>
         </p:txBody>
       </p:sp>
@@ -54380,7 +53617,7 @@
               <a:gd name="adj2" fmla="val 50000"/>
             </a:avLst>
           </a:prstGeom>
-          <a:ln>
+          <a:ln w="19050">
             <a:solidFill>
               <a:schemeClr val="tx1"/>
             </a:solidFill>
@@ -54426,7 +53663,7 @@
               <a:gd name="adj2" fmla="val 50000"/>
             </a:avLst>
           </a:prstGeom>
-          <a:ln>
+          <a:ln w="19050">
             <a:solidFill>
               <a:schemeClr val="tx1"/>
             </a:solidFill>
@@ -54887,11 +54124,6 @@
               </a:rPr>
               <a:t>Statements</a:t>
             </a:r>
-            <a:endParaRPr lang="en-US" sz="1400" dirty="0" smtClean="0">
-              <a:solidFill>
-                <a:schemeClr val="tx1"/>
-              </a:solidFill>
-            </a:endParaRPr>
           </a:p>
         </p:txBody>
       </p:sp>
@@ -54949,11 +54181,6 @@
               </a:rPr>
               <a:t>Assign</a:t>
             </a:r>
-            <a:endParaRPr lang="en-US" sz="1400" dirty="0" smtClean="0">
-              <a:solidFill>
-                <a:schemeClr val="tx1"/>
-              </a:solidFill>
-            </a:endParaRPr>
           </a:p>
         </p:txBody>
       </p:sp>
@@ -55240,11 +54467,6 @@
               </a:rPr>
               <a:t>While</a:t>
             </a:r>
-            <a:endParaRPr lang="en-US" sz="1400" dirty="0" smtClean="0">
-              <a:solidFill>
-                <a:schemeClr val="tx1"/>
-              </a:solidFill>
-            </a:endParaRPr>
           </a:p>
         </p:txBody>
       </p:sp>
@@ -55380,11 +54602,6 @@
               </a:rPr>
               <a:t>Assign</a:t>
             </a:r>
-            <a:endParaRPr lang="en-US" sz="1400" dirty="0" smtClean="0">
-              <a:solidFill>
-                <a:schemeClr val="tx1"/>
-              </a:solidFill>
-            </a:endParaRPr>
           </a:p>
         </p:txBody>
       </p:sp>
@@ -55870,13 +55087,7 @@
               <a:rPr lang="en-US" sz="4800" dirty="0" smtClean="0">
                 <a:latin typeface="+mj-lt"/>
               </a:rPr>
-              <a:t>IR </a:t>
-            </a:r>
-            <a:r>
-              <a:rPr lang="en-US" sz="4800" dirty="0" smtClean="0">
-                <a:latin typeface="+mj-lt"/>
-              </a:rPr>
-              <a:t>Instructions</a:t>
+              <a:t>IR Instructions</a:t>
             </a:r>
             <a:endParaRPr lang="en-US" sz="4800" dirty="0">
               <a:latin typeface="+mj-lt"/>
@@ -55975,9 +55186,6 @@
               </a:rPr>
               <a:t> &lt;register&gt; [&lt;constant&gt; | &lt;register&gt;] &lt;label&gt;</a:t>
             </a:r>
-            <a:endParaRPr lang="en-US" sz="2800" b="1" dirty="0" smtClean="0">
-              <a:latin typeface="+mj-lt"/>
-            </a:endParaRPr>
           </a:p>
           <a:p>
             <a:pPr marL="742950" lvl="1" indent="-285750">
@@ -56104,13 +55312,7 @@
               <a:rPr lang="en-US" sz="4800" dirty="0" smtClean="0">
                 <a:latin typeface="+mj-lt"/>
               </a:rPr>
-              <a:t>IR </a:t>
-            </a:r>
-            <a:r>
-              <a:rPr lang="en-US" sz="4800" dirty="0" smtClean="0">
-                <a:latin typeface="+mj-lt"/>
-              </a:rPr>
-              <a:t>Instructions</a:t>
+              <a:t>IR Instructions</a:t>
             </a:r>
             <a:endParaRPr lang="en-US" sz="4800" dirty="0">
               <a:latin typeface="+mj-lt"/>
@@ -56234,13 +55436,7 @@
               <a:rPr lang="en-US" sz="2800" b="1" dirty="0">
                 <a:latin typeface="+mj-lt"/>
               </a:rPr>
-              <a:t>&gt; </a:t>
-            </a:r>
-            <a:r>
-              <a:rPr lang="en-US" sz="2800" b="1" dirty="0">
-                <a:latin typeface="+mj-lt"/>
-              </a:rPr>
-              <a:t>&lt;</a:t>
+              <a:t>&gt; &lt;</a:t>
             </a:r>
             <a:r>
               <a:rPr lang="en-US" sz="2800" b="1" dirty="0" err="1" smtClean="0">
@@ -56293,9 +55489,6 @@
               </a:rPr>
               <a:t>return &lt;register&gt;</a:t>
             </a:r>
-            <a:endParaRPr lang="en-US" sz="2800" b="1" dirty="0" smtClean="0">
-              <a:latin typeface="+mj-lt"/>
-            </a:endParaRPr>
           </a:p>
           <a:p>
             <a:pPr marL="742950" lvl="1" indent="-285750">
@@ -56386,13 +55579,7 @@
               <a:rPr lang="en-US" sz="4800" dirty="0" smtClean="0">
                 <a:latin typeface="+mj-lt"/>
               </a:rPr>
-              <a:t>IR </a:t>
-            </a:r>
-            <a:r>
-              <a:rPr lang="en-US" sz="4800" dirty="0" smtClean="0">
-                <a:latin typeface="+mj-lt"/>
-              </a:rPr>
-              <a:t>Instructions</a:t>
+              <a:t>IR Instructions</a:t>
             </a:r>
             <a:endParaRPr lang="en-US" sz="4800" dirty="0">
               <a:latin typeface="+mj-lt"/>
@@ -56503,9 +55690,6 @@
               </a:rPr>
               <a:t> &lt;register&gt; &lt;register&gt;</a:t>
             </a:r>
-            <a:endParaRPr lang="en-US" sz="2800" b="1" dirty="0" smtClean="0">
-              <a:latin typeface="+mj-lt"/>
-            </a:endParaRPr>
           </a:p>
           <a:p>
             <a:pPr marL="742950" lvl="1" indent="-285750">

--- a/slides/IR.pptx
+++ b/slides/IR.pptx
@@ -10651,8 +10651,8 @@
             </p:nvSpPr>
             <p:spPr>
               <a:xfrm>
-                <a:off x="1011115" y="1529866"/>
-                <a:ext cx="7825314" cy="4401205"/>
+                <a:off x="1011114" y="1529866"/>
+                <a:ext cx="11180885" cy="3970318"/>
               </a:xfrm>
               <a:prstGeom prst="rect">
                 <a:avLst/>
@@ -11046,6 +11046,37 @@
                       <a:rPr lang="en-US" sz="2800" b="0" i="1" smtClean="0">
                         <a:latin typeface="Cambria Math" panose="02040503050406030204" pitchFamily="18" charset="0"/>
                       </a:rPr>
+                      <m:t>,</m:t>
+                    </m:r>
+                    <m:sSub>
+                      <m:sSubPr>
+                        <m:ctrlPr>
+                          <a:rPr lang="en-US" sz="2800" b="0" i="1" smtClean="0">
+                            <a:latin typeface="Cambria Math" panose="02040503050406030204" pitchFamily="18" charset="0"/>
+                          </a:rPr>
+                        </m:ctrlPr>
+                      </m:sSubPr>
+                      <m:e>
+                        <m:r>
+                          <a:rPr lang="en-US" sz="2800" b="0" i="1" smtClean="0">
+                            <a:latin typeface="Cambria Math" panose="02040503050406030204" pitchFamily="18" charset="0"/>
+                          </a:rPr>
+                          <m:t>𝑡</m:t>
+                        </m:r>
+                      </m:e>
+                      <m:sub>
+                        <m:r>
+                          <a:rPr lang="en-US" sz="2800" b="0" i="1" smtClean="0">
+                            <a:latin typeface="Cambria Math" panose="02040503050406030204" pitchFamily="18" charset="0"/>
+                          </a:rPr>
+                          <m:t>𝑛𝑒𝑤</m:t>
+                        </m:r>
+                      </m:sub>
+                    </m:sSub>
+                    <m:r>
+                      <a:rPr lang="en-US" sz="2800" b="0" i="1" smtClean="0">
+                        <a:latin typeface="Cambria Math" panose="02040503050406030204" pitchFamily="18" charset="0"/>
+                      </a:rPr>
                       <m:t>=</m:t>
                     </m:r>
                     <m:r>
@@ -11132,23 +11163,8 @@
                       <a:rPr lang="en-US" sz="2800" b="0" i="1" smtClean="0">
                         <a:latin typeface="Cambria Math" panose="02040503050406030204" pitchFamily="18" charset="0"/>
                       </a:rPr>
-                      <m:t>)</m:t>
+                      <m:t>,</m:t>
                     </m:r>
-                  </m:oMath>
-                </a14:m>
-                <a:endParaRPr lang="en-US" sz="2800" dirty="0" smtClean="0">
-                  <a:latin typeface="+mj-lt"/>
-                </a:endParaRPr>
-              </a:p>
-              <a:p>
-                <a:r>
-                  <a:rPr lang="en-US" sz="2800" dirty="0">
-                    <a:latin typeface="+mj-lt"/>
-                  </a:rPr>
-                  <a:t>	</a:t>
-                </a:r>
-                <a14:m>
-                  <m:oMath xmlns:m="http://schemas.openxmlformats.org/officeDocument/2006/math">
                     <m:sSub>
                       <m:sSubPr>
                         <m:ctrlPr>
@@ -11170,7 +11186,7 @@
                           <a:rPr lang="en-US" sz="2800" b="0" i="1" smtClean="0">
                             <a:latin typeface="Cambria Math" panose="02040503050406030204" pitchFamily="18" charset="0"/>
                           </a:rPr>
-                          <m:t>𝑛𝑒𝑤</m:t>
+                          <m:t>1</m:t>
                         </m:r>
                       </m:sub>
                     </m:sSub>
@@ -11178,84 +11194,42 @@
                       <a:rPr lang="en-US" sz="2800" b="0" i="1" smtClean="0">
                         <a:latin typeface="Cambria Math" panose="02040503050406030204" pitchFamily="18" charset="0"/>
                       </a:rPr>
-                      <m:t>=</m:t>
+                      <m:t>,…,</m:t>
                     </m:r>
-                    <m:r>
-                      <a:rPr lang="en-US" sz="2800" b="0" i="1" smtClean="0">
-                        <a:latin typeface="Cambria Math" panose="02040503050406030204" pitchFamily="18" charset="0"/>
-                      </a:rPr>
-                      <m:t>𝑐𝑜𝑚𝑝𝑢𝑡𝑒</m:t>
-                    </m:r>
-                    <m:d>
-                      <m:dPr>
+                    <m:sSub>
+                      <m:sSubPr>
                         <m:ctrlPr>
                           <a:rPr lang="en-US" sz="2800" b="0" i="1" smtClean="0">
                             <a:latin typeface="Cambria Math" panose="02040503050406030204" pitchFamily="18" charset="0"/>
                           </a:rPr>
                         </m:ctrlPr>
-                      </m:dPr>
+                      </m:sSubPr>
                       <m:e>
-                        <m:sSub>
-                          <m:sSubPr>
-                            <m:ctrlPr>
-                              <a:rPr lang="en-US" sz="2800" b="0" i="1" smtClean="0">
-                                <a:latin typeface="Cambria Math" panose="02040503050406030204" pitchFamily="18" charset="0"/>
-                              </a:rPr>
-                            </m:ctrlPr>
-                          </m:sSubPr>
-                          <m:e>
-                            <m:r>
-                              <a:rPr lang="en-US" sz="2800" b="0" i="1" smtClean="0">
-                                <a:latin typeface="Cambria Math" panose="02040503050406030204" pitchFamily="18" charset="0"/>
-                              </a:rPr>
-                              <m:t>𝑡</m:t>
-                            </m:r>
-                          </m:e>
-                          <m:sub>
-                            <m:r>
-                              <a:rPr lang="en-US" sz="2800" b="0" i="1" smtClean="0">
-                                <a:latin typeface="Cambria Math" panose="02040503050406030204" pitchFamily="18" charset="0"/>
-                              </a:rPr>
-                              <m:t>1</m:t>
-                            </m:r>
-                          </m:sub>
-                        </m:sSub>
                         <m:r>
                           <a:rPr lang="en-US" sz="2800" b="0" i="1" smtClean="0">
                             <a:latin typeface="Cambria Math" panose="02040503050406030204" pitchFamily="18" charset="0"/>
                           </a:rPr>
-                          <m:t>,…,</m:t>
+                          <m:t>𝑡</m:t>
                         </m:r>
-                        <m:sSub>
-                          <m:sSubPr>
-                            <m:ctrlPr>
-                              <a:rPr lang="en-US" sz="2800" b="0" i="1" smtClean="0">
-                                <a:latin typeface="Cambria Math" panose="02040503050406030204" pitchFamily="18" charset="0"/>
-                              </a:rPr>
-                            </m:ctrlPr>
-                          </m:sSubPr>
-                          <m:e>
-                            <m:r>
-                              <a:rPr lang="en-US" sz="2800" b="0" i="1" smtClean="0">
-                                <a:latin typeface="Cambria Math" panose="02040503050406030204" pitchFamily="18" charset="0"/>
-                              </a:rPr>
-                              <m:t>𝑡</m:t>
-                            </m:r>
-                          </m:e>
-                          <m:sub>
-                            <m:r>
-                              <a:rPr lang="en-US" sz="2800" b="0" i="1" smtClean="0">
-                                <a:latin typeface="Cambria Math" panose="02040503050406030204" pitchFamily="18" charset="0"/>
-                              </a:rPr>
-                              <m:t>𝑛</m:t>
-                            </m:r>
-                          </m:sub>
-                        </m:sSub>
                       </m:e>
-                    </m:d>
+                      <m:sub>
+                        <m:r>
+                          <a:rPr lang="en-US" sz="2800" b="0" i="1" smtClean="0">
+                            <a:latin typeface="Cambria Math" panose="02040503050406030204" pitchFamily="18" charset="0"/>
+                          </a:rPr>
+                          <m:t>𝑛</m:t>
+                        </m:r>
+                      </m:sub>
+                    </m:sSub>
+                    <m:r>
+                      <a:rPr lang="en-US" sz="2800" b="0" i="1" smtClean="0">
+                        <a:latin typeface="Cambria Math" panose="02040503050406030204" pitchFamily="18" charset="0"/>
+                      </a:rPr>
+                      <m:t>)</m:t>
+                    </m:r>
                   </m:oMath>
                 </a14:m>
-                <a:endParaRPr lang="en-US" sz="2800" b="0" i="1" dirty="0" smtClean="0">
+                <a:endParaRPr lang="en-US" sz="2800" dirty="0" smtClean="0">
                   <a:latin typeface="+mj-lt"/>
                 </a:endParaRPr>
               </a:p>
@@ -11337,8 +11311,8 @@
             </p:nvSpPr>
             <p:spPr>
               <a:xfrm>
-                <a:off x="1011115" y="1529866"/>
-                <a:ext cx="7825314" cy="4401205"/>
+                <a:off x="1011114" y="1529866"/>
+                <a:ext cx="11180885" cy="3970318"/>
               </a:xfrm>
               <a:prstGeom prst="rect">
                 <a:avLst/>
@@ -11346,7 +11320,7 @@
               <a:blipFill>
                 <a:blip r:embed="rId3"/>
                 <a:stretch>
-                  <a:fillRect l="-1636" t="-1385"/>
+                  <a:fillRect l="-1145" t="-1536"/>
                 </a:stretch>
               </a:blipFill>
             </p:spPr>
@@ -19820,7 +19794,14 @@
                 <a:latin typeface="Courier New" panose="02070309020205020404" pitchFamily="49" charset="0"/>
                 <a:cs typeface="Courier New" panose="02070309020205020404" pitchFamily="49" charset="0"/>
               </a:rPr>
-              <a:t> t1, t3, </a:t>
+              <a:t> t1, </a:t>
+            </a:r>
+            <a:r>
+              <a:rPr lang="en-US" sz="2800" b="1" dirty="0" smtClean="0">
+                <a:latin typeface="Courier New" panose="02070309020205020404" pitchFamily="49" charset="0"/>
+                <a:cs typeface="Courier New" panose="02070309020205020404" pitchFamily="49" charset="0"/>
+              </a:rPr>
+              <a:t>0, </a:t>
             </a:r>
             <a:r>
               <a:rPr lang="en-US" sz="2800" b="1" dirty="0" err="1" smtClean="0">
@@ -21027,7 +21008,14 @@
                 <a:latin typeface="Courier New" panose="02070309020205020404" pitchFamily="49" charset="0"/>
                 <a:cs typeface="Courier New" panose="02070309020205020404" pitchFamily="49" charset="0"/>
               </a:rPr>
-              <a:t> t1, t3, </a:t>
+              <a:t> t1, </a:t>
+            </a:r>
+            <a:r>
+              <a:rPr lang="en-US" sz="2800" b="1" dirty="0" smtClean="0">
+                <a:latin typeface="Courier New" panose="02070309020205020404" pitchFamily="49" charset="0"/>
+                <a:cs typeface="Courier New" panose="02070309020205020404" pitchFamily="49" charset="0"/>
+              </a:rPr>
+              <a:t>1, </a:t>
             </a:r>
             <a:r>
               <a:rPr lang="en-US" sz="2800" b="1" dirty="0" err="1" smtClean="0">

--- a/slides/IR.pptx
+++ b/slides/IR.pptx
@@ -11754,19 +11754,22 @@
           <a:lstStyle/>
           <a:p>
             <a:r>
-              <a:rPr lang="en-US" sz="2800" dirty="0" smtClean="0">
-                <a:latin typeface="+mj-lt"/>
-              </a:rPr>
-              <a:t>For </a:t>
-            </a:r>
-            <a:r>
               <a:rPr lang="en-US" sz="2800" b="1" dirty="0" smtClean="0">
                 <a:solidFill>
                   <a:srgbClr val="0070C0"/>
                 </a:solidFill>
                 <a:latin typeface="+mj-lt"/>
               </a:rPr>
-              <a:t>x + 42</a:t>
+              <a:t>x </a:t>
+            </a:r>
+            <a:r>
+              <a:rPr lang="en-US" sz="2800" b="1" dirty="0" smtClean="0">
+                <a:solidFill>
+                  <a:srgbClr val="0070C0"/>
+                </a:solidFill>
+                <a:latin typeface="+mj-lt"/>
+              </a:rPr>
+              <a:t>+ 42</a:t>
             </a:r>
             <a:r>
               <a:rPr lang="en-US" sz="2800" dirty="0" smtClean="0">
@@ -12576,19 +12579,22 @@
           <a:lstStyle/>
           <a:p>
             <a:r>
-              <a:rPr lang="en-US" sz="2800" dirty="0" smtClean="0">
-                <a:latin typeface="+mj-lt"/>
-              </a:rPr>
-              <a:t>For </a:t>
-            </a:r>
-            <a:r>
               <a:rPr lang="en-US" sz="2800" b="1" dirty="0" smtClean="0">
                 <a:solidFill>
                   <a:srgbClr val="0070C0"/>
                 </a:solidFill>
                 <a:latin typeface="+mj-lt"/>
               </a:rPr>
-              <a:t>x + 42</a:t>
+              <a:t>x </a:t>
+            </a:r>
+            <a:r>
+              <a:rPr lang="en-US" sz="2800" b="1" dirty="0" smtClean="0">
+                <a:solidFill>
+                  <a:srgbClr val="0070C0"/>
+                </a:solidFill>
+                <a:latin typeface="+mj-lt"/>
+              </a:rPr>
+              <a:t>+ 42</a:t>
             </a:r>
             <a:r>
               <a:rPr lang="en-US" sz="2800" dirty="0" smtClean="0">
@@ -13124,19 +13130,22 @@
           <a:lstStyle/>
           <a:p>
             <a:r>
-              <a:rPr lang="en-US" sz="2800" dirty="0" smtClean="0">
-                <a:latin typeface="+mj-lt"/>
-              </a:rPr>
-              <a:t>For </a:t>
-            </a:r>
-            <a:r>
               <a:rPr lang="en-US" sz="2800" b="1" dirty="0" smtClean="0">
                 <a:solidFill>
                   <a:srgbClr val="0070C0"/>
                 </a:solidFill>
                 <a:latin typeface="+mj-lt"/>
               </a:rPr>
-              <a:t>x + 42</a:t>
+              <a:t>x </a:t>
+            </a:r>
+            <a:r>
+              <a:rPr lang="en-US" sz="2800" b="1" dirty="0" smtClean="0">
+                <a:solidFill>
+                  <a:srgbClr val="0070C0"/>
+                </a:solidFill>
+                <a:latin typeface="+mj-lt"/>
+              </a:rPr>
+              <a:t>+ 42</a:t>
             </a:r>
             <a:r>
               <a:rPr lang="en-US" sz="2800" dirty="0" smtClean="0">
@@ -13721,19 +13730,22 @@
           <a:lstStyle/>
           <a:p>
             <a:r>
-              <a:rPr lang="en-US" sz="2800" dirty="0" smtClean="0">
-                <a:latin typeface="+mj-lt"/>
-              </a:rPr>
-              <a:t>For </a:t>
-            </a:r>
-            <a:r>
               <a:rPr lang="en-US" sz="2800" b="1" dirty="0" smtClean="0">
                 <a:solidFill>
                   <a:srgbClr val="0070C0"/>
                 </a:solidFill>
                 <a:latin typeface="+mj-lt"/>
               </a:rPr>
-              <a:t>x + y + z</a:t>
+              <a:t>x </a:t>
+            </a:r>
+            <a:r>
+              <a:rPr lang="en-US" sz="2800" b="1" dirty="0" smtClean="0">
+                <a:solidFill>
+                  <a:srgbClr val="0070C0"/>
+                </a:solidFill>
+                <a:latin typeface="+mj-lt"/>
+              </a:rPr>
+              <a:t>+ y + z</a:t>
             </a:r>
             <a:r>
               <a:rPr lang="en-US" sz="2800" dirty="0" smtClean="0">
@@ -14452,19 +14464,22 @@
           <a:lstStyle/>
           <a:p>
             <a:r>
-              <a:rPr lang="en-US" sz="2800" dirty="0" smtClean="0">
-                <a:latin typeface="+mj-lt"/>
-              </a:rPr>
-              <a:t>For </a:t>
-            </a:r>
-            <a:r>
               <a:rPr lang="en-US" sz="2800" b="1" dirty="0" smtClean="0">
                 <a:solidFill>
                   <a:srgbClr val="0070C0"/>
                 </a:solidFill>
                 <a:latin typeface="+mj-lt"/>
               </a:rPr>
-              <a:t>x + y + z</a:t>
+              <a:t>x </a:t>
+            </a:r>
+            <a:r>
+              <a:rPr lang="en-US" sz="2800" b="1" dirty="0" smtClean="0">
+                <a:solidFill>
+                  <a:srgbClr val="0070C0"/>
+                </a:solidFill>
+                <a:latin typeface="+mj-lt"/>
+              </a:rPr>
+              <a:t>+ y + z</a:t>
             </a:r>
             <a:r>
               <a:rPr lang="en-US" sz="2800" dirty="0" smtClean="0">
@@ -15697,19 +15712,22 @@
           <a:lstStyle/>
           <a:p>
             <a:r>
-              <a:rPr lang="en-US" sz="2800" dirty="0" smtClean="0">
-                <a:latin typeface="+mj-lt"/>
-              </a:rPr>
-              <a:t>For </a:t>
-            </a:r>
-            <a:r>
               <a:rPr lang="en-US" sz="2800" b="1" dirty="0" smtClean="0">
                 <a:solidFill>
                   <a:srgbClr val="0070C0"/>
                 </a:solidFill>
                 <a:latin typeface="+mj-lt"/>
               </a:rPr>
-              <a:t>x + y + z</a:t>
+              <a:t>x </a:t>
+            </a:r>
+            <a:r>
+              <a:rPr lang="en-US" sz="2800" b="1" dirty="0" smtClean="0">
+                <a:solidFill>
+                  <a:srgbClr val="0070C0"/>
+                </a:solidFill>
+                <a:latin typeface="+mj-lt"/>
+              </a:rPr>
+              <a:t>+ y + z</a:t>
             </a:r>
             <a:r>
               <a:rPr lang="en-US" sz="2800" dirty="0" smtClean="0">
@@ -16529,19 +16547,22 @@
           <a:lstStyle/>
           <a:p>
             <a:r>
-              <a:rPr lang="en-US" sz="2800" dirty="0" smtClean="0">
-                <a:latin typeface="+mj-lt"/>
-              </a:rPr>
-              <a:t>For </a:t>
-            </a:r>
-            <a:r>
               <a:rPr lang="en-US" sz="2800" b="1" dirty="0" smtClean="0">
                 <a:solidFill>
                   <a:srgbClr val="0070C0"/>
                 </a:solidFill>
                 <a:latin typeface="+mj-lt"/>
               </a:rPr>
-              <a:t>x + y + z</a:t>
+              <a:t>x </a:t>
+            </a:r>
+            <a:r>
+              <a:rPr lang="en-US" sz="2800" b="1" dirty="0" smtClean="0">
+                <a:solidFill>
+                  <a:srgbClr val="0070C0"/>
+                </a:solidFill>
+                <a:latin typeface="+mj-lt"/>
+              </a:rPr>
+              <a:t>+ y + z</a:t>
             </a:r>
             <a:r>
               <a:rPr lang="en-US" sz="2800" dirty="0" smtClean="0">
@@ -17406,19 +17427,22 @@
           <a:lstStyle/>
           <a:p>
             <a:r>
-              <a:rPr lang="en-US" sz="2800" dirty="0" smtClean="0">
-                <a:latin typeface="+mj-lt"/>
-              </a:rPr>
-              <a:t>For </a:t>
-            </a:r>
-            <a:r>
               <a:rPr lang="en-US" sz="2800" b="1" dirty="0" smtClean="0">
                 <a:solidFill>
                   <a:srgbClr val="0070C0"/>
                 </a:solidFill>
                 <a:latin typeface="+mj-lt"/>
               </a:rPr>
-              <a:t>x + y + z</a:t>
+              <a:t>x </a:t>
+            </a:r>
+            <a:r>
+              <a:rPr lang="en-US" sz="2800" b="1" dirty="0" smtClean="0">
+                <a:solidFill>
+                  <a:srgbClr val="0070C0"/>
+                </a:solidFill>
+                <a:latin typeface="+mj-lt"/>
+              </a:rPr>
+              <a:t>+ y + z</a:t>
             </a:r>
             <a:r>
               <a:rPr lang="en-US" sz="2800" dirty="0" smtClean="0">
@@ -18309,8 +18333,8 @@
           </a:p>
         </p:txBody>
       </p:sp>
-      <mc:AlternateContent xmlns:mc="http://schemas.openxmlformats.org/markup-compatibility/2006" xmlns:a14="http://schemas.microsoft.com/office/drawing/2010/main">
-        <mc:Choice Requires="a14">
+      <mc:AlternateContent xmlns:mc="http://schemas.openxmlformats.org/markup-compatibility/2006">
+        <mc:Choice xmlns:a14="http://schemas.microsoft.com/office/drawing/2010/main" Requires="a14">
           <p:sp>
             <p:nvSpPr>
               <p:cNvPr id="5" name="TextBox 4"/>
@@ -18333,12 +18357,6 @@
               </a:bodyPr>
               <a:lstStyle/>
               <a:p>
-                <a:r>
-                  <a:rPr lang="en-US" sz="2800" dirty="0" smtClean="0">
-                    <a:latin typeface="+mj-lt"/>
-                  </a:rPr>
-                  <a:t>For </a:t>
-                </a:r>
                 <a14:m>
                   <m:oMath xmlns:m="http://schemas.openxmlformats.org/officeDocument/2006/math">
                     <m:sSub>
@@ -18418,7 +18436,7 @@
             </p:txBody>
           </p:sp>
         </mc:Choice>
-        <mc:Fallback xmlns="">
+        <mc:Fallback>
           <p:sp>
             <p:nvSpPr>
               <p:cNvPr id="5" name="TextBox 4"/>
@@ -18438,7 +18456,7 @@
               <a:blipFill>
                 <a:blip r:embed="rId3"/>
                 <a:stretch>
-                  <a:fillRect l="-1202" t="-6410"/>
+                  <a:fillRect t="-6410"/>
                 </a:stretch>
               </a:blipFill>
             </p:spPr>
@@ -19286,19 +19304,22 @@
           <a:lstStyle/>
           <a:p>
             <a:r>
-              <a:rPr lang="en-US" sz="2800" dirty="0" smtClean="0">
-                <a:latin typeface="+mj-lt"/>
-              </a:rPr>
-              <a:t>For </a:t>
-            </a:r>
-            <a:r>
               <a:rPr lang="en-US" sz="2800" b="1" dirty="0" smtClean="0">
                 <a:solidFill>
                   <a:srgbClr val="0070C0"/>
                 </a:solidFill>
                 <a:latin typeface="+mj-lt"/>
               </a:rPr>
-              <a:t>a == b + 1</a:t>
+              <a:t>a </a:t>
+            </a:r>
+            <a:r>
+              <a:rPr lang="en-US" sz="2800" b="1" dirty="0" smtClean="0">
+                <a:solidFill>
+                  <a:srgbClr val="0070C0"/>
+                </a:solidFill>
+                <a:latin typeface="+mj-lt"/>
+              </a:rPr>
+              <a:t>== b + 1</a:t>
             </a:r>
             <a:r>
               <a:rPr lang="en-US" sz="2800" dirty="0" smtClean="0">
@@ -19563,8 +19584,8 @@
           </a:p>
         </p:txBody>
       </p:sp>
-      <mc:AlternateContent xmlns:mc="http://schemas.openxmlformats.org/markup-compatibility/2006" xmlns:a14="http://schemas.microsoft.com/office/drawing/2010/main">
-        <mc:Choice Requires="a14">
+      <mc:AlternateContent xmlns:mc="http://schemas.openxmlformats.org/markup-compatibility/2006">
+        <mc:Choice xmlns:a14="http://schemas.microsoft.com/office/drawing/2010/main" Requires="a14">
           <p:sp>
             <p:nvSpPr>
               <p:cNvPr id="5" name="TextBox 4"/>
@@ -19587,12 +19608,6 @@
               </a:bodyPr>
               <a:lstStyle/>
               <a:p>
-                <a:r>
-                  <a:rPr lang="en-US" sz="2800" dirty="0" smtClean="0">
-                    <a:latin typeface="+mj-lt"/>
-                  </a:rPr>
-                  <a:t>For </a:t>
-                </a:r>
                 <a14:m>
                   <m:oMath xmlns:m="http://schemas.openxmlformats.org/officeDocument/2006/math">
                     <m:sSub>
@@ -19684,7 +19699,7 @@
             </p:txBody>
           </p:sp>
         </mc:Choice>
-        <mc:Fallback xmlns="">
+        <mc:Fallback>
           <p:sp>
             <p:nvSpPr>
               <p:cNvPr id="5" name="TextBox 4"/>
@@ -19704,7 +19719,7 @@
               <a:blipFill>
                 <a:blip r:embed="rId3"/>
                 <a:stretch>
-                  <a:fillRect l="-1202" t="-6410"/>
+                  <a:fillRect t="-6410"/>
                 </a:stretch>
               </a:blipFill>
             </p:spPr>
@@ -20777,8 +20792,8 @@
           </a:p>
         </p:txBody>
       </p:sp>
-      <mc:AlternateContent xmlns:mc="http://schemas.openxmlformats.org/markup-compatibility/2006" xmlns:a14="http://schemas.microsoft.com/office/drawing/2010/main">
-        <mc:Choice Requires="a14">
+      <mc:AlternateContent xmlns:mc="http://schemas.openxmlformats.org/markup-compatibility/2006">
+        <mc:Choice xmlns:a14="http://schemas.microsoft.com/office/drawing/2010/main" Requires="a14">
           <p:sp>
             <p:nvSpPr>
               <p:cNvPr id="5" name="TextBox 4"/>
@@ -20801,12 +20816,6 @@
               </a:bodyPr>
               <a:lstStyle/>
               <a:p>
-                <a:r>
-                  <a:rPr lang="en-US" sz="2800" dirty="0" smtClean="0">
-                    <a:latin typeface="+mj-lt"/>
-                  </a:rPr>
-                  <a:t>For </a:t>
-                </a:r>
                 <a14:m>
                   <m:oMath xmlns:m="http://schemas.openxmlformats.org/officeDocument/2006/math">
                     <m:sSub>
@@ -20898,7 +20907,7 @@
             </p:txBody>
           </p:sp>
         </mc:Choice>
-        <mc:Fallback xmlns="">
+        <mc:Fallback>
           <p:sp>
             <p:nvSpPr>
               <p:cNvPr id="5" name="TextBox 4"/>
@@ -20918,7 +20927,7 @@
               <a:blipFill>
                 <a:blip r:embed="rId3"/>
                 <a:stretch>
-                  <a:fillRect l="-1202" t="-6410"/>
+                  <a:fillRect t="-6410"/>
                 </a:stretch>
               </a:blipFill>
             </p:spPr>
@@ -21991,8 +22000,8 @@
           </a:p>
         </p:txBody>
       </p:sp>
-      <mc:AlternateContent xmlns:mc="http://schemas.openxmlformats.org/markup-compatibility/2006" xmlns:a14="http://schemas.microsoft.com/office/drawing/2010/main">
-        <mc:Choice Requires="a14">
+      <mc:AlternateContent xmlns:mc="http://schemas.openxmlformats.org/markup-compatibility/2006">
+        <mc:Choice xmlns:a14="http://schemas.microsoft.com/office/drawing/2010/main" Requires="a14">
           <p:sp>
             <p:nvSpPr>
               <p:cNvPr id="5" name="TextBox 4"/>
@@ -22015,12 +22024,6 @@
               </a:bodyPr>
               <a:lstStyle/>
               <a:p>
-                <a:r>
-                  <a:rPr lang="en-US" sz="2800" dirty="0" smtClean="0">
-                    <a:latin typeface="+mj-lt"/>
-                  </a:rPr>
-                  <a:t>For </a:t>
-                </a:r>
                 <a14:m>
                   <m:oMath xmlns:m="http://schemas.openxmlformats.org/officeDocument/2006/math">
                     <m:r>
@@ -22141,7 +22144,7 @@
             </p:txBody>
           </p:sp>
         </mc:Choice>
-        <mc:Fallback xmlns="">
+        <mc:Fallback>
           <p:sp>
             <p:nvSpPr>
               <p:cNvPr id="5" name="TextBox 4"/>
@@ -22161,7 +22164,7 @@
               <a:blipFill>
                 <a:blip r:embed="rId3"/>
                 <a:stretch>
-                  <a:fillRect l="-1202" t="-6410"/>
+                  <a:fillRect t="-6410"/>
                 </a:stretch>
               </a:blipFill>
             </p:spPr>
@@ -22801,12 +22804,6 @@
           <a:lstStyle/>
           <a:p>
             <a:r>
-              <a:rPr lang="en-US" sz="2800" dirty="0" smtClean="0">
-                <a:latin typeface="+mj-lt"/>
-              </a:rPr>
-              <a:t>For </a:t>
-            </a:r>
-            <a:r>
               <a:rPr lang="en-US" sz="2800" b="1" dirty="0" err="1" smtClean="0">
                 <a:solidFill>
                   <a:srgbClr val="0070C0"/>
@@ -22822,7 +22819,16 @@
                 </a:solidFill>
                 <a:latin typeface="+mj-lt"/>
               </a:rPr>
-              <a:t>(2, x + 1)</a:t>
+              <a:t>(2</a:t>
+            </a:r>
+            <a:r>
+              <a:rPr lang="en-US" sz="2800" b="1" dirty="0" smtClean="0">
+                <a:solidFill>
+                  <a:srgbClr val="0070C0"/>
+                </a:solidFill>
+                <a:latin typeface="+mj-lt"/>
+              </a:rPr>
+              <a:t>, x + 1)</a:t>
             </a:r>
             <a:r>
               <a:rPr lang="en-US" sz="2800" dirty="0" smtClean="0">
@@ -23034,8 +23040,8 @@
           </a:p>
         </p:txBody>
       </p:sp>
-      <mc:AlternateContent xmlns:mc="http://schemas.openxmlformats.org/markup-compatibility/2006" xmlns:a14="http://schemas.microsoft.com/office/drawing/2010/main">
-        <mc:Choice Requires="a14">
+      <mc:AlternateContent xmlns:mc="http://schemas.openxmlformats.org/markup-compatibility/2006">
+        <mc:Choice xmlns:a14="http://schemas.microsoft.com/office/drawing/2010/main" Requires="a14">
           <p:sp>
             <p:nvSpPr>
               <p:cNvPr id="5" name="TextBox 4"/>
@@ -23058,12 +23064,6 @@
               </a:bodyPr>
               <a:lstStyle/>
               <a:p>
-                <a:r>
-                  <a:rPr lang="en-US" sz="2800" dirty="0" smtClean="0">
-                    <a:latin typeface="+mj-lt"/>
-                  </a:rPr>
-                  <a:t>For </a:t>
-                </a:r>
                 <a14:m>
                   <m:oMath xmlns:m="http://schemas.openxmlformats.org/officeDocument/2006/math">
                     <m:r>
@@ -23123,7 +23123,7 @@
             </p:txBody>
           </p:sp>
         </mc:Choice>
-        <mc:Fallback xmlns="">
+        <mc:Fallback>
           <p:sp>
             <p:nvSpPr>
               <p:cNvPr id="5" name="TextBox 4"/>
@@ -23143,7 +23143,7 @@
               <a:blipFill>
                 <a:blip r:embed="rId3"/>
                 <a:stretch>
-                  <a:fillRect l="-1202" t="-6410"/>
+                  <a:fillRect t="-6410"/>
                 </a:stretch>
               </a:blipFill>
             </p:spPr>
@@ -23892,12 +23892,6 @@
           <a:lstStyle/>
           <a:p>
             <a:r>
-              <a:rPr lang="en-US" sz="2800" dirty="0" smtClean="0">
-                <a:latin typeface="+mj-lt"/>
-              </a:rPr>
-              <a:t>For </a:t>
-            </a:r>
-            <a:r>
               <a:rPr lang="en-US" sz="2800" b="1" dirty="0" smtClean="0">
                 <a:solidFill>
                   <a:srgbClr val="0070C0"/>
@@ -24097,8 +24091,8 @@
           </a:p>
         </p:txBody>
       </p:sp>
-      <mc:AlternateContent xmlns:mc="http://schemas.openxmlformats.org/markup-compatibility/2006" xmlns:a14="http://schemas.microsoft.com/office/drawing/2010/main">
-        <mc:Choice Requires="a14">
+      <mc:AlternateContent xmlns:mc="http://schemas.openxmlformats.org/markup-compatibility/2006">
+        <mc:Choice xmlns:a14="http://schemas.microsoft.com/office/drawing/2010/main" Requires="a14">
           <p:sp>
             <p:nvSpPr>
               <p:cNvPr id="5" name="TextBox 4"/>
@@ -24121,12 +24115,6 @@
               </a:bodyPr>
               <a:lstStyle/>
               <a:p>
-                <a:r>
-                  <a:rPr lang="en-US" sz="2800" dirty="0" smtClean="0">
-                    <a:latin typeface="+mj-lt"/>
-                  </a:rPr>
-                  <a:t>For </a:t>
-                </a:r>
                 <a14:m>
                   <m:oMath xmlns:m="http://schemas.openxmlformats.org/officeDocument/2006/math">
                     <m:sSub>
@@ -24212,7 +24200,7 @@
             </p:txBody>
           </p:sp>
         </mc:Choice>
-        <mc:Fallback xmlns="">
+        <mc:Fallback>
           <p:sp>
             <p:nvSpPr>
               <p:cNvPr id="5" name="TextBox 4"/>
@@ -24232,7 +24220,7 @@
               <a:blipFill>
                 <a:blip r:embed="rId3"/>
                 <a:stretch>
-                  <a:fillRect l="-1202" t="-6410"/>
+                  <a:fillRect t="-6410"/>
                 </a:stretch>
               </a:blipFill>
             </p:spPr>
@@ -25266,19 +25254,22 @@
           <a:lstStyle/>
           <a:p>
             <a:r>
-              <a:rPr lang="en-US" sz="2800" dirty="0" smtClean="0">
-                <a:latin typeface="+mj-lt"/>
-              </a:rPr>
-              <a:t>For </a:t>
-            </a:r>
-            <a:r>
               <a:rPr lang="en-US" sz="2800" b="1" dirty="0" smtClean="0">
                 <a:solidFill>
                   <a:srgbClr val="0070C0"/>
                 </a:solidFill>
                 <a:latin typeface="+mj-lt"/>
               </a:rPr>
-              <a:t>x[z+1]</a:t>
+              <a:t>x[z+1</a:t>
+            </a:r>
+            <a:r>
+              <a:rPr lang="en-US" sz="2800" b="1" dirty="0" smtClean="0">
+                <a:solidFill>
+                  <a:srgbClr val="0070C0"/>
+                </a:solidFill>
+                <a:latin typeface="+mj-lt"/>
+              </a:rPr>
+              <a:t>]</a:t>
             </a:r>
             <a:r>
               <a:rPr lang="en-US" sz="2800" dirty="0" smtClean="0">
@@ -25480,8 +25471,8 @@
           </a:p>
         </p:txBody>
       </p:sp>
-      <mc:AlternateContent xmlns:mc="http://schemas.openxmlformats.org/markup-compatibility/2006" xmlns:a14="http://schemas.microsoft.com/office/drawing/2010/main">
-        <mc:Choice Requires="a14">
+      <mc:AlternateContent xmlns:mc="http://schemas.openxmlformats.org/markup-compatibility/2006">
+        <mc:Choice xmlns:a14="http://schemas.microsoft.com/office/drawing/2010/main" Requires="a14">
           <p:sp>
             <p:nvSpPr>
               <p:cNvPr id="5" name="TextBox 4"/>
@@ -25504,12 +25495,6 @@
               </a:bodyPr>
               <a:lstStyle/>
               <a:p>
-                <a:r>
-                  <a:rPr lang="en-US" sz="2800" dirty="0" smtClean="0">
-                    <a:latin typeface="+mj-lt"/>
-                  </a:rPr>
-                  <a:t>For </a:t>
-                </a:r>
                 <a14:m>
                   <m:oMath xmlns:m="http://schemas.openxmlformats.org/officeDocument/2006/math">
                     <m:r>
@@ -25551,7 +25536,7 @@
             </p:txBody>
           </p:sp>
         </mc:Choice>
-        <mc:Fallback xmlns="">
+        <mc:Fallback>
           <p:sp>
             <p:nvSpPr>
               <p:cNvPr id="5" name="TextBox 4"/>
@@ -25571,7 +25556,7 @@
               <a:blipFill>
                 <a:blip r:embed="rId3"/>
                 <a:stretch>
-                  <a:fillRect l="-1202" t="-6410"/>
+                  <a:fillRect t="-6410"/>
                 </a:stretch>
               </a:blipFill>
             </p:spPr>
@@ -25754,19 +25739,22 @@
           <a:lstStyle/>
           <a:p>
             <a:r>
-              <a:rPr lang="en-US" sz="2800" dirty="0" smtClean="0">
-                <a:latin typeface="+mj-lt"/>
-              </a:rPr>
-              <a:t>For </a:t>
-            </a:r>
-            <a:r>
               <a:rPr lang="en-US" sz="2800" b="1" dirty="0" smtClean="0">
                 <a:solidFill>
                   <a:srgbClr val="0070C0"/>
                 </a:solidFill>
                 <a:latin typeface="+mj-lt"/>
               </a:rPr>
-              <a:t>new Point</a:t>
+              <a:t>new </a:t>
+            </a:r>
+            <a:r>
+              <a:rPr lang="en-US" sz="2800" b="1" dirty="0" smtClean="0">
+                <a:solidFill>
+                  <a:srgbClr val="0070C0"/>
+                </a:solidFill>
+                <a:latin typeface="+mj-lt"/>
+              </a:rPr>
+              <a:t>Point</a:t>
             </a:r>
             <a:r>
               <a:rPr lang="en-US" sz="2800" dirty="0" smtClean="0">
@@ -25903,8 +25891,8 @@
           </a:p>
         </p:txBody>
       </p:sp>
-      <mc:AlternateContent xmlns:mc="http://schemas.openxmlformats.org/markup-compatibility/2006" xmlns:a14="http://schemas.microsoft.com/office/drawing/2010/main">
-        <mc:Choice Requires="a14">
+      <mc:AlternateContent xmlns:mc="http://schemas.openxmlformats.org/markup-compatibility/2006">
+        <mc:Choice xmlns:a14="http://schemas.microsoft.com/office/drawing/2010/main" Requires="a14">
           <p:sp>
             <p:nvSpPr>
               <p:cNvPr id="5" name="TextBox 4"/>
@@ -25927,12 +25915,6 @@
               </a:bodyPr>
               <a:lstStyle/>
               <a:p>
-                <a:r>
-                  <a:rPr lang="en-US" sz="2800" dirty="0" smtClean="0">
-                    <a:latin typeface="+mj-lt"/>
-                  </a:rPr>
-                  <a:t>For </a:t>
-                </a:r>
                 <a14:m>
                   <m:oMath xmlns:m="http://schemas.openxmlformats.org/officeDocument/2006/math">
                     <m:r>
@@ -25980,7 +25962,7 @@
             </p:txBody>
           </p:sp>
         </mc:Choice>
-        <mc:Fallback xmlns="">
+        <mc:Fallback>
           <p:sp>
             <p:nvSpPr>
               <p:cNvPr id="5" name="TextBox 4"/>
@@ -26000,7 +25982,7 @@
               <a:blipFill>
                 <a:blip r:embed="rId3"/>
                 <a:stretch>
-                  <a:fillRect l="-1202" t="-6410"/>
+                  <a:fillRect t="-6410"/>
                 </a:stretch>
               </a:blipFill>
             </p:spPr>
@@ -26539,19 +26521,22 @@
           <a:lstStyle/>
           <a:p>
             <a:r>
-              <a:rPr lang="en-US" sz="2800" dirty="0" smtClean="0">
-                <a:latin typeface="+mj-lt"/>
-              </a:rPr>
-              <a:t>For </a:t>
-            </a:r>
-            <a:r>
               <a:rPr lang="en-US" sz="2800" b="1" dirty="0" smtClean="0">
                 <a:solidFill>
                   <a:srgbClr val="0070C0"/>
                 </a:solidFill>
                 <a:latin typeface="+mj-lt"/>
               </a:rPr>
-              <a:t>x[3].foo</a:t>
+              <a:t>x[3</a:t>
+            </a:r>
+            <a:r>
+              <a:rPr lang="en-US" sz="2800" b="1" dirty="0" smtClean="0">
+                <a:solidFill>
+                  <a:srgbClr val="0070C0"/>
+                </a:solidFill>
+                <a:latin typeface="+mj-lt"/>
+              </a:rPr>
+              <a:t>].foo</a:t>
             </a:r>
             <a:r>
               <a:rPr lang="en-US" sz="2800" dirty="0" smtClean="0">
@@ -26761,8 +26746,8 @@
           </a:p>
         </p:txBody>
       </p:sp>
-      <mc:AlternateContent xmlns:mc="http://schemas.openxmlformats.org/markup-compatibility/2006" xmlns:a14="http://schemas.microsoft.com/office/drawing/2010/main">
-        <mc:Choice Requires="a14">
+      <mc:AlternateContent xmlns:mc="http://schemas.openxmlformats.org/markup-compatibility/2006">
+        <mc:Choice xmlns:a14="http://schemas.microsoft.com/office/drawing/2010/main" Requires="a14">
           <p:sp>
             <p:nvSpPr>
               <p:cNvPr id="5" name="TextBox 4"/>
@@ -26785,12 +26770,6 @@
               </a:bodyPr>
               <a:lstStyle/>
               <a:p>
-                <a:r>
-                  <a:rPr lang="en-US" sz="2800" dirty="0" smtClean="0">
-                    <a:latin typeface="+mj-lt"/>
-                  </a:rPr>
-                  <a:t>For </a:t>
-                </a:r>
                 <a14:m>
                   <m:oMath xmlns:m="http://schemas.openxmlformats.org/officeDocument/2006/math">
                     <m:sSub>
@@ -26876,7 +26855,7 @@
             </p:txBody>
           </p:sp>
         </mc:Choice>
-        <mc:Fallback xmlns="">
+        <mc:Fallback>
           <p:sp>
             <p:nvSpPr>
               <p:cNvPr id="5" name="TextBox 4"/>
@@ -26896,7 +26875,7 @@
               <a:blipFill>
                 <a:blip r:embed="rId3"/>
                 <a:stretch>
-                  <a:fillRect l="-1202" t="-6410"/>
+                  <a:fillRect t="-6410"/>
                 </a:stretch>
               </a:blipFill>
             </p:spPr>
@@ -27238,8 +27217,8 @@
           </a:p>
         </p:txBody>
       </p:sp>
-      <mc:AlternateContent xmlns:mc="http://schemas.openxmlformats.org/markup-compatibility/2006" xmlns:a14="http://schemas.microsoft.com/office/drawing/2010/main">
-        <mc:Choice Requires="a14">
+      <mc:AlternateContent xmlns:mc="http://schemas.openxmlformats.org/markup-compatibility/2006">
+        <mc:Choice xmlns:a14="http://schemas.microsoft.com/office/drawing/2010/main" Requires="a14">
           <p:sp>
             <p:nvSpPr>
               <p:cNvPr id="5" name="TextBox 4"/>
@@ -27262,12 +27241,6 @@
               </a:bodyPr>
               <a:lstStyle/>
               <a:p>
-                <a:r>
-                  <a:rPr lang="en-US" sz="2800" dirty="0" smtClean="0">
-                    <a:latin typeface="+mj-lt"/>
-                  </a:rPr>
-                  <a:t>For </a:t>
-                </a:r>
                 <a14:m>
                   <m:oMath xmlns:m="http://schemas.openxmlformats.org/officeDocument/2006/math">
                     <m:r>
@@ -27338,7 +27311,7 @@
             </p:txBody>
           </p:sp>
         </mc:Choice>
-        <mc:Fallback xmlns="">
+        <mc:Fallback>
           <p:sp>
             <p:nvSpPr>
               <p:cNvPr id="5" name="TextBox 4"/>
@@ -27358,7 +27331,7 @@
               <a:blipFill>
                 <a:blip r:embed="rId3"/>
                 <a:stretch>
-                  <a:fillRect l="-1202" t="-6410"/>
+                  <a:fillRect t="-6410"/>
                 </a:stretch>
               </a:blipFill>
             </p:spPr>
@@ -28136,19 +28109,22 @@
           <a:lstStyle/>
           <a:p>
             <a:r>
-              <a:rPr lang="en-US" sz="2800" dirty="0" smtClean="0">
-                <a:latin typeface="+mj-lt"/>
-              </a:rPr>
-              <a:t>For </a:t>
-            </a:r>
-            <a:r>
               <a:rPr lang="en-US" sz="2800" b="1" dirty="0" smtClean="0">
                 <a:solidFill>
                   <a:srgbClr val="0070C0"/>
                 </a:solidFill>
                 <a:latin typeface="+mj-lt"/>
               </a:rPr>
-              <a:t>if (x * y) { z = 0; }</a:t>
+              <a:t>if </a:t>
+            </a:r>
+            <a:r>
+              <a:rPr lang="en-US" sz="2800" b="1" dirty="0" smtClean="0">
+                <a:solidFill>
+                  <a:srgbClr val="0070C0"/>
+                </a:solidFill>
+                <a:latin typeface="+mj-lt"/>
+              </a:rPr>
+              <a:t>(x * y) { z = 0; }</a:t>
             </a:r>
             <a:r>
               <a:rPr lang="en-US" sz="2800" dirty="0" smtClean="0">
@@ -28526,8 +28502,8 @@
           </a:p>
         </p:txBody>
       </p:sp>
-      <mc:AlternateContent xmlns:mc="http://schemas.openxmlformats.org/markup-compatibility/2006" xmlns:a14="http://schemas.microsoft.com/office/drawing/2010/main">
-        <mc:Choice Requires="a14">
+      <mc:AlternateContent xmlns:mc="http://schemas.openxmlformats.org/markup-compatibility/2006">
+        <mc:Choice xmlns:a14="http://schemas.microsoft.com/office/drawing/2010/main" Requires="a14">
           <p:sp>
             <p:nvSpPr>
               <p:cNvPr id="5" name="TextBox 4"/>
@@ -28550,12 +28526,6 @@
               </a:bodyPr>
               <a:lstStyle/>
               <a:p>
-                <a:r>
-                  <a:rPr lang="en-US" sz="2800" dirty="0" smtClean="0">
-                    <a:latin typeface="+mj-lt"/>
-                  </a:rPr>
-                  <a:t>For </a:t>
-                </a:r>
                 <a14:m>
                   <m:oMath xmlns:m="http://schemas.openxmlformats.org/officeDocument/2006/math">
                     <m:r>
@@ -28701,7 +28671,7 @@
             </p:txBody>
           </p:sp>
         </mc:Choice>
-        <mc:Fallback xmlns="">
+        <mc:Fallback>
           <p:sp>
             <p:nvSpPr>
               <p:cNvPr id="5" name="TextBox 4"/>
@@ -28721,7 +28691,7 @@
               <a:blipFill>
                 <a:blip r:embed="rId3"/>
                 <a:stretch>
-                  <a:fillRect l="-1202" t="-6410"/>
+                  <a:fillRect t="-6410"/>
                 </a:stretch>
               </a:blipFill>
             </p:spPr>
@@ -29808,19 +29778,22 @@
           <a:lstStyle/>
           <a:p>
             <a:r>
-              <a:rPr lang="en-US" sz="2800" dirty="0" smtClean="0">
-                <a:latin typeface="+mj-lt"/>
-              </a:rPr>
-              <a:t>For </a:t>
-            </a:r>
-            <a:r>
               <a:rPr lang="en-US" sz="2800" b="1" dirty="0" smtClean="0">
                 <a:solidFill>
                   <a:srgbClr val="0070C0"/>
                 </a:solidFill>
                 <a:latin typeface="+mj-lt"/>
               </a:rPr>
-              <a:t>if (w) { z = 0; } else { z = 100; }</a:t>
+              <a:t>if </a:t>
+            </a:r>
+            <a:r>
+              <a:rPr lang="en-US" sz="2800" b="1" dirty="0" smtClean="0">
+                <a:solidFill>
+                  <a:srgbClr val="0070C0"/>
+                </a:solidFill>
+                <a:latin typeface="+mj-lt"/>
+              </a:rPr>
+              <a:t>(w) { z = 0; } else { z = 100; }</a:t>
             </a:r>
             <a:r>
               <a:rPr lang="en-US" sz="2800" dirty="0" smtClean="0">
@@ -30098,8 +30071,8 @@
           </a:p>
         </p:txBody>
       </p:sp>
-      <mc:AlternateContent xmlns:mc="http://schemas.openxmlformats.org/markup-compatibility/2006" xmlns:a14="http://schemas.microsoft.com/office/drawing/2010/main">
-        <mc:Choice Requires="a14">
+      <mc:AlternateContent xmlns:mc="http://schemas.openxmlformats.org/markup-compatibility/2006">
+        <mc:Choice xmlns:a14="http://schemas.microsoft.com/office/drawing/2010/main" Requires="a14">
           <p:sp>
             <p:nvSpPr>
               <p:cNvPr id="5" name="TextBox 4"/>
@@ -30122,12 +30095,6 @@
               </a:bodyPr>
               <a:lstStyle/>
               <a:p>
-                <a:r>
-                  <a:rPr lang="en-US" sz="2800" dirty="0" smtClean="0">
-                    <a:latin typeface="+mj-lt"/>
-                  </a:rPr>
-                  <a:t>For </a:t>
-                </a:r>
                 <a14:m>
                   <m:oMath xmlns:m="http://schemas.openxmlformats.org/officeDocument/2006/math">
                     <m:r>
@@ -30211,7 +30178,7 @@
             </p:txBody>
           </p:sp>
         </mc:Choice>
-        <mc:Fallback xmlns="">
+        <mc:Fallback>
           <p:sp>
             <p:nvSpPr>
               <p:cNvPr id="5" name="TextBox 4"/>
@@ -30231,7 +30198,7 @@
               <a:blipFill>
                 <a:blip r:embed="rId3"/>
                 <a:stretch>
-                  <a:fillRect l="-1202" t="-6410"/>
+                  <a:fillRect t="-6410"/>
                 </a:stretch>
               </a:blipFill>
             </p:spPr>
@@ -31057,19 +31024,22 @@
           <a:lstStyle/>
           <a:p>
             <a:r>
-              <a:rPr lang="en-US" sz="2800" dirty="0" smtClean="0">
-                <a:latin typeface="+mj-lt"/>
-              </a:rPr>
-              <a:t>For </a:t>
-            </a:r>
-            <a:r>
               <a:rPr lang="en-US" sz="2800" b="1" dirty="0" smtClean="0">
                 <a:solidFill>
                   <a:srgbClr val="0070C0"/>
                 </a:solidFill>
                 <a:latin typeface="+mj-lt"/>
               </a:rPr>
-              <a:t>while (z / x) { }</a:t>
+              <a:t>while </a:t>
+            </a:r>
+            <a:r>
+              <a:rPr lang="en-US" sz="2800" b="1" dirty="0" smtClean="0">
+                <a:solidFill>
+                  <a:srgbClr val="0070C0"/>
+                </a:solidFill>
+                <a:latin typeface="+mj-lt"/>
+              </a:rPr>
+              <a:t>(z / x) { }</a:t>
             </a:r>
             <a:r>
               <a:rPr lang="en-US" sz="2800" dirty="0" smtClean="0">
@@ -31332,8 +31302,8 @@
           </a:p>
         </p:txBody>
       </p:sp>
-      <mc:AlternateContent xmlns:mc="http://schemas.openxmlformats.org/markup-compatibility/2006" xmlns:a14="http://schemas.microsoft.com/office/drawing/2010/main">
-        <mc:Choice Requires="a14">
+      <mc:AlternateContent xmlns:mc="http://schemas.openxmlformats.org/markup-compatibility/2006">
+        <mc:Choice xmlns:a14="http://schemas.microsoft.com/office/drawing/2010/main" Requires="a14">
           <p:sp>
             <p:nvSpPr>
               <p:cNvPr id="5" name="TextBox 4"/>
@@ -31356,12 +31326,6 @@
               </a:bodyPr>
               <a:lstStyle/>
               <a:p>
-                <a:r>
-                  <a:rPr lang="en-US" sz="2800" dirty="0" smtClean="0">
-                    <a:latin typeface="+mj-lt"/>
-                  </a:rPr>
-                  <a:t>For </a:t>
-                </a:r>
                 <a14:m>
                   <m:oMath xmlns:m="http://schemas.openxmlformats.org/officeDocument/2006/math">
                     <m:r>
@@ -31470,7 +31434,7 @@
             </p:txBody>
           </p:sp>
         </mc:Choice>
-        <mc:Fallback xmlns="">
+        <mc:Fallback>
           <p:sp>
             <p:nvSpPr>
               <p:cNvPr id="5" name="TextBox 4"/>
@@ -31490,7 +31454,7 @@
               <a:blipFill>
                 <a:blip r:embed="rId3"/>
                 <a:stretch>
-                  <a:fillRect l="-1202" t="-6410"/>
+                  <a:fillRect t="-6410"/>
                 </a:stretch>
               </a:blipFill>
             </p:spPr>
@@ -32116,12 +32080,6 @@
           <a:lstStyle/>
           <a:p>
             <a:r>
-              <a:rPr lang="en-US" sz="2800" dirty="0" smtClean="0">
-                <a:latin typeface="+mj-lt"/>
-              </a:rPr>
-              <a:t>For </a:t>
-            </a:r>
-            <a:r>
               <a:rPr lang="en-US" sz="2800" b="1" dirty="0" err="1" smtClean="0">
                 <a:solidFill>
                   <a:srgbClr val="0070C0"/>
@@ -32137,7 +32095,16 @@
                 </a:solidFill>
                 <a:latin typeface="+mj-lt"/>
               </a:rPr>
-              <a:t>(2, x + 1)</a:t>
+              <a:t>(2</a:t>
+            </a:r>
+            <a:r>
+              <a:rPr lang="en-US" sz="2800" b="1" dirty="0" smtClean="0">
+                <a:solidFill>
+                  <a:srgbClr val="0070C0"/>
+                </a:solidFill>
+                <a:latin typeface="+mj-lt"/>
+              </a:rPr>
+              <a:t>, x + 1)</a:t>
             </a:r>
             <a:r>
               <a:rPr lang="en-US" sz="2800" dirty="0" smtClean="0">
@@ -32342,8 +32309,8 @@
           </a:p>
         </p:txBody>
       </p:sp>
-      <mc:AlternateContent xmlns:mc="http://schemas.openxmlformats.org/markup-compatibility/2006" xmlns:a14="http://schemas.microsoft.com/office/drawing/2010/main">
-        <mc:Choice Requires="a14">
+      <mc:AlternateContent xmlns:mc="http://schemas.openxmlformats.org/markup-compatibility/2006">
+        <mc:Choice xmlns:a14="http://schemas.microsoft.com/office/drawing/2010/main" Requires="a14">
           <p:sp>
             <p:nvSpPr>
               <p:cNvPr id="5" name="TextBox 4"/>
@@ -32366,12 +32333,6 @@
               </a:bodyPr>
               <a:lstStyle/>
               <a:p>
-                <a:r>
-                  <a:rPr lang="en-US" sz="2800" dirty="0" smtClean="0">
-                    <a:latin typeface="+mj-lt"/>
-                  </a:rPr>
-                  <a:t>For </a:t>
-                </a:r>
                 <a14:m>
                   <m:oMath xmlns:m="http://schemas.openxmlformats.org/officeDocument/2006/math">
                     <m:r>
@@ -32413,7 +32374,7 @@
             </p:txBody>
           </p:sp>
         </mc:Choice>
-        <mc:Fallback xmlns="">
+        <mc:Fallback>
           <p:sp>
             <p:nvSpPr>
               <p:cNvPr id="5" name="TextBox 4"/>
@@ -32433,7 +32394,7 @@
               <a:blipFill>
                 <a:blip r:embed="rId3"/>
                 <a:stretch>
-                  <a:fillRect l="-1202" t="-6410"/>
+                  <a:fillRect t="-6410"/>
                 </a:stretch>
               </a:blipFill>
             </p:spPr>
@@ -32793,19 +32754,22 @@
           <a:lstStyle/>
           <a:p>
             <a:r>
-              <a:rPr lang="en-US" sz="2800" dirty="0" smtClean="0">
-                <a:latin typeface="+mj-lt"/>
-              </a:rPr>
-              <a:t>For </a:t>
-            </a:r>
-            <a:r>
               <a:rPr lang="en-US" sz="2800" b="1" dirty="0" smtClean="0">
                 <a:solidFill>
                   <a:srgbClr val="0070C0"/>
                 </a:solidFill>
                 <a:latin typeface="+mj-lt"/>
               </a:rPr>
-              <a:t>return w * 3</a:t>
+              <a:t>return </a:t>
+            </a:r>
+            <a:r>
+              <a:rPr lang="en-US" sz="2800" b="1" dirty="0" smtClean="0">
+                <a:solidFill>
+                  <a:srgbClr val="0070C0"/>
+                </a:solidFill>
+                <a:latin typeface="+mj-lt"/>
+              </a:rPr>
+              <a:t>w * 3</a:t>
             </a:r>
             <a:r>
               <a:rPr lang="en-US" sz="2800" dirty="0" smtClean="0">
@@ -32994,8 +32958,8 @@
           </a:p>
         </p:txBody>
       </p:sp>
-      <mc:AlternateContent xmlns:mc="http://schemas.openxmlformats.org/markup-compatibility/2006" xmlns:a14="http://schemas.microsoft.com/office/drawing/2010/main">
-        <mc:Choice Requires="a14">
+      <mc:AlternateContent xmlns:mc="http://schemas.openxmlformats.org/markup-compatibility/2006">
+        <mc:Choice xmlns:a14="http://schemas.microsoft.com/office/drawing/2010/main" Requires="a14">
           <p:sp>
             <p:nvSpPr>
               <p:cNvPr id="5" name="TextBox 4"/>
@@ -33018,12 +32982,6 @@
               </a:bodyPr>
               <a:lstStyle/>
               <a:p>
-                <a:r>
-                  <a:rPr lang="en-US" sz="2800" dirty="0" smtClean="0">
-                    <a:latin typeface="+mj-lt"/>
-                  </a:rPr>
-                  <a:t>For </a:t>
-                </a:r>
                 <a14:m>
                   <m:oMath xmlns:m="http://schemas.openxmlformats.org/officeDocument/2006/math">
                     <m:sSub>
@@ -33134,7 +33092,7 @@
             </p:txBody>
           </p:sp>
         </mc:Choice>
-        <mc:Fallback xmlns="">
+        <mc:Fallback>
           <p:sp>
             <p:nvSpPr>
               <p:cNvPr id="5" name="TextBox 4"/>
@@ -33154,7 +33112,7 @@
               <a:blipFill>
                 <a:blip r:embed="rId3"/>
                 <a:stretch>
-                  <a:fillRect l="-1202" t="-6410"/>
+                  <a:fillRect t="-6410"/>
                 </a:stretch>
               </a:blipFill>
             </p:spPr>
@@ -34025,12 +33983,6 @@
           <a:lstStyle/>
           <a:p>
             <a:r>
-              <a:rPr lang="en-US" sz="2800" dirty="0" smtClean="0">
-                <a:latin typeface="+mj-lt"/>
-              </a:rPr>
-              <a:t>For </a:t>
-            </a:r>
-            <a:r>
               <a:rPr lang="en-US" sz="2800" b="1" dirty="0" err="1" smtClean="0">
                 <a:solidFill>
                   <a:srgbClr val="0070C0"/>
@@ -34046,7 +33998,16 @@
                 </a:solidFill>
                 <a:latin typeface="+mj-lt"/>
               </a:rPr>
-              <a:t>[0] = x+1</a:t>
+              <a:t>[0</a:t>
+            </a:r>
+            <a:r>
+              <a:rPr lang="en-US" sz="2800" b="1" dirty="0" smtClean="0">
+                <a:solidFill>
+                  <a:srgbClr val="0070C0"/>
+                </a:solidFill>
+                <a:latin typeface="+mj-lt"/>
+              </a:rPr>
+              <a:t>] = x+1</a:t>
             </a:r>
             <a:r>
               <a:rPr lang="en-US" sz="2800" dirty="0" smtClean="0">
@@ -34425,8 +34386,8 @@
           </a:p>
         </p:txBody>
       </p:sp>
-      <mc:AlternateContent xmlns:mc="http://schemas.openxmlformats.org/markup-compatibility/2006" xmlns:a14="http://schemas.microsoft.com/office/drawing/2010/main">
-        <mc:Choice Requires="a14">
+      <mc:AlternateContent xmlns:mc="http://schemas.openxmlformats.org/markup-compatibility/2006">
+        <mc:Choice xmlns:a14="http://schemas.microsoft.com/office/drawing/2010/main" Requires="a14">
           <p:sp>
             <p:nvSpPr>
               <p:cNvPr id="5" name="TextBox 4"/>
@@ -34449,12 +34410,6 @@
               </a:bodyPr>
               <a:lstStyle/>
               <a:p>
-                <a:r>
-                  <a:rPr lang="en-US" sz="2800" dirty="0" smtClean="0">
-                    <a:latin typeface="+mj-lt"/>
-                  </a:rPr>
-                  <a:t>For </a:t>
-                </a:r>
                 <a14:m>
                   <m:oMath xmlns:m="http://schemas.openxmlformats.org/officeDocument/2006/math">
                     <m:r>
@@ -34508,7 +34463,7 @@
             </p:txBody>
           </p:sp>
         </mc:Choice>
-        <mc:Fallback xmlns="">
+        <mc:Fallback>
           <p:sp>
             <p:nvSpPr>
               <p:cNvPr id="5" name="TextBox 4"/>
@@ -34528,7 +34483,7 @@
               <a:blipFill>
                 <a:blip r:embed="rId3"/>
                 <a:stretch>
-                  <a:fillRect l="-1202" t="-6410"/>
+                  <a:fillRect t="-6410"/>
                 </a:stretch>
               </a:blipFill>
             </p:spPr>
@@ -35104,12 +35059,6 @@
           <a:lstStyle/>
           <a:p>
             <a:r>
-              <a:rPr lang="en-US" sz="2800" dirty="0" smtClean="0">
-                <a:latin typeface="+mj-lt"/>
-              </a:rPr>
-              <a:t>For </a:t>
-            </a:r>
-            <a:r>
               <a:rPr lang="en-US" sz="2800" b="1" dirty="0" err="1" smtClean="0">
                 <a:solidFill>
                   <a:srgbClr val="0070C0"/>
@@ -35125,7 +35074,16 @@
                 </a:solidFill>
                 <a:latin typeface="+mj-lt"/>
               </a:rPr>
-              <a:t> = 7</a:t>
+              <a:t> </a:t>
+            </a:r>
+            <a:r>
+              <a:rPr lang="en-US" sz="2800" b="1" dirty="0" smtClean="0">
+                <a:solidFill>
+                  <a:srgbClr val="0070C0"/>
+                </a:solidFill>
+                <a:latin typeface="+mj-lt"/>
+              </a:rPr>
+              <a:t>= 7</a:t>
             </a:r>
             <a:r>
               <a:rPr lang="en-US" sz="2800" dirty="0" smtClean="0">
@@ -35295,8 +35253,8 @@
           </a:p>
         </p:txBody>
       </p:sp>
-      <mc:AlternateContent xmlns:mc="http://schemas.openxmlformats.org/markup-compatibility/2006" xmlns:a14="http://schemas.microsoft.com/office/drawing/2010/main">
-        <mc:Choice Requires="a14">
+      <mc:AlternateContent xmlns:mc="http://schemas.openxmlformats.org/markup-compatibility/2006">
+        <mc:Choice xmlns:a14="http://schemas.microsoft.com/office/drawing/2010/main" Requires="a14">
           <p:sp>
             <p:nvSpPr>
               <p:cNvPr id="5" name="TextBox 4"/>
@@ -35319,12 +35277,6 @@
               </a:bodyPr>
               <a:lstStyle/>
               <a:p>
-                <a:r>
-                  <a:rPr lang="en-US" sz="2800" dirty="0" smtClean="0">
-                    <a:latin typeface="+mj-lt"/>
-                  </a:rPr>
-                  <a:t>For </a:t>
-                </a:r>
                 <a14:m>
                   <m:oMath xmlns:m="http://schemas.openxmlformats.org/officeDocument/2006/math">
                     <m:r>
@@ -35445,7 +35397,7 @@
             </p:txBody>
           </p:sp>
         </mc:Choice>
-        <mc:Fallback xmlns="">
+        <mc:Fallback>
           <p:sp>
             <p:nvSpPr>
               <p:cNvPr id="5" name="TextBox 4"/>
@@ -35465,7 +35417,7 @@
               <a:blipFill>
                 <a:blip r:embed="rId3"/>
                 <a:stretch>
-                  <a:fillRect l="-1202" t="-6410"/>
+                  <a:fillRect t="-6410"/>
                 </a:stretch>
               </a:blipFill>
             </p:spPr>
@@ -36292,12 +36244,6 @@
           <a:lstStyle/>
           <a:p>
             <a:r>
-              <a:rPr lang="en-US" sz="2800" dirty="0" smtClean="0">
-                <a:latin typeface="+mj-lt"/>
-              </a:rPr>
-              <a:t>For </a:t>
-            </a:r>
-            <a:r>
               <a:rPr lang="en-US" sz="2800" b="1" dirty="0" err="1" smtClean="0">
                 <a:solidFill>
                   <a:srgbClr val="0070C0"/>
@@ -36313,7 +36259,16 @@
                 </a:solidFill>
                 <a:latin typeface="+mj-lt"/>
               </a:rPr>
-              <a:t>(2, x + 1)</a:t>
+              <a:t>(2</a:t>
+            </a:r>
+            <a:r>
+              <a:rPr lang="en-US" sz="2800" b="1" dirty="0" smtClean="0">
+                <a:solidFill>
+                  <a:srgbClr val="0070C0"/>
+                </a:solidFill>
+                <a:latin typeface="+mj-lt"/>
+              </a:rPr>
+              <a:t>, x + 1)</a:t>
             </a:r>
             <a:r>
               <a:rPr lang="en-US" sz="2800" dirty="0" smtClean="0">
